--- a/The LuGre Friction Model.pptx
+++ b/The LuGre Friction Model.pptx
@@ -1,17 +1,25 @@
 
 <file path=ppt/presentation.xml><?xml version="1.0" encoding="utf-8"?>
-<p:presentation xmlns:a="http://schemas.openxmlformats.org/drawingml/2006/main" xmlns:r="http://schemas.openxmlformats.org/officeDocument/2006/relationships" xmlns:p="http://schemas.openxmlformats.org/presentationml/2006/main" saveSubsetFonts="1">
+<p:presentation xmlns:a="http://schemas.openxmlformats.org/drawingml/2006/main" xmlns:r="http://schemas.openxmlformats.org/officeDocument/2006/relationships" xmlns:p="http://schemas.openxmlformats.org/presentationml/2006/main" showSpecialPlsOnTitleSld="0" saveSubsetFonts="1">
   <p:sldMasterIdLst>
     <p:sldMasterId id="2147483648" r:id="rId1"/>
   </p:sldMasterIdLst>
+  <p:notesMasterIdLst>
+    <p:notesMasterId r:id="rId14"/>
+  </p:notesMasterIdLst>
   <p:sldIdLst>
     <p:sldId id="256" r:id="rId2"/>
     <p:sldId id="263" r:id="rId3"/>
     <p:sldId id="262" r:id="rId4"/>
-    <p:sldId id="257" r:id="rId5"/>
-    <p:sldId id="258" r:id="rId6"/>
-    <p:sldId id="259" r:id="rId7"/>
-    <p:sldId id="260" r:id="rId8"/>
+    <p:sldId id="258" r:id="rId5"/>
+    <p:sldId id="259" r:id="rId6"/>
+    <p:sldId id="260" r:id="rId7"/>
+    <p:sldId id="264" r:id="rId8"/>
+    <p:sldId id="265" r:id="rId9"/>
+    <p:sldId id="266" r:id="rId10"/>
+    <p:sldId id="267" r:id="rId11"/>
+    <p:sldId id="269" r:id="rId12"/>
+    <p:sldId id="268" r:id="rId13"/>
   </p:sldIdLst>
   <p:sldSz cx="12192000" cy="6858000"/>
   <p:notesSz cx="6858000" cy="9144000"/>
@@ -129,6 +137,355 @@
 </p:presentation>
 </file>
 
+<file path=ppt/notesMasters/notesMaster1.xml><?xml version="1.0" encoding="utf-8"?>
+<p:notesMaster xmlns:a="http://schemas.openxmlformats.org/drawingml/2006/main" xmlns:r="http://schemas.openxmlformats.org/officeDocument/2006/relationships" xmlns:p="http://schemas.openxmlformats.org/presentationml/2006/main">
+  <p:cSld>
+    <p:bg>
+      <p:bgRef idx="1001">
+        <a:schemeClr val="bg1"/>
+      </p:bgRef>
+    </p:bg>
+    <p:spTree>
+      <p:nvGrpSpPr>
+        <p:cNvPr id="1" name=""/>
+        <p:cNvGrpSpPr/>
+        <p:nvPr/>
+      </p:nvGrpSpPr>
+      <p:grpSpPr>
+        <a:xfrm>
+          <a:off x="0" y="0"/>
+          <a:ext cx="0" cy="0"/>
+          <a:chOff x="0" y="0"/>
+          <a:chExt cx="0" cy="0"/>
+        </a:xfrm>
+      </p:grpSpPr>
+      <p:sp>
+        <p:nvSpPr>
+          <p:cNvPr id="2" name="Header Placeholder 1"/>
+          <p:cNvSpPr>
+            <a:spLocks noGrp="1"/>
+          </p:cNvSpPr>
+          <p:nvPr>
+            <p:ph type="hdr" sz="quarter"/>
+          </p:nvPr>
+        </p:nvSpPr>
+        <p:spPr>
+          <a:xfrm>
+            <a:off x="0" y="0"/>
+            <a:ext cx="2971800" cy="458788"/>
+          </a:xfrm>
+          <a:prstGeom prst="rect">
+            <a:avLst/>
+          </a:prstGeom>
+        </p:spPr>
+        <p:txBody>
+          <a:bodyPr vert="horz" lIns="91440" tIns="45720" rIns="91440" bIns="45720" rtlCol="0"/>
+          <a:lstStyle>
+            <a:lvl1pPr algn="l">
+              <a:defRPr sz="1200"/>
+            </a:lvl1pPr>
+          </a:lstStyle>
+          <a:p>
+            <a:endParaRPr lang="en-US"/>
+          </a:p>
+        </p:txBody>
+      </p:sp>
+      <p:sp>
+        <p:nvSpPr>
+          <p:cNvPr id="3" name="Date Placeholder 2"/>
+          <p:cNvSpPr>
+            <a:spLocks noGrp="1"/>
+          </p:cNvSpPr>
+          <p:nvPr>
+            <p:ph type="dt" idx="1"/>
+          </p:nvPr>
+        </p:nvSpPr>
+        <p:spPr>
+          <a:xfrm>
+            <a:off x="3884613" y="0"/>
+            <a:ext cx="2971800" cy="458788"/>
+          </a:xfrm>
+          <a:prstGeom prst="rect">
+            <a:avLst/>
+          </a:prstGeom>
+        </p:spPr>
+        <p:txBody>
+          <a:bodyPr vert="horz" lIns="91440" tIns="45720" rIns="91440" bIns="45720" rtlCol="0"/>
+          <a:lstStyle>
+            <a:lvl1pPr algn="r">
+              <a:defRPr sz="1200"/>
+            </a:lvl1pPr>
+          </a:lstStyle>
+          <a:p>
+            <a:fld id="{6C1F5955-B666-412F-8962-0C7DD1B7DE6F}" type="datetimeFigureOut">
+              <a:rPr lang="en-US" smtClean="0"/>
+              <a:t>12/27/2020</a:t>
+            </a:fld>
+            <a:endParaRPr lang="en-US"/>
+          </a:p>
+        </p:txBody>
+      </p:sp>
+      <p:sp>
+        <p:nvSpPr>
+          <p:cNvPr id="4" name="Slide Image Placeholder 3"/>
+          <p:cNvSpPr>
+            <a:spLocks noGrp="1" noRot="1" noChangeAspect="1"/>
+          </p:cNvSpPr>
+          <p:nvPr>
+            <p:ph type="sldImg" idx="2"/>
+          </p:nvPr>
+        </p:nvSpPr>
+        <p:spPr>
+          <a:xfrm>
+            <a:off x="685800" y="1143000"/>
+            <a:ext cx="5486400" cy="3086100"/>
+          </a:xfrm>
+          <a:prstGeom prst="rect">
+            <a:avLst/>
+          </a:prstGeom>
+          <a:noFill/>
+          <a:ln w="12700">
+            <a:solidFill>
+              <a:prstClr val="black"/>
+            </a:solidFill>
+          </a:ln>
+        </p:spPr>
+        <p:txBody>
+          <a:bodyPr vert="horz" lIns="91440" tIns="45720" rIns="91440" bIns="45720" rtlCol="0" anchor="ctr"/>
+          <a:lstStyle/>
+          <a:p>
+            <a:endParaRPr lang="en-US"/>
+          </a:p>
+        </p:txBody>
+      </p:sp>
+      <p:sp>
+        <p:nvSpPr>
+          <p:cNvPr id="5" name="Notes Placeholder 4"/>
+          <p:cNvSpPr>
+            <a:spLocks noGrp="1"/>
+          </p:cNvSpPr>
+          <p:nvPr>
+            <p:ph type="body" sz="quarter" idx="3"/>
+          </p:nvPr>
+        </p:nvSpPr>
+        <p:spPr>
+          <a:xfrm>
+            <a:off x="685800" y="4400550"/>
+            <a:ext cx="5486400" cy="3600450"/>
+          </a:xfrm>
+          <a:prstGeom prst="rect">
+            <a:avLst/>
+          </a:prstGeom>
+        </p:spPr>
+        <p:txBody>
+          <a:bodyPr vert="horz" lIns="91440" tIns="45720" rIns="91440" bIns="45720" rtlCol="0"/>
+          <a:lstStyle/>
+          <a:p>
+            <a:pPr lvl="0"/>
+            <a:r>
+              <a:rPr lang="en-US"/>
+              <a:t>Click to edit Master text styles</a:t>
+            </a:r>
+          </a:p>
+          <a:p>
+            <a:pPr lvl="1"/>
+            <a:r>
+              <a:rPr lang="en-US"/>
+              <a:t>Second level</a:t>
+            </a:r>
+          </a:p>
+          <a:p>
+            <a:pPr lvl="2"/>
+            <a:r>
+              <a:rPr lang="en-US"/>
+              <a:t>Third level</a:t>
+            </a:r>
+          </a:p>
+          <a:p>
+            <a:pPr lvl="3"/>
+            <a:r>
+              <a:rPr lang="en-US"/>
+              <a:t>Fourth level</a:t>
+            </a:r>
+          </a:p>
+          <a:p>
+            <a:pPr lvl="4"/>
+            <a:r>
+              <a:rPr lang="en-US"/>
+              <a:t>Fifth level</a:t>
+            </a:r>
+          </a:p>
+        </p:txBody>
+      </p:sp>
+      <p:sp>
+        <p:nvSpPr>
+          <p:cNvPr id="6" name="Footer Placeholder 5"/>
+          <p:cNvSpPr>
+            <a:spLocks noGrp="1"/>
+          </p:cNvSpPr>
+          <p:nvPr>
+            <p:ph type="ftr" sz="quarter" idx="4"/>
+          </p:nvPr>
+        </p:nvSpPr>
+        <p:spPr>
+          <a:xfrm>
+            <a:off x="0" y="8685213"/>
+            <a:ext cx="2971800" cy="458787"/>
+          </a:xfrm>
+          <a:prstGeom prst="rect">
+            <a:avLst/>
+          </a:prstGeom>
+        </p:spPr>
+        <p:txBody>
+          <a:bodyPr vert="horz" lIns="91440" tIns="45720" rIns="91440" bIns="45720" rtlCol="0" anchor="b"/>
+          <a:lstStyle>
+            <a:lvl1pPr algn="l">
+              <a:defRPr sz="1200"/>
+            </a:lvl1pPr>
+          </a:lstStyle>
+          <a:p>
+            <a:endParaRPr lang="en-US"/>
+          </a:p>
+        </p:txBody>
+      </p:sp>
+      <p:sp>
+        <p:nvSpPr>
+          <p:cNvPr id="7" name="Slide Number Placeholder 6"/>
+          <p:cNvSpPr>
+            <a:spLocks noGrp="1"/>
+          </p:cNvSpPr>
+          <p:nvPr>
+            <p:ph type="sldNum" sz="quarter" idx="5"/>
+          </p:nvPr>
+        </p:nvSpPr>
+        <p:spPr>
+          <a:xfrm>
+            <a:off x="3884613" y="8685213"/>
+            <a:ext cx="2971800" cy="458787"/>
+          </a:xfrm>
+          <a:prstGeom prst="rect">
+            <a:avLst/>
+          </a:prstGeom>
+        </p:spPr>
+        <p:txBody>
+          <a:bodyPr vert="horz" lIns="91440" tIns="45720" rIns="91440" bIns="45720" rtlCol="0" anchor="b"/>
+          <a:lstStyle>
+            <a:lvl1pPr algn="r">
+              <a:defRPr sz="1200"/>
+            </a:lvl1pPr>
+          </a:lstStyle>
+          <a:p>
+            <a:fld id="{7FCCE9CE-6E0C-4561-BA6C-48A3AC5B5009}" type="slidenum">
+              <a:rPr lang="en-US" smtClean="0"/>
+              <a:t>‹#›</a:t>
+            </a:fld>
+            <a:endParaRPr lang="en-US"/>
+          </a:p>
+        </p:txBody>
+      </p:sp>
+    </p:spTree>
+    <p:extLst>
+      <p:ext uri="{BB962C8B-B14F-4D97-AF65-F5344CB8AC3E}">
+        <p14:creationId xmlns:p14="http://schemas.microsoft.com/office/powerpoint/2010/main" val="3374819480"/>
+      </p:ext>
+    </p:extLst>
+  </p:cSld>
+  <p:clrMap bg1="lt1" tx1="dk1" bg2="lt2" tx2="dk2" accent1="accent1" accent2="accent2" accent3="accent3" accent4="accent4" accent5="accent5" accent6="accent6" hlink="hlink" folHlink="folHlink"/>
+  <p:notesStyle>
+    <a:lvl1pPr marL="0" algn="l" defTabSz="914400" rtl="0" eaLnBrk="1" latinLnBrk="0" hangingPunct="1">
+      <a:defRPr sz="1200" kern="1200">
+        <a:solidFill>
+          <a:schemeClr val="tx1"/>
+        </a:solidFill>
+        <a:latin typeface="+mn-lt"/>
+        <a:ea typeface="+mn-ea"/>
+        <a:cs typeface="+mn-cs"/>
+      </a:defRPr>
+    </a:lvl1pPr>
+    <a:lvl2pPr marL="457200" algn="l" defTabSz="914400" rtl="0" eaLnBrk="1" latinLnBrk="0" hangingPunct="1">
+      <a:defRPr sz="1200" kern="1200">
+        <a:solidFill>
+          <a:schemeClr val="tx1"/>
+        </a:solidFill>
+        <a:latin typeface="+mn-lt"/>
+        <a:ea typeface="+mn-ea"/>
+        <a:cs typeface="+mn-cs"/>
+      </a:defRPr>
+    </a:lvl2pPr>
+    <a:lvl3pPr marL="914400" algn="l" defTabSz="914400" rtl="0" eaLnBrk="1" latinLnBrk="0" hangingPunct="1">
+      <a:defRPr sz="1200" kern="1200">
+        <a:solidFill>
+          <a:schemeClr val="tx1"/>
+        </a:solidFill>
+        <a:latin typeface="+mn-lt"/>
+        <a:ea typeface="+mn-ea"/>
+        <a:cs typeface="+mn-cs"/>
+      </a:defRPr>
+    </a:lvl3pPr>
+    <a:lvl4pPr marL="1371600" algn="l" defTabSz="914400" rtl="0" eaLnBrk="1" latinLnBrk="0" hangingPunct="1">
+      <a:defRPr sz="1200" kern="1200">
+        <a:solidFill>
+          <a:schemeClr val="tx1"/>
+        </a:solidFill>
+        <a:latin typeface="+mn-lt"/>
+        <a:ea typeface="+mn-ea"/>
+        <a:cs typeface="+mn-cs"/>
+      </a:defRPr>
+    </a:lvl4pPr>
+    <a:lvl5pPr marL="1828800" algn="l" defTabSz="914400" rtl="0" eaLnBrk="1" latinLnBrk="0" hangingPunct="1">
+      <a:defRPr sz="1200" kern="1200">
+        <a:solidFill>
+          <a:schemeClr val="tx1"/>
+        </a:solidFill>
+        <a:latin typeface="+mn-lt"/>
+        <a:ea typeface="+mn-ea"/>
+        <a:cs typeface="+mn-cs"/>
+      </a:defRPr>
+    </a:lvl5pPr>
+    <a:lvl6pPr marL="2286000" algn="l" defTabSz="914400" rtl="0" eaLnBrk="1" latinLnBrk="0" hangingPunct="1">
+      <a:defRPr sz="1200" kern="1200">
+        <a:solidFill>
+          <a:schemeClr val="tx1"/>
+        </a:solidFill>
+        <a:latin typeface="+mn-lt"/>
+        <a:ea typeface="+mn-ea"/>
+        <a:cs typeface="+mn-cs"/>
+      </a:defRPr>
+    </a:lvl6pPr>
+    <a:lvl7pPr marL="2743200" algn="l" defTabSz="914400" rtl="0" eaLnBrk="1" latinLnBrk="0" hangingPunct="1">
+      <a:defRPr sz="1200" kern="1200">
+        <a:solidFill>
+          <a:schemeClr val="tx1"/>
+        </a:solidFill>
+        <a:latin typeface="+mn-lt"/>
+        <a:ea typeface="+mn-ea"/>
+        <a:cs typeface="+mn-cs"/>
+      </a:defRPr>
+    </a:lvl7pPr>
+    <a:lvl8pPr marL="3200400" algn="l" defTabSz="914400" rtl="0" eaLnBrk="1" latinLnBrk="0" hangingPunct="1">
+      <a:defRPr sz="1200" kern="1200">
+        <a:solidFill>
+          <a:schemeClr val="tx1"/>
+        </a:solidFill>
+        <a:latin typeface="+mn-lt"/>
+        <a:ea typeface="+mn-ea"/>
+        <a:cs typeface="+mn-cs"/>
+      </a:defRPr>
+    </a:lvl8pPr>
+    <a:lvl9pPr marL="3657600" algn="l" defTabSz="914400" rtl="0" eaLnBrk="1" latinLnBrk="0" hangingPunct="1">
+      <a:defRPr sz="1200" kern="1200">
+        <a:solidFill>
+          <a:schemeClr val="tx1"/>
+        </a:solidFill>
+        <a:latin typeface="+mn-lt"/>
+        <a:ea typeface="+mn-ea"/>
+        <a:cs typeface="+mn-cs"/>
+      </a:defRPr>
+    </a:lvl9pPr>
+  </p:notesStyle>
+</p:notesMaster>
+</file>
+
 <file path=ppt/slideLayouts/slideLayout1.xml><?xml version="1.0" encoding="utf-8"?>
 <p:sldLayout xmlns:a="http://schemas.openxmlformats.org/drawingml/2006/main" xmlns:r="http://schemas.openxmlformats.org/officeDocument/2006/relationships" xmlns:p="http://schemas.openxmlformats.org/presentationml/2006/main" type="title" preserve="1">
   <p:cSld name="Title Slide">
@@ -256,9 +613,9 @@
           <a:bodyPr/>
           <a:lstStyle/>
           <a:p>
-            <a:fld id="{85B26788-16C4-44A9-86B8-A9A59BD94D3F}" type="datetimeFigureOut">
+            <a:fld id="{8845B38B-9831-4C84-BEDD-D88CA754021D}" type="datetime1">
               <a:rPr lang="en-US" smtClean="0"/>
-              <a:t>2/1/2017</a:t>
+              <a:t>12/27/2020</a:t>
             </a:fld>
             <a:endParaRPr lang="en-US"/>
           </a:p>
@@ -424,9 +781,9 @@
           <a:bodyPr/>
           <a:lstStyle/>
           <a:p>
-            <a:fld id="{85B26788-16C4-44A9-86B8-A9A59BD94D3F}" type="datetimeFigureOut">
+            <a:fld id="{657AEF9A-A7F5-4715-8D8C-5C611C1F71A9}" type="datetime1">
               <a:rPr lang="en-US" smtClean="0"/>
-              <a:t>2/1/2017</a:t>
+              <a:t>12/27/2020</a:t>
             </a:fld>
             <a:endParaRPr lang="en-US"/>
           </a:p>
@@ -602,9 +959,9 @@
           <a:bodyPr/>
           <a:lstStyle/>
           <a:p>
-            <a:fld id="{85B26788-16C4-44A9-86B8-A9A59BD94D3F}" type="datetimeFigureOut">
+            <a:fld id="{3B83D9C7-9049-4942-ABE6-64ED876688F4}" type="datetime1">
               <a:rPr lang="en-US" smtClean="0"/>
-              <a:t>2/1/2017</a:t>
+              <a:t>12/27/2020</a:t>
             </a:fld>
             <a:endParaRPr lang="en-US"/>
           </a:p>
@@ -770,9 +1127,9 @@
           <a:bodyPr/>
           <a:lstStyle/>
           <a:p>
-            <a:fld id="{85B26788-16C4-44A9-86B8-A9A59BD94D3F}" type="datetimeFigureOut">
+            <a:fld id="{AE982B7E-295B-4710-A855-758894BD3DF8}" type="datetime1">
               <a:rPr lang="en-US" smtClean="0"/>
-              <a:t>2/1/2017</a:t>
+              <a:t>12/27/2020</a:t>
             </a:fld>
             <a:endParaRPr lang="en-US"/>
           </a:p>
@@ -1015,9 +1372,9 @@
           <a:bodyPr/>
           <a:lstStyle/>
           <a:p>
-            <a:fld id="{85B26788-16C4-44A9-86B8-A9A59BD94D3F}" type="datetimeFigureOut">
+            <a:fld id="{2DA36495-0775-4A39-8994-C151E83A9898}" type="datetime1">
               <a:rPr lang="en-US" smtClean="0"/>
-              <a:t>2/1/2017</a:t>
+              <a:t>12/27/2020</a:t>
             </a:fld>
             <a:endParaRPr lang="en-US"/>
           </a:p>
@@ -1244,9 +1601,9 @@
           <a:bodyPr/>
           <a:lstStyle/>
           <a:p>
-            <a:fld id="{85B26788-16C4-44A9-86B8-A9A59BD94D3F}" type="datetimeFigureOut">
+            <a:fld id="{9ADE6800-0D3E-4E83-905C-045F728D950D}" type="datetime1">
               <a:rPr lang="en-US" smtClean="0"/>
-              <a:t>2/1/2017</a:t>
+              <a:t>12/27/2020</a:t>
             </a:fld>
             <a:endParaRPr lang="en-US"/>
           </a:p>
@@ -1608,9 +1965,9 @@
           <a:bodyPr/>
           <a:lstStyle/>
           <a:p>
-            <a:fld id="{85B26788-16C4-44A9-86B8-A9A59BD94D3F}" type="datetimeFigureOut">
+            <a:fld id="{F33AD0D7-8C4C-40E7-A98E-2A0144C24401}" type="datetime1">
               <a:rPr lang="en-US" smtClean="0"/>
-              <a:t>2/1/2017</a:t>
+              <a:t>12/27/2020</a:t>
             </a:fld>
             <a:endParaRPr lang="en-US"/>
           </a:p>
@@ -1725,9 +2082,9 @@
           <a:bodyPr/>
           <a:lstStyle/>
           <a:p>
-            <a:fld id="{85B26788-16C4-44A9-86B8-A9A59BD94D3F}" type="datetimeFigureOut">
+            <a:fld id="{F479C515-9313-4DC1-8AC5-C5EC3220589F}" type="datetime1">
               <a:rPr lang="en-US" smtClean="0"/>
-              <a:t>2/1/2017</a:t>
+              <a:t>12/27/2020</a:t>
             </a:fld>
             <a:endParaRPr lang="en-US"/>
           </a:p>
@@ -1820,9 +2177,9 @@
           <a:bodyPr/>
           <a:lstStyle/>
           <a:p>
-            <a:fld id="{85B26788-16C4-44A9-86B8-A9A59BD94D3F}" type="datetimeFigureOut">
+            <a:fld id="{BDB8EC4D-DAB3-46E4-96E0-92CBBE3C9E44}" type="datetime1">
               <a:rPr lang="en-US" smtClean="0"/>
-              <a:t>2/1/2017</a:t>
+              <a:t>12/27/2020</a:t>
             </a:fld>
             <a:endParaRPr lang="en-US"/>
           </a:p>
@@ -2095,9 +2452,9 @@
           <a:bodyPr/>
           <a:lstStyle/>
           <a:p>
-            <a:fld id="{85B26788-16C4-44A9-86B8-A9A59BD94D3F}" type="datetimeFigureOut">
+            <a:fld id="{F487F73F-58FE-4964-8252-147528B607CC}" type="datetime1">
               <a:rPr lang="en-US" smtClean="0"/>
-              <a:t>2/1/2017</a:t>
+              <a:t>12/27/2020</a:t>
             </a:fld>
             <a:endParaRPr lang="en-US"/>
           </a:p>
@@ -2347,9 +2704,9 @@
           <a:bodyPr/>
           <a:lstStyle/>
           <a:p>
-            <a:fld id="{85B26788-16C4-44A9-86B8-A9A59BD94D3F}" type="datetimeFigureOut">
+            <a:fld id="{8F7A9D1C-F7D4-4288-A756-A9644C4AE1F9}" type="datetime1">
               <a:rPr lang="en-US" smtClean="0"/>
-              <a:t>2/1/2017</a:t>
+              <a:t>12/27/2020</a:t>
             </a:fld>
             <a:endParaRPr lang="en-US"/>
           </a:p>
@@ -2558,9 +2915,9 @@
             </a:lvl1pPr>
           </a:lstStyle>
           <a:p>
-            <a:fld id="{85B26788-16C4-44A9-86B8-A9A59BD94D3F}" type="datetimeFigureOut">
+            <a:fld id="{03A77A29-F24D-4D7F-A5FF-0F7710CFC571}" type="datetime1">
               <a:rPr lang="en-US" smtClean="0"/>
-              <a:t>2/1/2017</a:t>
+              <a:t>12/27/2020</a:t>
             </a:fld>
             <a:endParaRPr lang="en-US"/>
           </a:p>
@@ -2665,6 +3022,7 @@
     <p:sldLayoutId id="2147483658" r:id="rId10"/>
     <p:sldLayoutId id="2147483659" r:id="rId11"/>
   </p:sldLayoutIdLst>
+  <p:hf hdr="0" ftr="0" dt="0"/>
   <p:txStyles>
     <p:titleStyle>
       <a:lvl1pPr algn="l" defTabSz="914400" rtl="0" eaLnBrk="1" latinLnBrk="0" hangingPunct="1">
@@ -3027,6 +3385,402 @@
 </p:sld>
 </file>
 
+<file path=ppt/slides/slide10.xml><?xml version="1.0" encoding="utf-8"?>
+<p:sld xmlns:a="http://schemas.openxmlformats.org/drawingml/2006/main" xmlns:r="http://schemas.openxmlformats.org/officeDocument/2006/relationships" xmlns:p="http://schemas.openxmlformats.org/presentationml/2006/main">
+  <p:cSld>
+    <p:spTree>
+      <p:nvGrpSpPr>
+        <p:cNvPr id="1" name=""/>
+        <p:cNvGrpSpPr/>
+        <p:nvPr/>
+      </p:nvGrpSpPr>
+      <p:grpSpPr>
+        <a:xfrm>
+          <a:off x="0" y="0"/>
+          <a:ext cx="0" cy="0"/>
+          <a:chOff x="0" y="0"/>
+          <a:chExt cx="0" cy="0"/>
+        </a:xfrm>
+      </p:grpSpPr>
+      <p:sp>
+        <p:nvSpPr>
+          <p:cNvPr id="2" name="Title 1">
+            <a:extLst>
+              <a:ext uri="{FF2B5EF4-FFF2-40B4-BE49-F238E27FC236}">
+                <a16:creationId xmlns:a16="http://schemas.microsoft.com/office/drawing/2014/main" id="{CBB1A94C-35B5-43BF-9BFF-A446FAFFC05D}"/>
+              </a:ext>
+            </a:extLst>
+          </p:cNvPr>
+          <p:cNvSpPr>
+            <a:spLocks noGrp="1"/>
+          </p:cNvSpPr>
+          <p:nvPr>
+            <p:ph type="title"/>
+          </p:nvPr>
+        </p:nvSpPr>
+        <p:spPr/>
+        <p:txBody>
+          <a:bodyPr/>
+          <a:lstStyle/>
+          <a:p>
+            <a:r>
+              <a:rPr lang="en-US" dirty="0"/>
+              <a:t>Stick-slip Motion</a:t>
+            </a:r>
+          </a:p>
+        </p:txBody>
+      </p:sp>
+      <p:sp>
+        <p:nvSpPr>
+          <p:cNvPr id="4" name="Slide Number Placeholder 3">
+            <a:extLst>
+              <a:ext uri="{FF2B5EF4-FFF2-40B4-BE49-F238E27FC236}">
+                <a16:creationId xmlns:a16="http://schemas.microsoft.com/office/drawing/2014/main" id="{A3962DE6-2BE7-49D6-8765-A8D152FE5249}"/>
+              </a:ext>
+            </a:extLst>
+          </p:cNvPr>
+          <p:cNvSpPr>
+            <a:spLocks noGrp="1"/>
+          </p:cNvSpPr>
+          <p:nvPr>
+            <p:ph type="sldNum" sz="quarter" idx="12"/>
+          </p:nvPr>
+        </p:nvSpPr>
+        <p:spPr/>
+        <p:txBody>
+          <a:bodyPr/>
+          <a:lstStyle/>
+          <a:p>
+            <a:fld id="{47236066-3CEA-4900-B0F8-F466F2C9858A}" type="slidenum">
+              <a:rPr lang="en-US" smtClean="0"/>
+              <a:t>10</a:t>
+            </a:fld>
+            <a:endParaRPr lang="en-US"/>
+          </a:p>
+        </p:txBody>
+      </p:sp>
+      <p:pic>
+        <p:nvPicPr>
+          <p:cNvPr id="10" name="Content Placeholder 9">
+            <a:extLst>
+              <a:ext uri="{FF2B5EF4-FFF2-40B4-BE49-F238E27FC236}">
+                <a16:creationId xmlns:a16="http://schemas.microsoft.com/office/drawing/2014/main" id="{1689DAE7-8C24-40CB-946F-A49CECEFDF2D}"/>
+              </a:ext>
+            </a:extLst>
+          </p:cNvPr>
+          <p:cNvPicPr>
+            <a:picLocks noGrp="1" noChangeAspect="1"/>
+          </p:cNvPicPr>
+          <p:nvPr>
+            <p:ph idx="1"/>
+          </p:nvPr>
+        </p:nvPicPr>
+        <p:blipFill>
+          <a:blip r:embed="rId2">
+            <a:extLst>
+              <a:ext uri="{28A0092B-C50C-407E-A947-70E740481C1C}">
+                <a14:useLocalDpi xmlns:a14="http://schemas.microsoft.com/office/drawing/2010/main" val="0"/>
+              </a:ext>
+            </a:extLst>
+          </a:blip>
+          <a:stretch>
+            <a:fillRect/>
+          </a:stretch>
+        </p:blipFill>
+        <p:spPr>
+          <a:xfrm>
+            <a:off x="3633338" y="1690688"/>
+            <a:ext cx="6707716" cy="5030787"/>
+          </a:xfrm>
+        </p:spPr>
+      </p:pic>
+      <p:pic>
+        <p:nvPicPr>
+          <p:cNvPr id="11" name="Picture 10">
+            <a:extLst>
+              <a:ext uri="{FF2B5EF4-FFF2-40B4-BE49-F238E27FC236}">
+                <a16:creationId xmlns:a16="http://schemas.microsoft.com/office/drawing/2014/main" id="{DBE6B4E6-589B-4644-8136-30F35B4690B3}"/>
+              </a:ext>
+            </a:extLst>
+          </p:cNvPr>
+          <p:cNvPicPr>
+            <a:picLocks noChangeAspect="1"/>
+          </p:cNvPicPr>
+          <p:nvPr/>
+        </p:nvPicPr>
+        <p:blipFill>
+          <a:blip r:embed="rId3"/>
+          <a:stretch>
+            <a:fillRect/>
+          </a:stretch>
+        </p:blipFill>
+        <p:spPr>
+          <a:xfrm>
+            <a:off x="664617" y="1979903"/>
+            <a:ext cx="2968721" cy="1036252"/>
+          </a:xfrm>
+          <a:prstGeom prst="rect">
+            <a:avLst/>
+          </a:prstGeom>
+        </p:spPr>
+      </p:pic>
+    </p:spTree>
+    <p:extLst>
+      <p:ext uri="{BB962C8B-B14F-4D97-AF65-F5344CB8AC3E}">
+        <p14:creationId xmlns:p14="http://schemas.microsoft.com/office/powerpoint/2010/main" val="2207093160"/>
+      </p:ext>
+    </p:extLst>
+  </p:cSld>
+  <p:clrMapOvr>
+    <a:masterClrMapping/>
+  </p:clrMapOvr>
+</p:sld>
+</file>
+
+<file path=ppt/slides/slide11.xml><?xml version="1.0" encoding="utf-8"?>
+<p:sld xmlns:a="http://schemas.openxmlformats.org/drawingml/2006/main" xmlns:r="http://schemas.openxmlformats.org/officeDocument/2006/relationships" xmlns:p="http://schemas.openxmlformats.org/presentationml/2006/main">
+  <p:cSld>
+    <p:spTree>
+      <p:nvGrpSpPr>
+        <p:cNvPr id="1" name=""/>
+        <p:cNvGrpSpPr/>
+        <p:nvPr/>
+      </p:nvGrpSpPr>
+      <p:grpSpPr>
+        <a:xfrm>
+          <a:off x="0" y="0"/>
+          <a:ext cx="0" cy="0"/>
+          <a:chOff x="0" y="0"/>
+          <a:chExt cx="0" cy="0"/>
+        </a:xfrm>
+      </p:grpSpPr>
+      <p:sp>
+        <p:nvSpPr>
+          <p:cNvPr id="2" name="Title 1">
+            <a:extLst>
+              <a:ext uri="{FF2B5EF4-FFF2-40B4-BE49-F238E27FC236}">
+                <a16:creationId xmlns:a16="http://schemas.microsoft.com/office/drawing/2014/main" id="{3AFF99DA-CF39-4133-832A-9B1864D6DF82}"/>
+              </a:ext>
+            </a:extLst>
+          </p:cNvPr>
+          <p:cNvSpPr>
+            <a:spLocks noGrp="1"/>
+          </p:cNvSpPr>
+          <p:nvPr>
+            <p:ph type="title"/>
+          </p:nvPr>
+        </p:nvSpPr>
+        <p:spPr/>
+        <p:txBody>
+          <a:bodyPr/>
+          <a:lstStyle/>
+          <a:p>
+            <a:r>
+              <a:rPr lang="en-US" dirty="0"/>
+              <a:t>Force Rate vs Break-Away Force</a:t>
+            </a:r>
+          </a:p>
+        </p:txBody>
+      </p:sp>
+      <p:pic>
+        <p:nvPicPr>
+          <p:cNvPr id="6" name="Content Placeholder 5">
+            <a:extLst>
+              <a:ext uri="{FF2B5EF4-FFF2-40B4-BE49-F238E27FC236}">
+                <a16:creationId xmlns:a16="http://schemas.microsoft.com/office/drawing/2014/main" id="{49A4B26C-B059-4920-AD17-421C18EADC22}"/>
+              </a:ext>
+            </a:extLst>
+          </p:cNvPr>
+          <p:cNvPicPr>
+            <a:picLocks noGrp="1" noChangeAspect="1"/>
+          </p:cNvPicPr>
+          <p:nvPr>
+            <p:ph idx="1"/>
+          </p:nvPr>
+        </p:nvPicPr>
+        <p:blipFill>
+          <a:blip r:embed="rId2">
+            <a:extLst>
+              <a:ext uri="{28A0092B-C50C-407E-A947-70E740481C1C}">
+                <a14:useLocalDpi xmlns:a14="http://schemas.microsoft.com/office/drawing/2010/main" val="0"/>
+              </a:ext>
+            </a:extLst>
+          </a:blip>
+          <a:stretch>
+            <a:fillRect/>
+          </a:stretch>
+        </p:blipFill>
+        <p:spPr>
+          <a:xfrm>
+            <a:off x="2985559" y="1690688"/>
+            <a:ext cx="6220882" cy="4665662"/>
+          </a:xfrm>
+        </p:spPr>
+      </p:pic>
+      <p:sp>
+        <p:nvSpPr>
+          <p:cNvPr id="4" name="Slide Number Placeholder 3">
+            <a:extLst>
+              <a:ext uri="{FF2B5EF4-FFF2-40B4-BE49-F238E27FC236}">
+                <a16:creationId xmlns:a16="http://schemas.microsoft.com/office/drawing/2014/main" id="{80287CA7-B9B7-4F88-96C9-AC076C695436}"/>
+              </a:ext>
+            </a:extLst>
+          </p:cNvPr>
+          <p:cNvSpPr>
+            <a:spLocks noGrp="1"/>
+          </p:cNvSpPr>
+          <p:nvPr>
+            <p:ph type="sldNum" sz="quarter" idx="12"/>
+          </p:nvPr>
+        </p:nvSpPr>
+        <p:spPr/>
+        <p:txBody>
+          <a:bodyPr/>
+          <a:lstStyle/>
+          <a:p>
+            <a:fld id="{47236066-3CEA-4900-B0F8-F466F2C9858A}" type="slidenum">
+              <a:rPr lang="en-US" smtClean="0"/>
+              <a:t>11</a:t>
+            </a:fld>
+            <a:endParaRPr lang="en-US"/>
+          </a:p>
+        </p:txBody>
+      </p:sp>
+    </p:spTree>
+    <p:extLst>
+      <p:ext uri="{BB962C8B-B14F-4D97-AF65-F5344CB8AC3E}">
+        <p14:creationId xmlns:p14="http://schemas.microsoft.com/office/powerpoint/2010/main" val="636802457"/>
+      </p:ext>
+    </p:extLst>
+  </p:cSld>
+  <p:clrMapOvr>
+    <a:masterClrMapping/>
+  </p:clrMapOvr>
+</p:sld>
+</file>
+
+<file path=ppt/slides/slide12.xml><?xml version="1.0" encoding="utf-8"?>
+<p:sld xmlns:a="http://schemas.openxmlformats.org/drawingml/2006/main" xmlns:r="http://schemas.openxmlformats.org/officeDocument/2006/relationships" xmlns:p="http://schemas.openxmlformats.org/presentationml/2006/main">
+  <p:cSld>
+    <p:spTree>
+      <p:nvGrpSpPr>
+        <p:cNvPr id="1" name=""/>
+        <p:cNvGrpSpPr/>
+        <p:nvPr/>
+      </p:nvGrpSpPr>
+      <p:grpSpPr>
+        <a:xfrm>
+          <a:off x="0" y="0"/>
+          <a:ext cx="0" cy="0"/>
+          <a:chOff x="0" y="0"/>
+          <a:chExt cx="0" cy="0"/>
+        </a:xfrm>
+      </p:grpSpPr>
+      <p:sp>
+        <p:nvSpPr>
+          <p:cNvPr id="2" name="Title 1">
+            <a:extLst>
+              <a:ext uri="{FF2B5EF4-FFF2-40B4-BE49-F238E27FC236}">
+                <a16:creationId xmlns:a16="http://schemas.microsoft.com/office/drawing/2014/main" id="{C630B7B2-1BEE-44FA-A46E-5474CEAAD93D}"/>
+              </a:ext>
+            </a:extLst>
+          </p:cNvPr>
+          <p:cNvSpPr>
+            <a:spLocks noGrp="1"/>
+          </p:cNvSpPr>
+          <p:nvPr>
+            <p:ph type="title"/>
+          </p:nvPr>
+        </p:nvSpPr>
+        <p:spPr/>
+        <p:txBody>
+          <a:bodyPr/>
+          <a:lstStyle/>
+          <a:p>
+            <a:r>
+              <a:rPr lang="en-US" dirty="0"/>
+              <a:t>PID Control and Hunting Phenomenon</a:t>
+            </a:r>
+          </a:p>
+        </p:txBody>
+      </p:sp>
+      <p:pic>
+        <p:nvPicPr>
+          <p:cNvPr id="6" name="Content Placeholder 5">
+            <a:extLst>
+              <a:ext uri="{FF2B5EF4-FFF2-40B4-BE49-F238E27FC236}">
+                <a16:creationId xmlns:a16="http://schemas.microsoft.com/office/drawing/2014/main" id="{7D142F90-FBDF-473A-82D0-1668A2D18B61}"/>
+              </a:ext>
+            </a:extLst>
+          </p:cNvPr>
+          <p:cNvPicPr>
+            <a:picLocks noGrp="1" noChangeAspect="1"/>
+          </p:cNvPicPr>
+          <p:nvPr>
+            <p:ph idx="1"/>
+          </p:nvPr>
+        </p:nvPicPr>
+        <p:blipFill>
+          <a:blip r:embed="rId2">
+            <a:extLst>
+              <a:ext uri="{28A0092B-C50C-407E-A947-70E740481C1C}">
+                <a14:useLocalDpi xmlns:a14="http://schemas.microsoft.com/office/drawing/2010/main" val="0"/>
+              </a:ext>
+            </a:extLst>
+          </a:blip>
+          <a:stretch>
+            <a:fillRect/>
+          </a:stretch>
+        </p:blipFill>
+        <p:spPr>
+          <a:xfrm>
+            <a:off x="2852060" y="1762903"/>
+            <a:ext cx="6292462" cy="4719347"/>
+          </a:xfrm>
+        </p:spPr>
+      </p:pic>
+      <p:sp>
+        <p:nvSpPr>
+          <p:cNvPr id="4" name="Slide Number Placeholder 3">
+            <a:extLst>
+              <a:ext uri="{FF2B5EF4-FFF2-40B4-BE49-F238E27FC236}">
+                <a16:creationId xmlns:a16="http://schemas.microsoft.com/office/drawing/2014/main" id="{281F875E-BD75-43FA-8C84-1E7F3CA01CA4}"/>
+              </a:ext>
+            </a:extLst>
+          </p:cNvPr>
+          <p:cNvSpPr>
+            <a:spLocks noGrp="1"/>
+          </p:cNvSpPr>
+          <p:nvPr>
+            <p:ph type="sldNum" sz="quarter" idx="12"/>
+          </p:nvPr>
+        </p:nvSpPr>
+        <p:spPr/>
+        <p:txBody>
+          <a:bodyPr/>
+          <a:lstStyle/>
+          <a:p>
+            <a:fld id="{47236066-3CEA-4900-B0F8-F466F2C9858A}" type="slidenum">
+              <a:rPr lang="en-US" smtClean="0"/>
+              <a:t>12</a:t>
+            </a:fld>
+            <a:endParaRPr lang="en-US"/>
+          </a:p>
+        </p:txBody>
+      </p:sp>
+    </p:spTree>
+    <p:extLst>
+      <p:ext uri="{BB962C8B-B14F-4D97-AF65-F5344CB8AC3E}">
+        <p14:creationId xmlns:p14="http://schemas.microsoft.com/office/powerpoint/2010/main" val="1332703187"/>
+      </p:ext>
+    </p:extLst>
+  </p:cSld>
+  <p:clrMapOvr>
+    <a:masterClrMapping/>
+  </p:clrMapOvr>
+</p:sld>
+</file>
+
 <file path=ppt/slides/slide2.xml><?xml version="1.0" encoding="utf-8"?>
 <p:sld xmlns:a="http://schemas.openxmlformats.org/drawingml/2006/main" xmlns:r="http://schemas.openxmlformats.org/officeDocument/2006/relationships" xmlns:p="http://schemas.openxmlformats.org/presentationml/2006/main">
   <p:cSld>
@@ -3083,15 +3837,17 @@
           <a:p>
             <a:r>
               <a:rPr lang="en-US" dirty="0"/>
-              <a:t>Break-away (</a:t>
-            </a:r>
-            <a:r>
-              <a:rPr lang="en-US" dirty="0" err="1"/>
-              <a:t>stiction</a:t>
+              <a:t>Break-away (stiction)</a:t>
+            </a:r>
+            <a:r>
+              <a:rPr lang="en-US" dirty="0">
+                <a:sym typeface="Wingdings" panose="05000000000000000000" pitchFamily="2" charset="2"/>
+              </a:rPr>
+              <a:t>  Nonlinear</a:t>
             </a:r>
             <a:r>
               <a:rPr lang="en-US" dirty="0"/>
-              <a:t>) </a:t>
+              <a:t> </a:t>
             </a:r>
           </a:p>
           <a:p>
@@ -3099,152 +3855,36 @@
               <a:rPr lang="en-US" dirty="0" err="1"/>
               <a:t>Columb</a:t>
             </a:r>
+            <a:r>
+              <a:rPr lang="en-US" dirty="0"/>
+              <a:t> </a:t>
+            </a:r>
+            <a:r>
+              <a:rPr lang="en-US" dirty="0">
+                <a:sym typeface="Wingdings" panose="05000000000000000000" pitchFamily="2" charset="2"/>
+              </a:rPr>
+              <a:t></a:t>
+            </a:r>
+            <a:r>
+              <a:rPr lang="en-US" dirty="0"/>
+              <a:t>Linear? Affine?  </a:t>
+            </a:r>
+          </a:p>
+          <a:p>
+            <a:r>
+              <a:rPr lang="en-US" dirty="0"/>
+              <a:t>Viscous </a:t>
+            </a:r>
+            <a:r>
+              <a:rPr lang="en-US" dirty="0">
+                <a:sym typeface="Wingdings" panose="05000000000000000000" pitchFamily="2" charset="2"/>
+              </a:rPr>
+              <a:t> Linear</a:t>
+            </a:r>
             <a:endParaRPr lang="en-US" dirty="0"/>
           </a:p>
           <a:p>
-            <a:r>
-              <a:rPr lang="en-US" dirty="0"/>
-              <a:t>Viscous</a:t>
-            </a:r>
-          </a:p>
-          <a:p>
             <a:endParaRPr lang="en-US" dirty="0"/>
-          </a:p>
-        </p:txBody>
-      </p:sp>
-      <p:sp>
-        <p:nvSpPr>
-          <p:cNvPr id="4" name="Left Brace 3"/>
-          <p:cNvSpPr/>
-          <p:nvPr/>
-        </p:nvSpPr>
-        <p:spPr>
-          <a:xfrm rot="10800000">
-            <a:off x="3220725" y="2514601"/>
-            <a:ext cx="419100" cy="609600"/>
-          </a:xfrm>
-          <a:prstGeom prst="leftBrace">
-            <a:avLst/>
-          </a:prstGeom>
-        </p:spPr>
-        <p:style>
-          <a:lnRef idx="1">
-            <a:schemeClr val="accent1"/>
-          </a:lnRef>
-          <a:fillRef idx="0">
-            <a:schemeClr val="accent1"/>
-          </a:fillRef>
-          <a:effectRef idx="0">
-            <a:schemeClr val="accent1"/>
-          </a:effectRef>
-          <a:fontRef idx="minor">
-            <a:schemeClr val="tx1"/>
-          </a:fontRef>
-        </p:style>
-        <p:txBody>
-          <a:bodyPr rtlCol="0" anchor="ctr"/>
-          <a:lstStyle/>
-          <a:p>
-            <a:pPr algn="ctr"/>
-            <a:endParaRPr lang="en-US"/>
-          </a:p>
-        </p:txBody>
-      </p:sp>
-      <p:sp>
-        <p:nvSpPr>
-          <p:cNvPr id="5" name="Right Arrow 4"/>
-          <p:cNvSpPr/>
-          <p:nvPr/>
-        </p:nvSpPr>
-        <p:spPr>
-          <a:xfrm>
-            <a:off x="4686300" y="1981200"/>
-            <a:ext cx="609600" cy="228600"/>
-          </a:xfrm>
-          <a:prstGeom prst="rightArrow">
-            <a:avLst/>
-          </a:prstGeom>
-        </p:spPr>
-        <p:style>
-          <a:lnRef idx="2">
-            <a:schemeClr val="accent1">
-              <a:shade val="50000"/>
-            </a:schemeClr>
-          </a:lnRef>
-          <a:fillRef idx="1">
-            <a:schemeClr val="accent1"/>
-          </a:fillRef>
-          <a:effectRef idx="0">
-            <a:schemeClr val="accent1"/>
-          </a:effectRef>
-          <a:fontRef idx="minor">
-            <a:schemeClr val="lt1"/>
-          </a:fontRef>
-        </p:style>
-        <p:txBody>
-          <a:bodyPr rtlCol="0" anchor="ctr"/>
-          <a:lstStyle/>
-          <a:p>
-            <a:pPr algn="ctr"/>
-            <a:endParaRPr lang="en-US"/>
-          </a:p>
-        </p:txBody>
-      </p:sp>
-      <p:sp>
-        <p:nvSpPr>
-          <p:cNvPr id="7" name="TextBox 6"/>
-          <p:cNvSpPr txBox="1"/>
-          <p:nvPr/>
-        </p:nvSpPr>
-        <p:spPr>
-          <a:xfrm>
-            <a:off x="5397500" y="1876425"/>
-            <a:ext cx="1083951" cy="369332"/>
-          </a:xfrm>
-          <a:prstGeom prst="rect">
-            <a:avLst/>
-          </a:prstGeom>
-          <a:noFill/>
-        </p:spPr>
-        <p:txBody>
-          <a:bodyPr wrap="none" rtlCol="0">
-            <a:spAutoFit/>
-          </a:bodyPr>
-          <a:lstStyle/>
-          <a:p>
-            <a:r>
-              <a:rPr lang="en-US" dirty="0"/>
-              <a:t>nonlinear</a:t>
-            </a:r>
-          </a:p>
-        </p:txBody>
-      </p:sp>
-      <p:sp>
-        <p:nvSpPr>
-          <p:cNvPr id="8" name="TextBox 7"/>
-          <p:cNvSpPr txBox="1"/>
-          <p:nvPr/>
-        </p:nvSpPr>
-        <p:spPr>
-          <a:xfrm rot="16200000">
-            <a:off x="3392829" y="2655589"/>
-            <a:ext cx="718466" cy="369332"/>
-          </a:xfrm>
-          <a:prstGeom prst="rect">
-            <a:avLst/>
-          </a:prstGeom>
-          <a:noFill/>
-        </p:spPr>
-        <p:txBody>
-          <a:bodyPr wrap="none" rtlCol="0">
-            <a:spAutoFit/>
-          </a:bodyPr>
-          <a:lstStyle/>
-          <a:p>
-            <a:r>
-              <a:rPr lang="en-US" dirty="0"/>
-              <a:t>linear</a:t>
-            </a:r>
           </a:p>
         </p:txBody>
       </p:sp>
@@ -3346,7 +3986,7 @@
         </p:nvSpPr>
         <p:spPr>
           <a:xfrm>
-            <a:off x="8172209" y="4018240"/>
+            <a:off x="8410575" y="3183002"/>
             <a:ext cx="888064" cy="369332"/>
           </a:xfrm>
           <a:prstGeom prst="rect">
@@ -3406,7 +4046,7 @@
         <p:spPr>
           <a:xfrm>
             <a:off x="5295900" y="3833574"/>
-            <a:ext cx="944489" cy="369332"/>
+            <a:ext cx="891591" cy="369332"/>
           </a:xfrm>
           <a:prstGeom prst="rect">
             <a:avLst/>
@@ -3420,10 +4060,9 @@
           <a:lstStyle/>
           <a:p>
             <a:r>
-              <a:rPr lang="en-US" dirty="0" err="1"/>
-              <a:t>Sticition</a:t>
-            </a:r>
-            <a:endParaRPr lang="en-US" dirty="0"/>
+              <a:rPr lang="en-US" dirty="0"/>
+              <a:t>Stiction</a:t>
+            </a:r>
           </a:p>
         </p:txBody>
       </p:sp>
@@ -3463,13 +4102,15 @@
       <p:cxnSp>
         <p:nvCxnSpPr>
           <p:cNvPr id="40" name="Straight Connector 39"/>
-          <p:cNvCxnSpPr/>
+          <p:cNvCxnSpPr>
+            <a:cxnSpLocks/>
+          </p:cNvCxnSpPr>
           <p:nvPr/>
         </p:nvCxnSpPr>
         <p:spPr>
-          <a:xfrm flipV="1">
-            <a:off x="7893050" y="4168140"/>
-            <a:ext cx="0" cy="429418"/>
+          <a:xfrm flipH="1">
+            <a:off x="7893050" y="3429000"/>
+            <a:ext cx="517525" cy="739140"/>
           </a:xfrm>
           <a:prstGeom prst="line">
             <a:avLst/>
@@ -3493,6 +4134,35 @@
           </a:fontRef>
         </p:style>
       </p:cxnSp>
+      <p:sp>
+        <p:nvSpPr>
+          <p:cNvPr id="10" name="Slide Number Placeholder 9">
+            <a:extLst>
+              <a:ext uri="{FF2B5EF4-FFF2-40B4-BE49-F238E27FC236}">
+                <a16:creationId xmlns:a16="http://schemas.microsoft.com/office/drawing/2014/main" id="{FC0AEB2B-5786-4429-A741-B71B723636DC}"/>
+              </a:ext>
+            </a:extLst>
+          </p:cNvPr>
+          <p:cNvSpPr>
+            <a:spLocks noGrp="1"/>
+          </p:cNvSpPr>
+          <p:nvPr>
+            <p:ph type="sldNum" sz="quarter" idx="12"/>
+          </p:nvPr>
+        </p:nvSpPr>
+        <p:spPr/>
+        <p:txBody>
+          <a:bodyPr/>
+          <a:lstStyle/>
+          <a:p>
+            <a:fld id="{47236066-3CEA-4900-B0F8-F466F2C9858A}" type="slidenum">
+              <a:rPr lang="en-US" smtClean="0"/>
+              <a:t>2</a:t>
+            </a:fld>
+            <a:endParaRPr lang="en-US"/>
+          </a:p>
+        </p:txBody>
+      </p:sp>
     </p:spTree>
     <p:extLst>
       <p:ext uri="{BB962C8B-B14F-4D97-AF65-F5344CB8AC3E}">
@@ -3721,6 +4391,35 @@
           </a:p>
         </p:txBody>
       </p:sp>
+      <p:sp>
+        <p:nvSpPr>
+          <p:cNvPr id="3" name="Slide Number Placeholder 2">
+            <a:extLst>
+              <a:ext uri="{FF2B5EF4-FFF2-40B4-BE49-F238E27FC236}">
+                <a16:creationId xmlns:a16="http://schemas.microsoft.com/office/drawing/2014/main" id="{42E1A4BB-A6D3-45FB-B3C2-55B7B7513CF5}"/>
+              </a:ext>
+            </a:extLst>
+          </p:cNvPr>
+          <p:cNvSpPr>
+            <a:spLocks noGrp="1"/>
+          </p:cNvSpPr>
+          <p:nvPr>
+            <p:ph type="sldNum" sz="quarter" idx="12"/>
+          </p:nvPr>
+        </p:nvSpPr>
+        <p:spPr/>
+        <p:txBody>
+          <a:bodyPr/>
+          <a:lstStyle/>
+          <a:p>
+            <a:fld id="{47236066-3CEA-4900-B0F8-F466F2C9858A}" type="slidenum">
+              <a:rPr lang="en-US" smtClean="0"/>
+              <a:t>3</a:t>
+            </a:fld>
+            <a:endParaRPr lang="en-US"/>
+          </a:p>
+        </p:txBody>
+      </p:sp>
     </p:spTree>
     <p:extLst>
       <p:ext uri="{BB962C8B-B14F-4D97-AF65-F5344CB8AC3E}">
@@ -3735,158 +4434,6 @@
 </file>
 
 <file path=ppt/slides/slide4.xml><?xml version="1.0" encoding="utf-8"?>
-<p:sld xmlns:a="http://schemas.openxmlformats.org/drawingml/2006/main" xmlns:r="http://schemas.openxmlformats.org/officeDocument/2006/relationships" xmlns:p="http://schemas.openxmlformats.org/presentationml/2006/main">
-  <p:cSld>
-    <p:spTree>
-      <p:nvGrpSpPr>
-        <p:cNvPr id="1" name=""/>
-        <p:cNvGrpSpPr/>
-        <p:nvPr/>
-      </p:nvGrpSpPr>
-      <p:grpSpPr>
-        <a:xfrm>
-          <a:off x="0" y="0"/>
-          <a:ext cx="0" cy="0"/>
-          <a:chOff x="0" y="0"/>
-          <a:chExt cx="0" cy="0"/>
-        </a:xfrm>
-      </p:grpSpPr>
-      <p:sp>
-        <p:nvSpPr>
-          <p:cNvPr id="2" name="Title 1"/>
-          <p:cNvSpPr>
-            <a:spLocks noGrp="1"/>
-          </p:cNvSpPr>
-          <p:nvPr>
-            <p:ph type="title"/>
-          </p:nvPr>
-        </p:nvSpPr>
-        <p:spPr/>
-        <p:txBody>
-          <a:bodyPr/>
-          <a:lstStyle/>
-          <a:p>
-            <a:r>
-              <a:rPr lang="en-US" dirty="0"/>
-              <a:t>Hysteresis Loop</a:t>
-            </a:r>
-          </a:p>
-        </p:txBody>
-      </p:sp>
-      <p:pic>
-        <p:nvPicPr>
-          <p:cNvPr id="4" name="Content Placeholder 3"/>
-          <p:cNvPicPr>
-            <a:picLocks noGrp="1" noChangeAspect="1"/>
-          </p:cNvPicPr>
-          <p:nvPr>
-            <p:ph idx="1"/>
-          </p:nvPr>
-        </p:nvPicPr>
-        <p:blipFill>
-          <a:blip r:embed="rId2"/>
-          <a:stretch>
-            <a:fillRect/>
-          </a:stretch>
-        </p:blipFill>
-        <p:spPr>
-          <a:xfrm>
-            <a:off x="1289050" y="2146300"/>
-            <a:ext cx="3480710" cy="2586831"/>
-          </a:xfrm>
-          <a:prstGeom prst="rect">
-            <a:avLst/>
-          </a:prstGeom>
-        </p:spPr>
-      </p:pic>
-      <p:sp>
-        <p:nvSpPr>
-          <p:cNvPr id="5" name="Rectangle 4"/>
-          <p:cNvSpPr/>
-          <p:nvPr/>
-        </p:nvSpPr>
-        <p:spPr>
-          <a:xfrm>
-            <a:off x="685800" y="5544343"/>
-            <a:ext cx="6921500" cy="276999"/>
-          </a:xfrm>
-          <a:prstGeom prst="rect">
-            <a:avLst/>
-          </a:prstGeom>
-        </p:spPr>
-        <p:txBody>
-          <a:bodyPr wrap="square">
-            <a:spAutoFit/>
-          </a:bodyPr>
-          <a:lstStyle/>
-          <a:p>
-            <a:r>
-              <a:rPr lang="en-US" sz="1200" dirty="0"/>
-              <a:t>http://people.mech.kuleuven.be/~farid/tribology/friction/comp/FF/machine_results/machine_results.htm</a:t>
-            </a:r>
-          </a:p>
-        </p:txBody>
-      </p:sp>
-      <p:sp>
-        <p:nvSpPr>
-          <p:cNvPr id="6" name="TextBox 5"/>
-          <p:cNvSpPr txBox="1"/>
-          <p:nvPr/>
-        </p:nvSpPr>
-        <p:spPr>
-          <a:xfrm>
-            <a:off x="6096000" y="2146300"/>
-            <a:ext cx="4287777" cy="923330"/>
-          </a:xfrm>
-          <a:prstGeom prst="rect">
-            <a:avLst/>
-          </a:prstGeom>
-          <a:noFill/>
-        </p:spPr>
-        <p:txBody>
-          <a:bodyPr wrap="none" rtlCol="0">
-            <a:spAutoFit/>
-          </a:bodyPr>
-          <a:lstStyle/>
-          <a:p>
-            <a:pPr marL="285750" indent="-285750">
-              <a:buFont typeface="Arial" panose="020B0604020202020204" pitchFamily="34" charset="0"/>
-              <a:buChar char="•"/>
-            </a:pPr>
-            <a:r>
-              <a:rPr lang="en-US" dirty="0"/>
-              <a:t>What makes hysteresis?</a:t>
-            </a:r>
-          </a:p>
-          <a:p>
-            <a:pPr marL="285750" indent="-285750">
-              <a:buFont typeface="Arial" panose="020B0604020202020204" pitchFamily="34" charset="0"/>
-              <a:buChar char="•"/>
-            </a:pPr>
-            <a:r>
-              <a:rPr lang="en-US" dirty="0"/>
-              <a:t>Can you demonstrate this with MATLAB?</a:t>
-            </a:r>
-          </a:p>
-          <a:p>
-            <a:endParaRPr lang="en-US" dirty="0"/>
-          </a:p>
-        </p:txBody>
-      </p:sp>
-    </p:spTree>
-    <p:extLst>
-      <p:ext uri="{BB962C8B-B14F-4D97-AF65-F5344CB8AC3E}">
-        <p14:creationId xmlns:p14="http://schemas.microsoft.com/office/powerpoint/2010/main" val="1983355807"/>
-      </p:ext>
-    </p:extLst>
-  </p:cSld>
-  <p:clrMapOvr>
-    <a:masterClrMapping/>
-  </p:clrMapOvr>
-</p:sld>
-</file>
-
-<file path=ppt/slides/slide5.xml><?xml version="1.0" encoding="utf-8"?>
 <p:sld xmlns:a="http://schemas.openxmlformats.org/drawingml/2006/main" xmlns:r="http://schemas.openxmlformats.org/officeDocument/2006/relationships" xmlns:p="http://schemas.openxmlformats.org/presentationml/2006/main">
   <p:cSld>
     <p:spTree>
@@ -4215,8 +4762,8 @@
         </p:nvSpPr>
         <p:spPr>
           <a:xfrm>
-            <a:off x="5305607" y="5229857"/>
-            <a:ext cx="1237223" cy="369332"/>
+            <a:off x="5172501" y="4982353"/>
+            <a:ext cx="1560476" cy="646331"/>
           </a:xfrm>
           <a:prstGeom prst="rect">
             <a:avLst/>
@@ -4234,8 +4781,47 @@
                   <a:srgbClr val="FF0000"/>
                 </a:solidFill>
               </a:rPr>
-              <a:t>continuous</a:t>
-            </a:r>
+              <a:t>Continuous</a:t>
+            </a:r>
+          </a:p>
+          <a:p>
+            <a:r>
+              <a:rPr lang="en-US" dirty="0">
+                <a:solidFill>
+                  <a:srgbClr val="FF0000"/>
+                </a:solidFill>
+              </a:rPr>
+              <a:t>(with a slope)</a:t>
+            </a:r>
+          </a:p>
+        </p:txBody>
+      </p:sp>
+      <p:sp>
+        <p:nvSpPr>
+          <p:cNvPr id="3" name="Slide Number Placeholder 2">
+            <a:extLst>
+              <a:ext uri="{FF2B5EF4-FFF2-40B4-BE49-F238E27FC236}">
+                <a16:creationId xmlns:a16="http://schemas.microsoft.com/office/drawing/2014/main" id="{58067C34-E17B-449B-9DA0-6E37BFEE853E}"/>
+              </a:ext>
+            </a:extLst>
+          </p:cNvPr>
+          <p:cNvSpPr>
+            <a:spLocks noGrp="1"/>
+          </p:cNvSpPr>
+          <p:nvPr>
+            <p:ph type="sldNum" sz="quarter" idx="12"/>
+          </p:nvPr>
+        </p:nvSpPr>
+        <p:spPr/>
+        <p:txBody>
+          <a:bodyPr/>
+          <a:lstStyle/>
+          <a:p>
+            <a:fld id="{47236066-3CEA-4900-B0F8-F466F2C9858A}" type="slidenum">
+              <a:rPr lang="en-US" smtClean="0"/>
+              <a:t>4</a:t>
+            </a:fld>
+            <a:endParaRPr lang="en-US"/>
           </a:p>
         </p:txBody>
       </p:sp>
@@ -4252,7 +4838,7 @@
 </p:sld>
 </file>
 
-<file path=ppt/slides/slide6.xml><?xml version="1.0" encoding="utf-8"?>
+<file path=ppt/slides/slide5.xml><?xml version="1.0" encoding="utf-8"?>
 <p:sld xmlns:a="http://schemas.openxmlformats.org/drawingml/2006/main" xmlns:r="http://schemas.openxmlformats.org/officeDocument/2006/relationships" xmlns:p="http://schemas.openxmlformats.org/presentationml/2006/main">
   <p:cSld>
     <p:spTree>
@@ -4295,8 +4881,8 @@
           </a:p>
         </p:txBody>
       </p:sp>
-      <mc:AlternateContent xmlns:mc="http://schemas.openxmlformats.org/markup-compatibility/2006" xmlns:a14="http://schemas.microsoft.com/office/drawing/2010/main">
-        <mc:Choice Requires="a14">
+      <mc:AlternateContent xmlns:mc="http://schemas.openxmlformats.org/markup-compatibility/2006">
+        <mc:Choice xmlns:a14="http://schemas.microsoft.com/office/drawing/2010/main" Requires="a14">
           <p:sp>
             <p:nvSpPr>
               <p:cNvPr id="3" name="Content Placeholder 2"/>
@@ -4343,7 +4929,79 @@
                 </a14:m>
                 <a:r>
                   <a:rPr lang="en-US" dirty="0"/>
-                  <a:t> : linear region velocity threshold (from 1e-4 to 1e-6 m/s)</a:t>
+                  <a:t> : linear region velocity threshold (from </a:t>
+                </a:r>
+                <a14:m>
+                  <m:oMath xmlns:m="http://schemas.openxmlformats.org/officeDocument/2006/math">
+                    <m:sSup>
+                      <m:sSupPr>
+                        <m:ctrlPr>
+                          <a:rPr lang="en-US" i="1" smtClean="0">
+                            <a:latin typeface="Cambria Math" panose="02040503050406030204" pitchFamily="18" charset="0"/>
+                          </a:rPr>
+                        </m:ctrlPr>
+                      </m:sSupPr>
+                      <m:e>
+                        <m:r>
+                          <a:rPr lang="en-US" b="0" i="1" smtClean="0">
+                            <a:latin typeface="Cambria Math" panose="02040503050406030204" pitchFamily="18" charset="0"/>
+                          </a:rPr>
+                          <m:t>10</m:t>
+                        </m:r>
+                      </m:e>
+                      <m:sup>
+                        <m:r>
+                          <a:rPr lang="en-US" b="0" i="1" smtClean="0">
+                            <a:latin typeface="Cambria Math" panose="02040503050406030204" pitchFamily="18" charset="0"/>
+                          </a:rPr>
+                          <m:t>−4</m:t>
+                        </m:r>
+                      </m:sup>
+                    </m:sSup>
+                  </m:oMath>
+                </a14:m>
+                <a:r>
+                  <a:rPr lang="en-US" dirty="0"/>
+                  <a:t> to </a:t>
+                </a:r>
+                <a14:m>
+                  <m:oMath xmlns:m="http://schemas.openxmlformats.org/officeDocument/2006/math">
+                    <m:sSup>
+                      <m:sSupPr>
+                        <m:ctrlPr>
+                          <a:rPr lang="en-US" i="1">
+                            <a:latin typeface="Cambria Math" panose="02040503050406030204" pitchFamily="18" charset="0"/>
+                          </a:rPr>
+                        </m:ctrlPr>
+                      </m:sSupPr>
+                      <m:e>
+                        <m:r>
+                          <a:rPr lang="en-US" i="1">
+                            <a:latin typeface="Cambria Math" panose="02040503050406030204" pitchFamily="18" charset="0"/>
+                          </a:rPr>
+                          <m:t>10</m:t>
+                        </m:r>
+                      </m:e>
+                      <m:sup>
+                        <m:r>
+                          <a:rPr lang="en-US" i="1">
+                            <a:latin typeface="Cambria Math" panose="02040503050406030204" pitchFamily="18" charset="0"/>
+                          </a:rPr>
+                          <m:t>−</m:t>
+                        </m:r>
+                        <m:r>
+                          <a:rPr lang="en-US" b="0" i="1" smtClean="0">
+                            <a:latin typeface="Cambria Math" panose="02040503050406030204" pitchFamily="18" charset="0"/>
+                          </a:rPr>
+                          <m:t>6</m:t>
+                        </m:r>
+                      </m:sup>
+                    </m:sSup>
+                  </m:oMath>
+                </a14:m>
+                <a:r>
+                  <a:rPr lang="en-US" dirty="0"/>
+                  <a:t> m/s)</a:t>
                 </a:r>
               </a:p>
               <a:p>
@@ -4421,7 +5079,7 @@
                 </a14:m>
                 <a:r>
                   <a:rPr lang="en-US" dirty="0"/>
-                  <a:t>= </a:t>
+                  <a:t> = </a:t>
                 </a:r>
                 <a:r>
                   <a:rPr lang="en-US" dirty="0" err="1"/>
@@ -4470,7 +5128,7 @@
             </p:txBody>
           </p:sp>
         </mc:Choice>
-        <mc:Fallback xmlns="">
+        <mc:Fallback>
           <p:sp>
             <p:nvSpPr>
               <p:cNvPr id="3" name="Content Placeholder 2"/>
@@ -4482,7 +5140,7 @@
               </p:nvPr>
             </p:nvSpPr>
             <p:spPr>
-              <a:blipFill rotWithShape="0">
+              <a:blipFill>
                 <a:blip r:embed="rId2"/>
                 <a:stretch>
                   <a:fillRect t="-2241"/>
@@ -4504,10 +5162,1320 @@
           </p:sp>
         </mc:Fallback>
       </mc:AlternateContent>
+      <p:sp>
+        <p:nvSpPr>
+          <p:cNvPr id="4" name="Slide Number Placeholder 3">
+            <a:extLst>
+              <a:ext uri="{FF2B5EF4-FFF2-40B4-BE49-F238E27FC236}">
+                <a16:creationId xmlns:a16="http://schemas.microsoft.com/office/drawing/2014/main" id="{B65545B6-1F9B-4D1A-A33E-824EECF94CD3}"/>
+              </a:ext>
+            </a:extLst>
+          </p:cNvPr>
+          <p:cNvSpPr>
+            <a:spLocks noGrp="1"/>
+          </p:cNvSpPr>
+          <p:nvPr>
+            <p:ph type="sldNum" sz="quarter" idx="12"/>
+          </p:nvPr>
+        </p:nvSpPr>
+        <p:spPr/>
+        <p:txBody>
+          <a:bodyPr/>
+          <a:lstStyle/>
+          <a:p>
+            <a:fld id="{47236066-3CEA-4900-B0F8-F466F2C9858A}" type="slidenum">
+              <a:rPr lang="en-US" smtClean="0"/>
+              <a:t>5</a:t>
+            </a:fld>
+            <a:endParaRPr lang="en-US"/>
+          </a:p>
+        </p:txBody>
+      </p:sp>
     </p:spTree>
     <p:extLst>
       <p:ext uri="{BB962C8B-B14F-4D97-AF65-F5344CB8AC3E}">
         <p14:creationId xmlns:p14="http://schemas.microsoft.com/office/powerpoint/2010/main" val="2429865438"/>
+      </p:ext>
+    </p:extLst>
+  </p:cSld>
+  <p:clrMapOvr>
+    <a:masterClrMapping/>
+  </p:clrMapOvr>
+</p:sld>
+</file>
+
+<file path=ppt/slides/slide6.xml><?xml version="1.0" encoding="utf-8"?>
+<p:sld xmlns:a="http://schemas.openxmlformats.org/drawingml/2006/main" xmlns:r="http://schemas.openxmlformats.org/officeDocument/2006/relationships" xmlns:p="http://schemas.openxmlformats.org/presentationml/2006/main">
+  <p:cSld>
+    <p:spTree>
+      <p:nvGrpSpPr>
+        <p:cNvPr id="1" name=""/>
+        <p:cNvGrpSpPr/>
+        <p:nvPr/>
+      </p:nvGrpSpPr>
+      <p:grpSpPr>
+        <a:xfrm>
+          <a:off x="0" y="0"/>
+          <a:ext cx="0" cy="0"/>
+          <a:chOff x="0" y="0"/>
+          <a:chExt cx="0" cy="0"/>
+        </a:xfrm>
+      </p:grpSpPr>
+      <p:sp>
+        <p:nvSpPr>
+          <p:cNvPr id="2" name="Title 1"/>
+          <p:cNvSpPr>
+            <a:spLocks noGrp="1"/>
+          </p:cNvSpPr>
+          <p:nvPr>
+            <p:ph type="title"/>
+          </p:nvPr>
+        </p:nvSpPr>
+        <p:spPr>
+          <a:xfrm>
+            <a:off x="838200" y="365125"/>
+            <a:ext cx="10515600" cy="1325563"/>
+          </a:xfrm>
+        </p:spPr>
+        <p:txBody>
+          <a:bodyPr/>
+          <a:lstStyle/>
+          <a:p>
+            <a:r>
+              <a:rPr lang="en-US" dirty="0"/>
+              <a:t>Implementation - MATLAB</a:t>
+            </a:r>
+          </a:p>
+        </p:txBody>
+      </p:sp>
+      <p:sp>
+        <p:nvSpPr>
+          <p:cNvPr id="8" name="Rectangle 7">
+            <a:extLst>
+              <a:ext uri="{FF2B5EF4-FFF2-40B4-BE49-F238E27FC236}">
+                <a16:creationId xmlns:a16="http://schemas.microsoft.com/office/drawing/2014/main" id="{66631588-0A1B-4CAF-8C04-7C5A45D267B0}"/>
+              </a:ext>
+            </a:extLst>
+          </p:cNvPr>
+          <p:cNvSpPr/>
+          <p:nvPr/>
+        </p:nvSpPr>
+        <p:spPr>
+          <a:xfrm>
+            <a:off x="0" y="6262042"/>
+            <a:ext cx="9052308" cy="461665"/>
+          </a:xfrm>
+          <a:prstGeom prst="rect">
+            <a:avLst/>
+          </a:prstGeom>
+        </p:spPr>
+        <p:txBody>
+          <a:bodyPr wrap="square">
+            <a:spAutoFit/>
+          </a:bodyPr>
+          <a:lstStyle/>
+          <a:p>
+            <a:r>
+              <a:rPr lang="en-US" sz="1200" dirty="0"/>
+              <a:t>C. </a:t>
+            </a:r>
+            <a:r>
+              <a:rPr lang="en-US" sz="1200" dirty="0" err="1"/>
+              <a:t>Canudas</a:t>
+            </a:r>
+            <a:r>
+              <a:rPr lang="en-US" sz="1200" dirty="0"/>
+              <a:t> de Wit, H. Olsson, K. J. </a:t>
+            </a:r>
+            <a:r>
+              <a:rPr lang="en-US" sz="1200" dirty="0" err="1"/>
+              <a:t>Astrom</a:t>
+            </a:r>
+            <a:r>
+              <a:rPr lang="en-US" sz="1200" dirty="0"/>
+              <a:t>, and P. </a:t>
+            </a:r>
+            <a:r>
+              <a:rPr lang="en-US" sz="1200" dirty="0" err="1"/>
+              <a:t>Lischinsky</a:t>
+            </a:r>
+            <a:r>
+              <a:rPr lang="en-US" sz="1200" dirty="0"/>
+              <a:t>, “A new model for control of systems with friction,” </a:t>
+            </a:r>
+            <a:r>
+              <a:rPr lang="en-US" sz="1200" i="1" dirty="0"/>
+              <a:t>IEEE Transactions on Automatic Control</a:t>
+            </a:r>
+            <a:r>
+              <a:rPr lang="en-US" sz="1200" dirty="0"/>
+              <a:t>, vol. 40, no. 3, pp. 419–425, Mar. 1995, [Online]. Available: http://ieeexplore.ieee.org/document/704999/.</a:t>
+            </a:r>
+          </a:p>
+        </p:txBody>
+      </p:sp>
+      <mc:AlternateContent xmlns:mc="http://schemas.openxmlformats.org/markup-compatibility/2006">
+        <mc:Choice xmlns:a14="http://schemas.microsoft.com/office/drawing/2010/main" Requires="a14">
+          <p:sp>
+            <p:nvSpPr>
+              <p:cNvPr id="11" name="Rectangle 10">
+                <a:extLst>
+                  <a:ext uri="{FF2B5EF4-FFF2-40B4-BE49-F238E27FC236}">
+                    <a16:creationId xmlns:a16="http://schemas.microsoft.com/office/drawing/2014/main" id="{EF45B53C-F644-468D-A0B7-EF8BBE9C3FA7}"/>
+                  </a:ext>
+                </a:extLst>
+              </p:cNvPr>
+              <p:cNvSpPr/>
+              <p:nvPr/>
+            </p:nvSpPr>
+            <p:spPr>
+              <a:xfrm>
+                <a:off x="838200" y="3197338"/>
+                <a:ext cx="1818703" cy="676404"/>
+              </a:xfrm>
+              <a:prstGeom prst="rect">
+                <a:avLst/>
+              </a:prstGeom>
+            </p:spPr>
+            <p:txBody>
+              <a:bodyPr wrap="none">
+                <a:spAutoFit/>
+              </a:bodyPr>
+              <a:lstStyle/>
+              <a:p>
+                <a14:m>
+                  <m:oMathPara xmlns:m="http://schemas.openxmlformats.org/officeDocument/2006/math">
+                    <m:oMathParaPr>
+                      <m:jc m:val="centerGroup"/>
+                    </m:oMathParaPr>
+                    <m:oMath xmlns:m="http://schemas.openxmlformats.org/officeDocument/2006/math">
+                      <m:f>
+                        <m:fPr>
+                          <m:ctrlPr>
+                            <a:rPr lang="en-US">
+                              <a:latin typeface="Cambria Math" panose="02040503050406030204" pitchFamily="18" charset="0"/>
+                            </a:rPr>
+                          </m:ctrlPr>
+                        </m:fPr>
+                        <m:num>
+                          <m:r>
+                            <a:rPr lang="en-US" i="1">
+                              <a:latin typeface="Cambria Math" panose="02040503050406030204" pitchFamily="18" charset="0"/>
+                            </a:rPr>
+                            <m:t>𝑑𝑧</m:t>
+                          </m:r>
+                        </m:num>
+                        <m:den>
+                          <m:r>
+                            <a:rPr lang="en-US" i="1">
+                              <a:latin typeface="Cambria Math" panose="02040503050406030204" pitchFamily="18" charset="0"/>
+                            </a:rPr>
+                            <m:t>𝑑𝑡</m:t>
+                          </m:r>
+                        </m:den>
+                      </m:f>
+                      <m:r>
+                        <a:rPr lang="en-US" i="0">
+                          <a:latin typeface="Cambria Math" panose="02040503050406030204" pitchFamily="18" charset="0"/>
+                        </a:rPr>
+                        <m:t>=</m:t>
+                      </m:r>
+                      <m:r>
+                        <a:rPr lang="en-US" i="1">
+                          <a:latin typeface="Cambria Math" panose="02040503050406030204" pitchFamily="18" charset="0"/>
+                        </a:rPr>
+                        <m:t>𝑣</m:t>
+                      </m:r>
+                      <m:r>
+                        <a:rPr lang="en-US" i="0">
+                          <a:latin typeface="Cambria Math" panose="02040503050406030204" pitchFamily="18" charset="0"/>
+                        </a:rPr>
+                        <m:t>−</m:t>
+                      </m:r>
+                      <m:f>
+                        <m:fPr>
+                          <m:ctrlPr>
+                            <a:rPr lang="en-US" i="1">
+                              <a:latin typeface="Cambria Math" panose="02040503050406030204" pitchFamily="18" charset="0"/>
+                            </a:rPr>
+                          </m:ctrlPr>
+                        </m:fPr>
+                        <m:num>
+                          <m:d>
+                            <m:dPr>
+                              <m:begChr m:val="|"/>
+                              <m:endChr m:val="|"/>
+                              <m:ctrlPr>
+                                <a:rPr lang="en-US" i="1">
+                                  <a:latin typeface="Cambria Math" panose="02040503050406030204" pitchFamily="18" charset="0"/>
+                                </a:rPr>
+                              </m:ctrlPr>
+                            </m:dPr>
+                            <m:e>
+                              <m:r>
+                                <a:rPr lang="en-US" i="1">
+                                  <a:latin typeface="Cambria Math" panose="02040503050406030204" pitchFamily="18" charset="0"/>
+                                </a:rPr>
+                                <m:t>𝑣</m:t>
+                              </m:r>
+                            </m:e>
+                          </m:d>
+                        </m:num>
+                        <m:den>
+                          <m:r>
+                            <a:rPr lang="en-US" i="1">
+                              <a:latin typeface="Cambria Math" panose="02040503050406030204" pitchFamily="18" charset="0"/>
+                            </a:rPr>
+                            <m:t>𝑔</m:t>
+                          </m:r>
+                          <m:d>
+                            <m:dPr>
+                              <m:ctrlPr>
+                                <a:rPr lang="en-US" i="1">
+                                  <a:latin typeface="Cambria Math" panose="02040503050406030204" pitchFamily="18" charset="0"/>
+                                </a:rPr>
+                              </m:ctrlPr>
+                            </m:dPr>
+                            <m:e>
+                              <m:r>
+                                <a:rPr lang="en-US" i="1">
+                                  <a:latin typeface="Cambria Math" panose="02040503050406030204" pitchFamily="18" charset="0"/>
+                                </a:rPr>
+                                <m:t>𝑣</m:t>
+                              </m:r>
+                            </m:e>
+                          </m:d>
+                        </m:den>
+                      </m:f>
+                      <m:r>
+                        <a:rPr lang="en-US" i="1">
+                          <a:latin typeface="Cambria Math" panose="02040503050406030204" pitchFamily="18" charset="0"/>
+                        </a:rPr>
+                        <m:t>𝑧</m:t>
+                      </m:r>
+                    </m:oMath>
+                  </m:oMathPara>
+                </a14:m>
+                <a:endParaRPr lang="en-US" dirty="0"/>
+              </a:p>
+            </p:txBody>
+          </p:sp>
+        </mc:Choice>
+        <mc:Fallback>
+          <p:sp>
+            <p:nvSpPr>
+              <p:cNvPr id="11" name="Rectangle 10">
+                <a:extLst>
+                  <a:ext uri="{FF2B5EF4-FFF2-40B4-BE49-F238E27FC236}">
+                    <a16:creationId xmlns:a16="http://schemas.microsoft.com/office/drawing/2014/main" id="{EF45B53C-F644-468D-A0B7-EF8BBE9C3FA7}"/>
+                  </a:ext>
+                </a:extLst>
+              </p:cNvPr>
+              <p:cNvSpPr>
+                <a:spLocks noRot="1" noChangeAspect="1" noMove="1" noResize="1" noEditPoints="1" noAdjustHandles="1" noChangeArrowheads="1" noChangeShapeType="1" noTextEdit="1"/>
+              </p:cNvSpPr>
+              <p:nvPr/>
+            </p:nvSpPr>
+            <p:spPr>
+              <a:xfrm>
+                <a:off x="838200" y="3197338"/>
+                <a:ext cx="1818703" cy="676404"/>
+              </a:xfrm>
+              <a:prstGeom prst="rect">
+                <a:avLst/>
+              </a:prstGeom>
+              <a:blipFill>
+                <a:blip r:embed="rId2"/>
+                <a:stretch>
+                  <a:fillRect/>
+                </a:stretch>
+              </a:blipFill>
+            </p:spPr>
+            <p:txBody>
+              <a:bodyPr/>
+              <a:lstStyle/>
+              <a:p>
+                <a:r>
+                  <a:rPr lang="en-US">
+                    <a:noFill/>
+                  </a:rPr>
+                  <a:t> </a:t>
+                </a:r>
+              </a:p>
+            </p:txBody>
+          </p:sp>
+        </mc:Fallback>
+      </mc:AlternateContent>
+      <mc:AlternateContent xmlns:mc="http://schemas.openxmlformats.org/markup-compatibility/2006">
+        <mc:Choice xmlns:a14="http://schemas.microsoft.com/office/drawing/2010/main" Requires="a14">
+          <p:sp>
+            <p:nvSpPr>
+              <p:cNvPr id="14" name="Rectangle 13">
+                <a:extLst>
+                  <a:ext uri="{FF2B5EF4-FFF2-40B4-BE49-F238E27FC236}">
+                    <a16:creationId xmlns:a16="http://schemas.microsoft.com/office/drawing/2014/main" id="{DF235840-7C00-4168-B204-8F4C7104E43F}"/>
+                  </a:ext>
+                </a:extLst>
+              </p:cNvPr>
+              <p:cNvSpPr/>
+              <p:nvPr/>
+            </p:nvSpPr>
+            <p:spPr>
+              <a:xfrm>
+                <a:off x="838200" y="2127416"/>
+                <a:ext cx="3279680" cy="733855"/>
+              </a:xfrm>
+              <a:prstGeom prst="rect">
+                <a:avLst/>
+              </a:prstGeom>
+            </p:spPr>
+            <p:txBody>
+              <a:bodyPr wrap="none">
+                <a:spAutoFit/>
+              </a:bodyPr>
+              <a:lstStyle/>
+              <a:p>
+                <a14:m>
+                  <m:oMathPara xmlns:m="http://schemas.openxmlformats.org/officeDocument/2006/math">
+                    <m:oMathParaPr>
+                      <m:jc m:val="centerGroup"/>
+                    </m:oMathParaPr>
+                    <m:oMath xmlns:m="http://schemas.openxmlformats.org/officeDocument/2006/math">
+                      <m:r>
+                        <a:rPr lang="en-US" i="1">
+                          <a:latin typeface="Cambria Math" panose="02040503050406030204" pitchFamily="18" charset="0"/>
+                        </a:rPr>
+                        <m:t>𝑔</m:t>
+                      </m:r>
+                      <m:d>
+                        <m:dPr>
+                          <m:ctrlPr>
+                            <a:rPr lang="en-US" i="1">
+                              <a:latin typeface="Cambria Math" panose="02040503050406030204" pitchFamily="18" charset="0"/>
+                            </a:rPr>
+                          </m:ctrlPr>
+                        </m:dPr>
+                        <m:e>
+                          <m:r>
+                            <a:rPr lang="en-US" i="1">
+                              <a:latin typeface="Cambria Math" panose="02040503050406030204" pitchFamily="18" charset="0"/>
+                            </a:rPr>
+                            <m:t>𝑣</m:t>
+                          </m:r>
+                        </m:e>
+                      </m:d>
+                      <m:r>
+                        <a:rPr lang="en-US" i="0">
+                          <a:latin typeface="Cambria Math" panose="02040503050406030204" pitchFamily="18" charset="0"/>
+                        </a:rPr>
+                        <m:t>=</m:t>
+                      </m:r>
+                      <m:f>
+                        <m:fPr>
+                          <m:ctrlPr>
+                            <a:rPr lang="en-US" i="1">
+                              <a:latin typeface="Cambria Math" panose="02040503050406030204" pitchFamily="18" charset="0"/>
+                            </a:rPr>
+                          </m:ctrlPr>
+                        </m:fPr>
+                        <m:num>
+                          <m:sSub>
+                            <m:sSubPr>
+                              <m:ctrlPr>
+                                <a:rPr lang="en-US" i="1">
+                                  <a:latin typeface="Cambria Math" panose="02040503050406030204" pitchFamily="18" charset="0"/>
+                                </a:rPr>
+                              </m:ctrlPr>
+                            </m:sSubPr>
+                            <m:e>
+                              <m:r>
+                                <a:rPr lang="en-US" i="1">
+                                  <a:latin typeface="Cambria Math" panose="02040503050406030204" pitchFamily="18" charset="0"/>
+                                </a:rPr>
+                                <m:t>𝐹</m:t>
+                              </m:r>
+                            </m:e>
+                            <m:sub>
+                              <m:r>
+                                <a:rPr lang="en-US" i="1">
+                                  <a:latin typeface="Cambria Math" panose="02040503050406030204" pitchFamily="18" charset="0"/>
+                                </a:rPr>
+                                <m:t>𝐶</m:t>
+                              </m:r>
+                            </m:sub>
+                          </m:sSub>
+                          <m:r>
+                            <a:rPr lang="en-US" i="0">
+                              <a:latin typeface="Cambria Math" panose="02040503050406030204" pitchFamily="18" charset="0"/>
+                            </a:rPr>
+                            <m:t>+</m:t>
+                          </m:r>
+                          <m:d>
+                            <m:dPr>
+                              <m:ctrlPr>
+                                <a:rPr lang="en-US" i="1">
+                                  <a:latin typeface="Cambria Math" panose="02040503050406030204" pitchFamily="18" charset="0"/>
+                                </a:rPr>
+                              </m:ctrlPr>
+                            </m:dPr>
+                            <m:e>
+                              <m:sSub>
+                                <m:sSubPr>
+                                  <m:ctrlPr>
+                                    <a:rPr lang="en-US" i="1">
+                                      <a:latin typeface="Cambria Math" panose="02040503050406030204" pitchFamily="18" charset="0"/>
+                                    </a:rPr>
+                                  </m:ctrlPr>
+                                </m:sSubPr>
+                                <m:e>
+                                  <m:r>
+                                    <a:rPr lang="en-US" i="1">
+                                      <a:latin typeface="Cambria Math" panose="02040503050406030204" pitchFamily="18" charset="0"/>
+                                    </a:rPr>
+                                    <m:t>𝐹</m:t>
+                                  </m:r>
+                                </m:e>
+                                <m:sub>
+                                  <m:r>
+                                    <a:rPr lang="en-US" i="1">
+                                      <a:latin typeface="Cambria Math" panose="02040503050406030204" pitchFamily="18" charset="0"/>
+                                    </a:rPr>
+                                    <m:t>𝑆</m:t>
+                                  </m:r>
+                                </m:sub>
+                              </m:sSub>
+                              <m:r>
+                                <a:rPr lang="en-US" i="0">
+                                  <a:latin typeface="Cambria Math" panose="02040503050406030204" pitchFamily="18" charset="0"/>
+                                </a:rPr>
+                                <m:t>−</m:t>
+                              </m:r>
+                              <m:sSub>
+                                <m:sSubPr>
+                                  <m:ctrlPr>
+                                    <a:rPr lang="en-US" i="1">
+                                      <a:latin typeface="Cambria Math" panose="02040503050406030204" pitchFamily="18" charset="0"/>
+                                    </a:rPr>
+                                  </m:ctrlPr>
+                                </m:sSubPr>
+                                <m:e>
+                                  <m:r>
+                                    <a:rPr lang="en-US" i="1">
+                                      <a:latin typeface="Cambria Math" panose="02040503050406030204" pitchFamily="18" charset="0"/>
+                                    </a:rPr>
+                                    <m:t>𝐹</m:t>
+                                  </m:r>
+                                </m:e>
+                                <m:sub>
+                                  <m:r>
+                                    <a:rPr lang="en-US" i="1">
+                                      <a:latin typeface="Cambria Math" panose="02040503050406030204" pitchFamily="18" charset="0"/>
+                                    </a:rPr>
+                                    <m:t>𝐶</m:t>
+                                  </m:r>
+                                </m:sub>
+                              </m:sSub>
+                            </m:e>
+                          </m:d>
+                          <m:sSup>
+                            <m:sSupPr>
+                              <m:ctrlPr>
+                                <a:rPr lang="en-US" i="1">
+                                  <a:latin typeface="Cambria Math" panose="02040503050406030204" pitchFamily="18" charset="0"/>
+                                </a:rPr>
+                              </m:ctrlPr>
+                            </m:sSupPr>
+                            <m:e>
+                              <m:r>
+                                <a:rPr lang="en-US" i="1">
+                                  <a:latin typeface="Cambria Math" panose="02040503050406030204" pitchFamily="18" charset="0"/>
+                                </a:rPr>
+                                <m:t>𝑒</m:t>
+                              </m:r>
+                            </m:e>
+                            <m:sup>
+                              <m:r>
+                                <a:rPr lang="en-US" i="0">
+                                  <a:latin typeface="Cambria Math" panose="02040503050406030204" pitchFamily="18" charset="0"/>
+                                </a:rPr>
+                                <m:t>−</m:t>
+                              </m:r>
+                              <m:sSup>
+                                <m:sSupPr>
+                                  <m:ctrlPr>
+                                    <a:rPr lang="en-US" i="1">
+                                      <a:latin typeface="Cambria Math" panose="02040503050406030204" pitchFamily="18" charset="0"/>
+                                    </a:rPr>
+                                  </m:ctrlPr>
+                                </m:sSupPr>
+                                <m:e>
+                                  <m:d>
+                                    <m:dPr>
+                                      <m:ctrlPr>
+                                        <a:rPr lang="en-US" i="1">
+                                          <a:latin typeface="Cambria Math" panose="02040503050406030204" pitchFamily="18" charset="0"/>
+                                        </a:rPr>
+                                      </m:ctrlPr>
+                                    </m:dPr>
+                                    <m:e>
+                                      <m:f>
+                                        <m:fPr>
+                                          <m:type m:val="lin"/>
+                                          <m:ctrlPr>
+                                            <a:rPr lang="en-US" i="1">
+                                              <a:latin typeface="Cambria Math" panose="02040503050406030204" pitchFamily="18" charset="0"/>
+                                            </a:rPr>
+                                          </m:ctrlPr>
+                                        </m:fPr>
+                                        <m:num>
+                                          <m:r>
+                                            <a:rPr lang="en-US" i="1">
+                                              <a:latin typeface="Cambria Math" panose="02040503050406030204" pitchFamily="18" charset="0"/>
+                                            </a:rPr>
+                                            <m:t>𝑣</m:t>
+                                          </m:r>
+                                        </m:num>
+                                        <m:den>
+                                          <m:sSub>
+                                            <m:sSubPr>
+                                              <m:ctrlPr>
+                                                <a:rPr lang="en-US" i="1">
+                                                  <a:latin typeface="Cambria Math" panose="02040503050406030204" pitchFamily="18" charset="0"/>
+                                                </a:rPr>
+                                              </m:ctrlPr>
+                                            </m:sSubPr>
+                                            <m:e>
+                                              <m:r>
+                                                <a:rPr lang="en-US" i="1">
+                                                  <a:latin typeface="Cambria Math" panose="02040503050406030204" pitchFamily="18" charset="0"/>
+                                                </a:rPr>
+                                                <m:t>𝑣</m:t>
+                                              </m:r>
+                                            </m:e>
+                                            <m:sub>
+                                              <m:r>
+                                                <a:rPr lang="en-US" i="1">
+                                                  <a:latin typeface="Cambria Math" panose="02040503050406030204" pitchFamily="18" charset="0"/>
+                                                </a:rPr>
+                                                <m:t>𝑠</m:t>
+                                              </m:r>
+                                            </m:sub>
+                                          </m:sSub>
+                                        </m:den>
+                                      </m:f>
+                                    </m:e>
+                                  </m:d>
+                                </m:e>
+                                <m:sup>
+                                  <m:r>
+                                    <a:rPr lang="en-US" i="0">
+                                      <a:latin typeface="Cambria Math" panose="02040503050406030204" pitchFamily="18" charset="0"/>
+                                    </a:rPr>
+                                    <m:t>2</m:t>
+                                  </m:r>
+                                </m:sup>
+                              </m:sSup>
+                            </m:sup>
+                          </m:sSup>
+                        </m:num>
+                        <m:den>
+                          <m:sSub>
+                            <m:sSubPr>
+                              <m:ctrlPr>
+                                <a:rPr lang="en-US" i="1">
+                                  <a:latin typeface="Cambria Math" panose="02040503050406030204" pitchFamily="18" charset="0"/>
+                                </a:rPr>
+                              </m:ctrlPr>
+                            </m:sSubPr>
+                            <m:e>
+                              <m:r>
+                                <a:rPr lang="en-US" i="1">
+                                  <a:latin typeface="Cambria Math" panose="02040503050406030204" pitchFamily="18" charset="0"/>
+                                </a:rPr>
+                                <m:t>𝜎</m:t>
+                              </m:r>
+                            </m:e>
+                            <m:sub>
+                              <m:r>
+                                <a:rPr lang="en-US" i="0">
+                                  <a:latin typeface="Cambria Math" panose="02040503050406030204" pitchFamily="18" charset="0"/>
+                                </a:rPr>
+                                <m:t>0</m:t>
+                              </m:r>
+                            </m:sub>
+                          </m:sSub>
+                        </m:den>
+                      </m:f>
+                    </m:oMath>
+                  </m:oMathPara>
+                </a14:m>
+                <a:endParaRPr lang="en-US" dirty="0"/>
+              </a:p>
+            </p:txBody>
+          </p:sp>
+        </mc:Choice>
+        <mc:Fallback>
+          <p:sp>
+            <p:nvSpPr>
+              <p:cNvPr id="14" name="Rectangle 13">
+                <a:extLst>
+                  <a:ext uri="{FF2B5EF4-FFF2-40B4-BE49-F238E27FC236}">
+                    <a16:creationId xmlns:a16="http://schemas.microsoft.com/office/drawing/2014/main" id="{DF235840-7C00-4168-B204-8F4C7104E43F}"/>
+                  </a:ext>
+                </a:extLst>
+              </p:cNvPr>
+              <p:cNvSpPr>
+                <a:spLocks noRot="1" noChangeAspect="1" noMove="1" noResize="1" noEditPoints="1" noAdjustHandles="1" noChangeArrowheads="1" noChangeShapeType="1" noTextEdit="1"/>
+              </p:cNvSpPr>
+              <p:nvPr/>
+            </p:nvSpPr>
+            <p:spPr>
+              <a:xfrm>
+                <a:off x="838200" y="2127416"/>
+                <a:ext cx="3279680" cy="733855"/>
+              </a:xfrm>
+              <a:prstGeom prst="rect">
+                <a:avLst/>
+              </a:prstGeom>
+              <a:blipFill>
+                <a:blip r:embed="rId3"/>
+                <a:stretch>
+                  <a:fillRect/>
+                </a:stretch>
+              </a:blipFill>
+            </p:spPr>
+            <p:txBody>
+              <a:bodyPr/>
+              <a:lstStyle/>
+              <a:p>
+                <a:r>
+                  <a:rPr lang="en-US">
+                    <a:noFill/>
+                  </a:rPr>
+                  <a:t> </a:t>
+                </a:r>
+              </a:p>
+            </p:txBody>
+          </p:sp>
+        </mc:Fallback>
+      </mc:AlternateContent>
+      <mc:AlternateContent xmlns:mc="http://schemas.openxmlformats.org/markup-compatibility/2006">
+        <mc:Choice xmlns:a14="http://schemas.microsoft.com/office/drawing/2010/main" Requires="a14">
+          <p:sp>
+            <p:nvSpPr>
+              <p:cNvPr id="15" name="Rectangle 14">
+                <a:extLst>
+                  <a:ext uri="{FF2B5EF4-FFF2-40B4-BE49-F238E27FC236}">
+                    <a16:creationId xmlns:a16="http://schemas.microsoft.com/office/drawing/2014/main" id="{8B5F09E9-A208-4CDE-837A-4596CEB0C5F1}"/>
+                  </a:ext>
+                </a:extLst>
+              </p:cNvPr>
+              <p:cNvSpPr/>
+              <p:nvPr/>
+            </p:nvSpPr>
+            <p:spPr>
+              <a:xfrm>
+                <a:off x="838200" y="4209809"/>
+                <a:ext cx="2487156" cy="618246"/>
+              </a:xfrm>
+              <a:prstGeom prst="rect">
+                <a:avLst/>
+              </a:prstGeom>
+            </p:spPr>
+            <p:txBody>
+              <a:bodyPr wrap="none">
+                <a:spAutoFit/>
+              </a:bodyPr>
+              <a:lstStyle/>
+              <a:p>
+                <a14:m>
+                  <m:oMathPara xmlns:m="http://schemas.openxmlformats.org/officeDocument/2006/math">
+                    <m:oMathParaPr>
+                      <m:jc m:val="centerGroup"/>
+                    </m:oMathParaPr>
+                    <m:oMath xmlns:m="http://schemas.openxmlformats.org/officeDocument/2006/math">
+                      <m:r>
+                        <a:rPr lang="en-US" i="1">
+                          <a:latin typeface="Cambria Math" panose="02040503050406030204" pitchFamily="18" charset="0"/>
+                        </a:rPr>
+                        <m:t>𝐹</m:t>
+                      </m:r>
+                      <m:r>
+                        <a:rPr lang="en-US" i="0">
+                          <a:latin typeface="Cambria Math" panose="02040503050406030204" pitchFamily="18" charset="0"/>
+                        </a:rPr>
+                        <m:t>=</m:t>
+                      </m:r>
+                      <m:sSub>
+                        <m:sSubPr>
+                          <m:ctrlPr>
+                            <a:rPr lang="en-US" i="1">
+                              <a:latin typeface="Cambria Math" panose="02040503050406030204" pitchFamily="18" charset="0"/>
+                            </a:rPr>
+                          </m:ctrlPr>
+                        </m:sSubPr>
+                        <m:e>
+                          <m:r>
+                            <m:rPr>
+                              <m:sty m:val="p"/>
+                            </m:rPr>
+                            <a:rPr lang="en-US" i="0">
+                              <a:latin typeface="Cambria Math" panose="02040503050406030204" pitchFamily="18" charset="0"/>
+                            </a:rPr>
+                            <m:t>σ</m:t>
+                          </m:r>
+                        </m:e>
+                        <m:sub>
+                          <m:r>
+                            <a:rPr lang="en-US" i="0">
+                              <a:latin typeface="Cambria Math" panose="02040503050406030204" pitchFamily="18" charset="0"/>
+                            </a:rPr>
+                            <m:t>0</m:t>
+                          </m:r>
+                        </m:sub>
+                      </m:sSub>
+                      <m:r>
+                        <a:rPr lang="en-US" i="1">
+                          <a:latin typeface="Cambria Math" panose="02040503050406030204" pitchFamily="18" charset="0"/>
+                        </a:rPr>
+                        <m:t>𝑧</m:t>
+                      </m:r>
+                      <m:r>
+                        <a:rPr lang="en-US" i="0">
+                          <a:latin typeface="Cambria Math" panose="02040503050406030204" pitchFamily="18" charset="0"/>
+                        </a:rPr>
+                        <m:t>+</m:t>
+                      </m:r>
+                      <m:sSub>
+                        <m:sSubPr>
+                          <m:ctrlPr>
+                            <a:rPr lang="en-US" i="1">
+                              <a:latin typeface="Cambria Math" panose="02040503050406030204" pitchFamily="18" charset="0"/>
+                            </a:rPr>
+                          </m:ctrlPr>
+                        </m:sSubPr>
+                        <m:e>
+                          <m:r>
+                            <m:rPr>
+                              <m:sty m:val="p"/>
+                            </m:rPr>
+                            <a:rPr lang="en-US" i="0">
+                              <a:latin typeface="Cambria Math" panose="02040503050406030204" pitchFamily="18" charset="0"/>
+                            </a:rPr>
+                            <m:t>σ</m:t>
+                          </m:r>
+                        </m:e>
+                        <m:sub>
+                          <m:r>
+                            <a:rPr lang="en-US" i="0">
+                              <a:latin typeface="Cambria Math" panose="02040503050406030204" pitchFamily="18" charset="0"/>
+                            </a:rPr>
+                            <m:t>1</m:t>
+                          </m:r>
+                        </m:sub>
+                      </m:sSub>
+                      <m:f>
+                        <m:fPr>
+                          <m:ctrlPr>
+                            <a:rPr lang="en-US" i="1">
+                              <a:latin typeface="Cambria Math" panose="02040503050406030204" pitchFamily="18" charset="0"/>
+                            </a:rPr>
+                          </m:ctrlPr>
+                        </m:fPr>
+                        <m:num>
+                          <m:r>
+                            <a:rPr lang="en-US" i="1">
+                              <a:latin typeface="Cambria Math" panose="02040503050406030204" pitchFamily="18" charset="0"/>
+                            </a:rPr>
+                            <m:t>𝑑𝑧</m:t>
+                          </m:r>
+                        </m:num>
+                        <m:den>
+                          <m:r>
+                            <a:rPr lang="en-US" i="1">
+                              <a:latin typeface="Cambria Math" panose="02040503050406030204" pitchFamily="18" charset="0"/>
+                            </a:rPr>
+                            <m:t>𝑑𝑡</m:t>
+                          </m:r>
+                        </m:den>
+                      </m:f>
+                      <m:r>
+                        <a:rPr lang="en-US" i="0">
+                          <a:latin typeface="Cambria Math" panose="02040503050406030204" pitchFamily="18" charset="0"/>
+                        </a:rPr>
+                        <m:t>+</m:t>
+                      </m:r>
+                      <m:sSub>
+                        <m:sSubPr>
+                          <m:ctrlPr>
+                            <a:rPr lang="en-US" i="1">
+                              <a:latin typeface="Cambria Math" panose="02040503050406030204" pitchFamily="18" charset="0"/>
+                            </a:rPr>
+                          </m:ctrlPr>
+                        </m:sSubPr>
+                        <m:e>
+                          <m:r>
+                            <m:rPr>
+                              <m:sty m:val="p"/>
+                            </m:rPr>
+                            <a:rPr lang="en-US" i="0">
+                              <a:latin typeface="Cambria Math" panose="02040503050406030204" pitchFamily="18" charset="0"/>
+                            </a:rPr>
+                            <m:t>σ</m:t>
+                          </m:r>
+                        </m:e>
+                        <m:sub>
+                          <m:r>
+                            <a:rPr lang="en-US" i="0">
+                              <a:latin typeface="Cambria Math" panose="02040503050406030204" pitchFamily="18" charset="0"/>
+                            </a:rPr>
+                            <m:t>2</m:t>
+                          </m:r>
+                        </m:sub>
+                      </m:sSub>
+                      <m:r>
+                        <a:rPr lang="en-US" i="1">
+                          <a:latin typeface="Cambria Math" panose="02040503050406030204" pitchFamily="18" charset="0"/>
+                        </a:rPr>
+                        <m:t>𝑣</m:t>
+                      </m:r>
+                    </m:oMath>
+                  </m:oMathPara>
+                </a14:m>
+                <a:endParaRPr lang="en-US" dirty="0"/>
+              </a:p>
+            </p:txBody>
+          </p:sp>
+        </mc:Choice>
+        <mc:Fallback>
+          <p:sp>
+            <p:nvSpPr>
+              <p:cNvPr id="15" name="Rectangle 14">
+                <a:extLst>
+                  <a:ext uri="{FF2B5EF4-FFF2-40B4-BE49-F238E27FC236}">
+                    <a16:creationId xmlns:a16="http://schemas.microsoft.com/office/drawing/2014/main" id="{8B5F09E9-A208-4CDE-837A-4596CEB0C5F1}"/>
+                  </a:ext>
+                </a:extLst>
+              </p:cNvPr>
+              <p:cNvSpPr>
+                <a:spLocks noRot="1" noChangeAspect="1" noMove="1" noResize="1" noEditPoints="1" noAdjustHandles="1" noChangeArrowheads="1" noChangeShapeType="1" noTextEdit="1"/>
+              </p:cNvSpPr>
+              <p:nvPr/>
+            </p:nvSpPr>
+            <p:spPr>
+              <a:xfrm>
+                <a:off x="838200" y="4209809"/>
+                <a:ext cx="2487156" cy="618246"/>
+              </a:xfrm>
+              <a:prstGeom prst="rect">
+                <a:avLst/>
+              </a:prstGeom>
+              <a:blipFill>
+                <a:blip r:embed="rId4"/>
+                <a:stretch>
+                  <a:fillRect/>
+                </a:stretch>
+              </a:blipFill>
+            </p:spPr>
+            <p:txBody>
+              <a:bodyPr/>
+              <a:lstStyle/>
+              <a:p>
+                <a:r>
+                  <a:rPr lang="en-US">
+                    <a:noFill/>
+                  </a:rPr>
+                  <a:t> </a:t>
+                </a:r>
+              </a:p>
+            </p:txBody>
+          </p:sp>
+        </mc:Fallback>
+      </mc:AlternateContent>
+      <mc:AlternateContent xmlns:mc="http://schemas.openxmlformats.org/markup-compatibility/2006">
+        <mc:Choice xmlns:a14="http://schemas.microsoft.com/office/drawing/2010/main" Requires="a14">
+          <p:sp>
+            <p:nvSpPr>
+              <p:cNvPr id="16" name="TextBox 15">
+                <a:extLst>
+                  <a:ext uri="{FF2B5EF4-FFF2-40B4-BE49-F238E27FC236}">
+                    <a16:creationId xmlns:a16="http://schemas.microsoft.com/office/drawing/2014/main" id="{F5B53918-0E01-4A28-AF47-18B62AA1F172}"/>
+                  </a:ext>
+                </a:extLst>
+              </p:cNvPr>
+              <p:cNvSpPr txBox="1"/>
+              <p:nvPr/>
+            </p:nvSpPr>
+            <p:spPr>
+              <a:xfrm>
+                <a:off x="5254388" y="2279176"/>
+                <a:ext cx="6309741" cy="2585323"/>
+              </a:xfrm>
+              <a:prstGeom prst="rect">
+                <a:avLst/>
+              </a:prstGeom>
+              <a:noFill/>
+            </p:spPr>
+            <p:txBody>
+              <a:bodyPr wrap="none" rtlCol="0">
+                <a:spAutoFit/>
+              </a:bodyPr>
+              <a:lstStyle/>
+              <a:p>
+                <a:r>
+                  <a:rPr lang="en-US" dirty="0"/>
+                  <a:t>Where:</a:t>
+                </a:r>
+              </a:p>
+              <a:p>
+                <a:endParaRPr lang="en-US" dirty="0"/>
+              </a:p>
+              <a:p>
+                <a14:m>
+                  <m:oMath xmlns:m="http://schemas.openxmlformats.org/officeDocument/2006/math">
+                    <m:sSub>
+                      <m:sSubPr>
+                        <m:ctrlPr>
+                          <a:rPr lang="en-US" b="0" i="1" smtClean="0">
+                            <a:latin typeface="Cambria Math" panose="02040503050406030204" pitchFamily="18" charset="0"/>
+                          </a:rPr>
+                        </m:ctrlPr>
+                      </m:sSubPr>
+                      <m:e>
+                        <m:r>
+                          <a:rPr lang="en-US" b="0" i="1" smtClean="0">
+                            <a:latin typeface="Cambria Math" panose="02040503050406030204" pitchFamily="18" charset="0"/>
+                          </a:rPr>
+                          <m:t>𝐹</m:t>
+                        </m:r>
+                      </m:e>
+                      <m:sub>
+                        <m:r>
+                          <a:rPr lang="en-US" b="0" i="1" smtClean="0">
+                            <a:latin typeface="Cambria Math" panose="02040503050406030204" pitchFamily="18" charset="0"/>
+                          </a:rPr>
+                          <m:t>𝐶</m:t>
+                        </m:r>
+                      </m:sub>
+                    </m:sSub>
+                  </m:oMath>
+                </a14:m>
+                <a:r>
+                  <a:rPr lang="en-US" dirty="0"/>
+                  <a:t> is the </a:t>
+                </a:r>
+                <a:r>
+                  <a:rPr lang="en-US" dirty="0" err="1"/>
+                  <a:t>Columb</a:t>
+                </a:r>
+                <a:r>
+                  <a:rPr lang="en-US" dirty="0"/>
+                  <a:t> friction</a:t>
+                </a:r>
+              </a:p>
+              <a:p>
+                <a14:m>
+                  <m:oMath xmlns:m="http://schemas.openxmlformats.org/officeDocument/2006/math">
+                    <m:sSub>
+                      <m:sSubPr>
+                        <m:ctrlPr>
+                          <a:rPr lang="en-US" b="0" i="1" smtClean="0">
+                            <a:latin typeface="Cambria Math" panose="02040503050406030204" pitchFamily="18" charset="0"/>
+                          </a:rPr>
+                        </m:ctrlPr>
+                      </m:sSubPr>
+                      <m:e>
+                        <m:r>
+                          <a:rPr lang="en-US" b="0" i="1" smtClean="0">
+                            <a:latin typeface="Cambria Math" panose="02040503050406030204" pitchFamily="18" charset="0"/>
+                          </a:rPr>
+                          <m:t>𝐹</m:t>
+                        </m:r>
+                      </m:e>
+                      <m:sub>
+                        <m:r>
+                          <a:rPr lang="en-US" b="0" i="1" smtClean="0">
+                            <a:latin typeface="Cambria Math" panose="02040503050406030204" pitchFamily="18" charset="0"/>
+                          </a:rPr>
+                          <m:t>𝑆</m:t>
+                        </m:r>
+                      </m:sub>
+                    </m:sSub>
+                  </m:oMath>
+                </a14:m>
+                <a:r>
+                  <a:rPr lang="en-US" dirty="0"/>
+                  <a:t> is the stiction friction (break-away friction)</a:t>
+                </a:r>
+              </a:p>
+              <a:p>
+                <a14:m>
+                  <m:oMath xmlns:m="http://schemas.openxmlformats.org/officeDocument/2006/math">
+                    <m:sSub>
+                      <m:sSubPr>
+                        <m:ctrlPr>
+                          <a:rPr lang="en-US" b="0" i="1" smtClean="0">
+                            <a:latin typeface="Cambria Math" panose="02040503050406030204" pitchFamily="18" charset="0"/>
+                          </a:rPr>
+                        </m:ctrlPr>
+                      </m:sSubPr>
+                      <m:e>
+                        <m:r>
+                          <a:rPr lang="en-US" b="0" i="1" smtClean="0">
+                            <a:latin typeface="Cambria Math" panose="02040503050406030204" pitchFamily="18" charset="0"/>
+                          </a:rPr>
+                          <m:t>𝑣</m:t>
+                        </m:r>
+                      </m:e>
+                      <m:sub>
+                        <m:r>
+                          <a:rPr lang="en-US" b="0" i="1" smtClean="0">
+                            <a:latin typeface="Cambria Math" panose="02040503050406030204" pitchFamily="18" charset="0"/>
+                          </a:rPr>
+                          <m:t>𝑠</m:t>
+                        </m:r>
+                      </m:sub>
+                    </m:sSub>
+                  </m:oMath>
+                </a14:m>
+                <a:r>
+                  <a:rPr lang="en-US" dirty="0"/>
+                  <a:t> is the </a:t>
+                </a:r>
+                <a:r>
+                  <a:rPr lang="en-US" dirty="0" err="1"/>
+                  <a:t>Stribeck</a:t>
+                </a:r>
+                <a:r>
+                  <a:rPr lang="en-US" dirty="0"/>
+                  <a:t> velocity </a:t>
+                </a:r>
+              </a:p>
+              <a:p>
+                <a14:m>
+                  <m:oMath xmlns:m="http://schemas.openxmlformats.org/officeDocument/2006/math">
+                    <m:sSub>
+                      <m:sSubPr>
+                        <m:ctrlPr>
+                          <a:rPr lang="en-US" b="0" i="1" smtClean="0">
+                            <a:latin typeface="Cambria Math" panose="02040503050406030204" pitchFamily="18" charset="0"/>
+                            <a:ea typeface="Cambria Math" panose="02040503050406030204" pitchFamily="18" charset="0"/>
+                          </a:rPr>
+                        </m:ctrlPr>
+                      </m:sSubPr>
+                      <m:e>
+                        <m:r>
+                          <a:rPr lang="en-US" i="1" smtClean="0">
+                            <a:latin typeface="Cambria Math" panose="02040503050406030204" pitchFamily="18" charset="0"/>
+                            <a:ea typeface="Cambria Math" panose="02040503050406030204" pitchFamily="18" charset="0"/>
+                          </a:rPr>
+                          <m:t>𝜎</m:t>
+                        </m:r>
+                      </m:e>
+                      <m:sub>
+                        <m:r>
+                          <a:rPr lang="en-US" b="0" i="1" smtClean="0">
+                            <a:latin typeface="Cambria Math" panose="02040503050406030204" pitchFamily="18" charset="0"/>
+                            <a:ea typeface="Cambria Math" panose="02040503050406030204" pitchFamily="18" charset="0"/>
+                          </a:rPr>
+                          <m:t>2</m:t>
+                        </m:r>
+                      </m:sub>
+                    </m:sSub>
+                  </m:oMath>
+                </a14:m>
+                <a:r>
+                  <a:rPr lang="en-US" dirty="0"/>
+                  <a:t>is the viscous friction</a:t>
+                </a:r>
+              </a:p>
+              <a:p>
+                <a:endParaRPr lang="en-US" dirty="0"/>
+              </a:p>
+              <a:p>
+                <a14:m>
+                  <m:oMath xmlns:m="http://schemas.openxmlformats.org/officeDocument/2006/math">
+                    <m:r>
+                      <a:rPr lang="en-US" i="1">
+                        <a:latin typeface="Cambria Math" panose="02040503050406030204" pitchFamily="18" charset="0"/>
+                      </a:rPr>
+                      <m:t>𝑧</m:t>
+                    </m:r>
+                  </m:oMath>
+                </a14:m>
+                <a:r>
+                  <a:rPr lang="en-US" dirty="0"/>
+                  <a:t> is the average deflection of the bristle</a:t>
+                </a:r>
+              </a:p>
+              <a:p>
+                <a14:m>
+                  <m:oMath xmlns:m="http://schemas.openxmlformats.org/officeDocument/2006/math">
+                    <m:sSub>
+                      <m:sSubPr>
+                        <m:ctrlPr>
+                          <a:rPr lang="en-US" b="0" i="1" smtClean="0">
+                            <a:latin typeface="Cambria Math" panose="02040503050406030204" pitchFamily="18" charset="0"/>
+                            <a:ea typeface="Cambria Math" panose="02040503050406030204" pitchFamily="18" charset="0"/>
+                          </a:rPr>
+                        </m:ctrlPr>
+                      </m:sSubPr>
+                      <m:e>
+                        <m:r>
+                          <a:rPr lang="en-US" i="1" smtClean="0">
+                            <a:latin typeface="Cambria Math" panose="02040503050406030204" pitchFamily="18" charset="0"/>
+                            <a:ea typeface="Cambria Math" panose="02040503050406030204" pitchFamily="18" charset="0"/>
+                          </a:rPr>
+                          <m:t>𝜎</m:t>
+                        </m:r>
+                      </m:e>
+                      <m:sub>
+                        <m:r>
+                          <a:rPr lang="en-US" b="0" i="1" smtClean="0">
+                            <a:latin typeface="Cambria Math" panose="02040503050406030204" pitchFamily="18" charset="0"/>
+                            <a:ea typeface="Cambria Math" panose="02040503050406030204" pitchFamily="18" charset="0"/>
+                          </a:rPr>
+                          <m:t>0</m:t>
+                        </m:r>
+                      </m:sub>
+                    </m:sSub>
+                    <m:r>
+                      <a:rPr lang="en-US" b="0" i="1" smtClean="0">
+                        <a:latin typeface="Cambria Math" panose="02040503050406030204" pitchFamily="18" charset="0"/>
+                        <a:ea typeface="Cambria Math" panose="02040503050406030204" pitchFamily="18" charset="0"/>
+                      </a:rPr>
+                      <m:t>, </m:t>
+                    </m:r>
+                    <m:sSub>
+                      <m:sSubPr>
+                        <m:ctrlPr>
+                          <a:rPr lang="en-US" b="0" i="1" smtClean="0">
+                            <a:latin typeface="Cambria Math" panose="02040503050406030204" pitchFamily="18" charset="0"/>
+                            <a:ea typeface="Cambria Math" panose="02040503050406030204" pitchFamily="18" charset="0"/>
+                          </a:rPr>
+                        </m:ctrlPr>
+                      </m:sSubPr>
+                      <m:e>
+                        <m:r>
+                          <a:rPr lang="en-US" b="0" i="1" smtClean="0">
+                            <a:latin typeface="Cambria Math" panose="02040503050406030204" pitchFamily="18" charset="0"/>
+                            <a:ea typeface="Cambria Math" panose="02040503050406030204" pitchFamily="18" charset="0"/>
+                          </a:rPr>
+                          <m:t>𝜎</m:t>
+                        </m:r>
+                      </m:e>
+                      <m:sub>
+                        <m:r>
+                          <a:rPr lang="en-US" b="0" i="1" smtClean="0">
+                            <a:latin typeface="Cambria Math" panose="02040503050406030204" pitchFamily="18" charset="0"/>
+                            <a:ea typeface="Cambria Math" panose="02040503050406030204" pitchFamily="18" charset="0"/>
+                          </a:rPr>
+                          <m:t>1</m:t>
+                        </m:r>
+                      </m:sub>
+                    </m:sSub>
+                  </m:oMath>
+                </a14:m>
+                <a:r>
+                  <a:rPr lang="en-US" dirty="0"/>
+                  <a:t> are the stiffness and damping coefficient for </a:t>
+                </a:r>
+                <a14:m>
+                  <m:oMath xmlns:m="http://schemas.openxmlformats.org/officeDocument/2006/math">
+                    <m:r>
+                      <a:rPr lang="en-US" b="0" i="1" smtClean="0">
+                        <a:latin typeface="Cambria Math" panose="02040503050406030204" pitchFamily="18" charset="0"/>
+                      </a:rPr>
+                      <m:t>𝑧</m:t>
+                    </m:r>
+                  </m:oMath>
+                </a14:m>
+                <a:r>
+                  <a:rPr lang="en-US" dirty="0"/>
+                  <a:t>, respectively</a:t>
+                </a:r>
+              </a:p>
+            </p:txBody>
+          </p:sp>
+        </mc:Choice>
+        <mc:Fallback>
+          <p:sp>
+            <p:nvSpPr>
+              <p:cNvPr id="16" name="TextBox 15">
+                <a:extLst>
+                  <a:ext uri="{FF2B5EF4-FFF2-40B4-BE49-F238E27FC236}">
+                    <a16:creationId xmlns:a16="http://schemas.microsoft.com/office/drawing/2014/main" id="{F5B53918-0E01-4A28-AF47-18B62AA1F172}"/>
+                  </a:ext>
+                </a:extLst>
+              </p:cNvPr>
+              <p:cNvSpPr txBox="1">
+                <a:spLocks noRot="1" noChangeAspect="1" noMove="1" noResize="1" noEditPoints="1" noAdjustHandles="1" noChangeArrowheads="1" noChangeShapeType="1" noTextEdit="1"/>
+              </p:cNvSpPr>
+              <p:nvPr/>
+            </p:nvSpPr>
+            <p:spPr>
+              <a:xfrm>
+                <a:off x="5254388" y="2279176"/>
+                <a:ext cx="6309741" cy="2585323"/>
+              </a:xfrm>
+              <a:prstGeom prst="rect">
+                <a:avLst/>
+              </a:prstGeom>
+              <a:blipFill>
+                <a:blip r:embed="rId5"/>
+                <a:stretch>
+                  <a:fillRect l="-870" t="-1415" r="-97" b="-2830"/>
+                </a:stretch>
+              </a:blipFill>
+            </p:spPr>
+            <p:txBody>
+              <a:bodyPr/>
+              <a:lstStyle/>
+              <a:p>
+                <a:r>
+                  <a:rPr lang="en-US">
+                    <a:noFill/>
+                  </a:rPr>
+                  <a:t> </a:t>
+                </a:r>
+              </a:p>
+            </p:txBody>
+          </p:sp>
+        </mc:Fallback>
+      </mc:AlternateContent>
+      <p:sp>
+        <p:nvSpPr>
+          <p:cNvPr id="17" name="Slide Number Placeholder 16">
+            <a:extLst>
+              <a:ext uri="{FF2B5EF4-FFF2-40B4-BE49-F238E27FC236}">
+                <a16:creationId xmlns:a16="http://schemas.microsoft.com/office/drawing/2014/main" id="{427C8F15-0825-42A9-9389-1F26C1E90EE5}"/>
+              </a:ext>
+            </a:extLst>
+          </p:cNvPr>
+          <p:cNvSpPr>
+            <a:spLocks noGrp="1"/>
+          </p:cNvSpPr>
+          <p:nvPr>
+            <p:ph type="sldNum" sz="quarter" idx="12"/>
+          </p:nvPr>
+        </p:nvSpPr>
+        <p:spPr/>
+        <p:txBody>
+          <a:bodyPr/>
+          <a:lstStyle/>
+          <a:p>
+            <a:fld id="{47236066-3CEA-4900-B0F8-F466F2C9858A}" type="slidenum">
+              <a:rPr lang="en-US" smtClean="0"/>
+              <a:t>6</a:t>
+            </a:fld>
+            <a:endParaRPr lang="en-US"/>
+          </a:p>
+        </p:txBody>
+      </p:sp>
+    </p:spTree>
+    <p:extLst>
+      <p:ext uri="{BB962C8B-B14F-4D97-AF65-F5344CB8AC3E}">
+        <p14:creationId xmlns:p14="http://schemas.microsoft.com/office/powerpoint/2010/main" val="3708485748"/>
       </p:ext>
     </p:extLst>
   </p:cSld>
@@ -4536,7 +6504,13 @@
       </p:grpSpPr>
       <p:sp>
         <p:nvSpPr>
-          <p:cNvPr id="2" name="Title 1"/>
+          <p:cNvPr id="2" name="Title 1">
+            <a:extLst>
+              <a:ext uri="{FF2B5EF4-FFF2-40B4-BE49-F238E27FC236}">
+                <a16:creationId xmlns:a16="http://schemas.microsoft.com/office/drawing/2014/main" id="{1014ABEA-D266-42EF-82A3-D562DEF3B4C8}"/>
+              </a:ext>
+            </a:extLst>
+          </p:cNvPr>
           <p:cNvSpPr>
             <a:spLocks noGrp="1"/>
           </p:cNvSpPr>
@@ -4550,15 +6524,54 @@
           <a:lstStyle/>
           <a:p>
             <a:r>
+              <a:rPr lang="en-US" dirty="0" err="1"/>
+              <a:t>Frictio</a:t>
+            </a:r>
+            <a:r>
               <a:rPr lang="en-US" dirty="0"/>
-              <a:t>Implementation - MATLAB</a:t>
-            </a:r>
+              <a:t> Force at Steady State Condition</a:t>
+            </a:r>
+          </a:p>
+        </p:txBody>
+      </p:sp>
+      <p:sp>
+        <p:nvSpPr>
+          <p:cNvPr id="4" name="Slide Number Placeholder 3">
+            <a:extLst>
+              <a:ext uri="{FF2B5EF4-FFF2-40B4-BE49-F238E27FC236}">
+                <a16:creationId xmlns:a16="http://schemas.microsoft.com/office/drawing/2014/main" id="{B2FC125C-5A00-41EE-B2F6-EB9B6CDD85D2}"/>
+              </a:ext>
+            </a:extLst>
+          </p:cNvPr>
+          <p:cNvSpPr>
+            <a:spLocks noGrp="1"/>
+          </p:cNvSpPr>
+          <p:nvPr>
+            <p:ph type="sldNum" sz="quarter" idx="12"/>
+          </p:nvPr>
+        </p:nvSpPr>
+        <p:spPr/>
+        <p:txBody>
+          <a:bodyPr/>
+          <a:lstStyle/>
+          <a:p>
+            <a:fld id="{47236066-3CEA-4900-B0F8-F466F2C9858A}" type="slidenum">
+              <a:rPr lang="en-US" smtClean="0"/>
+              <a:t>7</a:t>
+            </a:fld>
+            <a:endParaRPr lang="en-US"/>
           </a:p>
         </p:txBody>
       </p:sp>
       <p:pic>
         <p:nvPicPr>
-          <p:cNvPr id="4" name="Content Placeholder 3"/>
+          <p:cNvPr id="10" name="Content Placeholder 9">
+            <a:extLst>
+              <a:ext uri="{FF2B5EF4-FFF2-40B4-BE49-F238E27FC236}">
+                <a16:creationId xmlns:a16="http://schemas.microsoft.com/office/drawing/2014/main" id="{452ED0EF-9256-44A5-ACBD-BB345E34B78A}"/>
+              </a:ext>
+            </a:extLst>
+          </p:cNvPr>
           <p:cNvPicPr>
             <a:picLocks noGrp="1" noChangeAspect="1"/>
           </p:cNvPicPr>
@@ -4567,126 +6580,276 @@
           </p:nvPr>
         </p:nvPicPr>
         <p:blipFill>
-          <a:blip r:embed="rId2"/>
+          <a:blip r:embed="rId2">
+            <a:extLst>
+              <a:ext uri="{28A0092B-C50C-407E-A947-70E740481C1C}">
+                <a14:useLocalDpi xmlns:a14="http://schemas.microsoft.com/office/drawing/2010/main" val="0"/>
+              </a:ext>
+            </a:extLst>
+          </a:blip>
           <a:stretch>
             <a:fillRect/>
           </a:stretch>
         </p:blipFill>
         <p:spPr>
           <a:xfrm>
-            <a:off x="3514856" y="2203714"/>
-            <a:ext cx="5003410" cy="753652"/>
+            <a:off x="3400813" y="1979903"/>
+            <a:ext cx="5390374" cy="4042781"/>
           </a:xfrm>
-          <a:prstGeom prst="rect">
-            <a:avLst/>
-          </a:prstGeom>
         </p:spPr>
       </p:pic>
+    </p:spTree>
+    <p:extLst>
+      <p:ext uri="{BB962C8B-B14F-4D97-AF65-F5344CB8AC3E}">
+        <p14:creationId xmlns:p14="http://schemas.microsoft.com/office/powerpoint/2010/main" val="3250580652"/>
+      </p:ext>
+    </p:extLst>
+  </p:cSld>
+  <p:clrMapOvr>
+    <a:masterClrMapping/>
+  </p:clrMapOvr>
+</p:sld>
+</file>
+
+<file path=ppt/slides/slide8.xml><?xml version="1.0" encoding="utf-8"?>
+<p:sld xmlns:a="http://schemas.openxmlformats.org/drawingml/2006/main" xmlns:r="http://schemas.openxmlformats.org/officeDocument/2006/relationships" xmlns:p="http://schemas.openxmlformats.org/presentationml/2006/main">
+  <p:cSld>
+    <p:spTree>
+      <p:nvGrpSpPr>
+        <p:cNvPr id="1" name=""/>
+        <p:cNvGrpSpPr/>
+        <p:nvPr/>
+      </p:nvGrpSpPr>
+      <p:grpSpPr>
+        <a:xfrm>
+          <a:off x="0" y="0"/>
+          <a:ext cx="0" cy="0"/>
+          <a:chOff x="0" y="0"/>
+          <a:chExt cx="0" cy="0"/>
+        </a:xfrm>
+      </p:grpSpPr>
+      <p:sp>
+        <p:nvSpPr>
+          <p:cNvPr id="2" name="Title 1">
+            <a:extLst>
+              <a:ext uri="{FF2B5EF4-FFF2-40B4-BE49-F238E27FC236}">
+                <a16:creationId xmlns:a16="http://schemas.microsoft.com/office/drawing/2014/main" id="{142568EF-8CBB-4ECA-B403-757DE5DC1AAC}"/>
+              </a:ext>
+            </a:extLst>
+          </p:cNvPr>
+          <p:cNvSpPr>
+            <a:spLocks noGrp="1"/>
+          </p:cNvSpPr>
+          <p:nvPr>
+            <p:ph type="title"/>
+          </p:nvPr>
+        </p:nvSpPr>
+        <p:spPr/>
+        <p:txBody>
+          <a:bodyPr/>
+          <a:lstStyle/>
+          <a:p>
+            <a:r>
+              <a:rPr lang="en-US" dirty="0"/>
+              <a:t>Hysteresis in Friction with Varying Velocity</a:t>
+            </a:r>
+          </a:p>
+        </p:txBody>
+      </p:sp>
       <p:pic>
         <p:nvPicPr>
-          <p:cNvPr id="5" name="Picture 4"/>
+          <p:cNvPr id="6" name="Content Placeholder 5">
+            <a:extLst>
+              <a:ext uri="{FF2B5EF4-FFF2-40B4-BE49-F238E27FC236}">
+                <a16:creationId xmlns:a16="http://schemas.microsoft.com/office/drawing/2014/main" id="{2D1883AA-807B-4997-BF5C-E8AE24DE09EC}"/>
+              </a:ext>
+            </a:extLst>
+          </p:cNvPr>
           <p:cNvPicPr>
-            <a:picLocks noChangeAspect="1"/>
+            <a:picLocks noGrp="1" noChangeAspect="1"/>
           </p:cNvPicPr>
-          <p:nvPr/>
+          <p:nvPr>
+            <p:ph idx="1"/>
+          </p:nvPr>
         </p:nvPicPr>
         <p:blipFill>
-          <a:blip r:embed="rId3"/>
+          <a:blip r:embed="rId2">
+            <a:extLst>
+              <a:ext uri="{28A0092B-C50C-407E-A947-70E740481C1C}">
+                <a14:useLocalDpi xmlns:a14="http://schemas.microsoft.com/office/drawing/2010/main" val="0"/>
+              </a:ext>
+            </a:extLst>
+          </a:blip>
           <a:stretch>
             <a:fillRect/>
           </a:stretch>
         </p:blipFill>
         <p:spPr>
           <a:xfrm>
-            <a:off x="4146868" y="3053900"/>
-            <a:ext cx="4371398" cy="832983"/>
+            <a:off x="2970935" y="1668753"/>
+            <a:ext cx="6250129" cy="4687597"/>
           </a:xfrm>
-          <a:prstGeom prst="rect">
-            <a:avLst/>
-          </a:prstGeom>
         </p:spPr>
       </p:pic>
+      <p:sp>
+        <p:nvSpPr>
+          <p:cNvPr id="4" name="Slide Number Placeholder 3">
+            <a:extLst>
+              <a:ext uri="{FF2B5EF4-FFF2-40B4-BE49-F238E27FC236}">
+                <a16:creationId xmlns:a16="http://schemas.microsoft.com/office/drawing/2014/main" id="{C2042554-C42B-47A6-A498-06C1F2031036}"/>
+              </a:ext>
+            </a:extLst>
+          </p:cNvPr>
+          <p:cNvSpPr>
+            <a:spLocks noGrp="1"/>
+          </p:cNvSpPr>
+          <p:nvPr>
+            <p:ph type="sldNum" sz="quarter" idx="12"/>
+          </p:nvPr>
+        </p:nvSpPr>
+        <p:spPr/>
+        <p:txBody>
+          <a:bodyPr/>
+          <a:lstStyle/>
+          <a:p>
+            <a:fld id="{47236066-3CEA-4900-B0F8-F466F2C9858A}" type="slidenum">
+              <a:rPr lang="en-US" smtClean="0"/>
+              <a:t>8</a:t>
+            </a:fld>
+            <a:endParaRPr lang="en-US"/>
+          </a:p>
+        </p:txBody>
+      </p:sp>
+    </p:spTree>
+    <p:extLst>
+      <p:ext uri="{BB962C8B-B14F-4D97-AF65-F5344CB8AC3E}">
+        <p14:creationId xmlns:p14="http://schemas.microsoft.com/office/powerpoint/2010/main" val="2912200162"/>
+      </p:ext>
+    </p:extLst>
+  </p:cSld>
+  <p:clrMapOvr>
+    <a:masterClrMapping/>
+  </p:clrMapOvr>
+</p:sld>
+</file>
+
+<file path=ppt/slides/slide9.xml><?xml version="1.0" encoding="utf-8"?>
+<p:sld xmlns:a="http://schemas.openxmlformats.org/drawingml/2006/main" xmlns:r="http://schemas.openxmlformats.org/officeDocument/2006/relationships" xmlns:p="http://schemas.openxmlformats.org/presentationml/2006/main">
+  <p:cSld>
+    <p:spTree>
+      <p:nvGrpSpPr>
+        <p:cNvPr id="1" name=""/>
+        <p:cNvGrpSpPr/>
+        <p:nvPr/>
+      </p:nvGrpSpPr>
+      <p:grpSpPr>
+        <a:xfrm>
+          <a:off x="0" y="0"/>
+          <a:ext cx="0" cy="0"/>
+          <a:chOff x="0" y="0"/>
+          <a:chExt cx="0" cy="0"/>
+        </a:xfrm>
+      </p:grpSpPr>
+      <p:sp>
+        <p:nvSpPr>
+          <p:cNvPr id="2" name="Title 1">
+            <a:extLst>
+              <a:ext uri="{FF2B5EF4-FFF2-40B4-BE49-F238E27FC236}">
+                <a16:creationId xmlns:a16="http://schemas.microsoft.com/office/drawing/2014/main" id="{25F2F2B5-F7AD-47F3-81AE-79AE37D4601A}"/>
+              </a:ext>
+            </a:extLst>
+          </p:cNvPr>
+          <p:cNvSpPr>
+            <a:spLocks noGrp="1"/>
+          </p:cNvSpPr>
+          <p:nvPr>
+            <p:ph type="title"/>
+          </p:nvPr>
+        </p:nvSpPr>
+        <p:spPr/>
+        <p:txBody>
+          <a:bodyPr/>
+          <a:lstStyle/>
+          <a:p>
+            <a:r>
+              <a:rPr lang="en-US" dirty="0" err="1"/>
+              <a:t>Presliding</a:t>
+            </a:r>
+            <a:r>
+              <a:rPr lang="en-US" dirty="0"/>
+              <a:t> Displacement</a:t>
+            </a:r>
+          </a:p>
+        </p:txBody>
+      </p:sp>
       <p:pic>
         <p:nvPicPr>
-          <p:cNvPr id="6" name="Picture 5"/>
+          <p:cNvPr id="6" name="Content Placeholder 5">
+            <a:extLst>
+              <a:ext uri="{FF2B5EF4-FFF2-40B4-BE49-F238E27FC236}">
+                <a16:creationId xmlns:a16="http://schemas.microsoft.com/office/drawing/2014/main" id="{B4CDE85C-DD46-4618-A9F7-6C3778632F2F}"/>
+              </a:ext>
+            </a:extLst>
+          </p:cNvPr>
           <p:cNvPicPr>
-            <a:picLocks noChangeAspect="1"/>
+            <a:picLocks noGrp="1" noChangeAspect="1"/>
           </p:cNvPicPr>
-          <p:nvPr/>
+          <p:nvPr>
+            <p:ph idx="1"/>
+          </p:nvPr>
         </p:nvPicPr>
         <p:blipFill>
-          <a:blip r:embed="rId4"/>
+          <a:blip r:embed="rId2">
+            <a:extLst>
+              <a:ext uri="{28A0092B-C50C-407E-A947-70E740481C1C}">
+                <a14:useLocalDpi xmlns:a14="http://schemas.microsoft.com/office/drawing/2010/main" val="0"/>
+              </a:ext>
+            </a:extLst>
+          </a:blip>
           <a:stretch>
             <a:fillRect/>
           </a:stretch>
         </p:blipFill>
         <p:spPr>
           <a:xfrm>
-            <a:off x="3015028" y="3983417"/>
-            <a:ext cx="5635420" cy="542100"/>
+            <a:off x="3400813" y="1979903"/>
+            <a:ext cx="5390374" cy="4042781"/>
           </a:xfrm>
-          <a:prstGeom prst="rect">
-            <a:avLst/>
-          </a:prstGeom>
         </p:spPr>
       </p:pic>
-      <p:pic>
-        <p:nvPicPr>
-          <p:cNvPr id="3" name="Picture 2"/>
-          <p:cNvPicPr>
-            <a:picLocks noChangeAspect="1"/>
-          </p:cNvPicPr>
-          <p:nvPr/>
-        </p:nvPicPr>
-        <p:blipFill>
-          <a:blip r:embed="rId5"/>
-          <a:stretch>
-            <a:fillRect/>
-          </a:stretch>
-        </p:blipFill>
-        <p:spPr>
-          <a:xfrm>
-            <a:off x="3678685" y="5586412"/>
-            <a:ext cx="4834629" cy="709714"/>
-          </a:xfrm>
-          <a:prstGeom prst="rect">
-            <a:avLst/>
-          </a:prstGeom>
-        </p:spPr>
-      </p:pic>
-      <p:sp>
-        <p:nvSpPr>
-          <p:cNvPr id="7" name="TextBox 6"/>
-          <p:cNvSpPr txBox="1"/>
-          <p:nvPr/>
-        </p:nvSpPr>
-        <p:spPr>
-          <a:xfrm>
-            <a:off x="1025488" y="5065429"/>
-            <a:ext cx="4978735" cy="369332"/>
-          </a:xfrm>
-          <a:prstGeom prst="rect">
-            <a:avLst/>
-          </a:prstGeom>
-          <a:noFill/>
-        </p:spPr>
-        <p:txBody>
-          <a:bodyPr wrap="none" rtlCol="0">
-            <a:spAutoFit/>
-          </a:bodyPr>
-          <a:lstStyle/>
-          <a:p>
-            <a:r>
-              <a:rPr lang="en-US" dirty="0"/>
-              <a:t>Linearized dynamics around the pre-sliding regime:</a:t>
-            </a:r>
+      <p:sp>
+        <p:nvSpPr>
+          <p:cNvPr id="4" name="Slide Number Placeholder 3">
+            <a:extLst>
+              <a:ext uri="{FF2B5EF4-FFF2-40B4-BE49-F238E27FC236}">
+                <a16:creationId xmlns:a16="http://schemas.microsoft.com/office/drawing/2014/main" id="{71C2B8AE-542D-4DC0-9560-9065A1BBA5D2}"/>
+              </a:ext>
+            </a:extLst>
+          </p:cNvPr>
+          <p:cNvSpPr>
+            <a:spLocks noGrp="1"/>
+          </p:cNvSpPr>
+          <p:nvPr>
+            <p:ph type="sldNum" sz="quarter" idx="12"/>
+          </p:nvPr>
+        </p:nvSpPr>
+        <p:spPr/>
+        <p:txBody>
+          <a:bodyPr/>
+          <a:lstStyle/>
+          <a:p>
+            <a:fld id="{47236066-3CEA-4900-B0F8-F466F2C9858A}" type="slidenum">
+              <a:rPr lang="en-US" smtClean="0"/>
+              <a:t>9</a:t>
+            </a:fld>
+            <a:endParaRPr lang="en-US"/>
           </a:p>
         </p:txBody>
       </p:sp>
     </p:spTree>
     <p:extLst>
       <p:ext uri="{BB962C8B-B14F-4D97-AF65-F5344CB8AC3E}">
-        <p14:creationId xmlns:p14="http://schemas.microsoft.com/office/powerpoint/2010/main" val="3708485748"/>
+        <p14:creationId xmlns:p14="http://schemas.microsoft.com/office/powerpoint/2010/main" val="1485572173"/>
       </p:ext>
     </p:extLst>
   </p:cSld>
@@ -4955,4 +7118,299 @@
     </a:ext>
   </a:extLst>
 </a:theme>
+</file>
+
+<file path=ppt/theme/theme2.xml><?xml version="1.0" encoding="utf-8"?>
+<a:theme xmlns:a="http://schemas.openxmlformats.org/drawingml/2006/main" name="Office Theme">
+  <a:themeElements>
+    <a:clrScheme name="Office">
+      <a:dk1>
+        <a:sysClr val="windowText" lastClr="000000"/>
+      </a:dk1>
+      <a:lt1>
+        <a:sysClr val="window" lastClr="FFFFFF"/>
+      </a:lt1>
+      <a:dk2>
+        <a:srgbClr val="44546A"/>
+      </a:dk2>
+      <a:lt2>
+        <a:srgbClr val="E7E6E6"/>
+      </a:lt2>
+      <a:accent1>
+        <a:srgbClr val="4472C4"/>
+      </a:accent1>
+      <a:accent2>
+        <a:srgbClr val="ED7D31"/>
+      </a:accent2>
+      <a:accent3>
+        <a:srgbClr val="A5A5A5"/>
+      </a:accent3>
+      <a:accent4>
+        <a:srgbClr val="FFC000"/>
+      </a:accent4>
+      <a:accent5>
+        <a:srgbClr val="5B9BD5"/>
+      </a:accent5>
+      <a:accent6>
+        <a:srgbClr val="70AD47"/>
+      </a:accent6>
+      <a:hlink>
+        <a:srgbClr val="0563C1"/>
+      </a:hlink>
+      <a:folHlink>
+        <a:srgbClr val="954F72"/>
+      </a:folHlink>
+    </a:clrScheme>
+    <a:fontScheme name="Office">
+      <a:majorFont>
+        <a:latin typeface="Calibri Light" panose="020F0302020204030204"/>
+        <a:ea typeface=""/>
+        <a:cs typeface=""/>
+        <a:font script="Jpan" typeface="游ゴシック Light"/>
+        <a:font script="Hang" typeface="맑은 고딕"/>
+        <a:font script="Hans" typeface="等线 Light"/>
+        <a:font script="Hant" typeface="新細明體"/>
+        <a:font script="Arab" typeface="Times New Roman"/>
+        <a:font script="Hebr" typeface="Times New Roman"/>
+        <a:font script="Thai" typeface="Angsana New"/>
+        <a:font script="Ethi" typeface="Nyala"/>
+        <a:font script="Beng" typeface="Vrinda"/>
+        <a:font script="Gujr" typeface="Shruti"/>
+        <a:font script="Khmr" typeface="MoolBoran"/>
+        <a:font script="Knda" typeface="Tunga"/>
+        <a:font script="Guru" typeface="Raavi"/>
+        <a:font script="Cans" typeface="Euphemia"/>
+        <a:font script="Cher" typeface="Plantagenet Cherokee"/>
+        <a:font script="Yiii" typeface="Microsoft Yi Baiti"/>
+        <a:font script="Tibt" typeface="Microsoft Himalaya"/>
+        <a:font script="Thaa" typeface="MV Boli"/>
+        <a:font script="Deva" typeface="Mangal"/>
+        <a:font script="Telu" typeface="Gautami"/>
+        <a:font script="Taml" typeface="Latha"/>
+        <a:font script="Syrc" typeface="Estrangelo Edessa"/>
+        <a:font script="Orya" typeface="Kalinga"/>
+        <a:font script="Mlym" typeface="Kartika"/>
+        <a:font script="Laoo" typeface="DokChampa"/>
+        <a:font script="Sinh" typeface="Iskoola Pota"/>
+        <a:font script="Mong" typeface="Mongolian Baiti"/>
+        <a:font script="Viet" typeface="Times New Roman"/>
+        <a:font script="Uigh" typeface="Microsoft Uighur"/>
+        <a:font script="Geor" typeface="Sylfaen"/>
+        <a:font script="Armn" typeface="Arial"/>
+        <a:font script="Bugi" typeface="Leelawadee UI"/>
+        <a:font script="Bopo" typeface="Microsoft JhengHei"/>
+        <a:font script="Java" typeface="Javanese Text"/>
+        <a:font script="Lisu" typeface="Segoe UI"/>
+        <a:font script="Mymr" typeface="Myanmar Text"/>
+        <a:font script="Nkoo" typeface="Ebrima"/>
+        <a:font script="Olck" typeface="Nirmala UI"/>
+        <a:font script="Osma" typeface="Ebrima"/>
+        <a:font script="Phag" typeface="Phagspa"/>
+        <a:font script="Syrn" typeface="Estrangelo Edessa"/>
+        <a:font script="Syrj" typeface="Estrangelo Edessa"/>
+        <a:font script="Syre" typeface="Estrangelo Edessa"/>
+        <a:font script="Sora" typeface="Nirmala UI"/>
+        <a:font script="Tale" typeface="Microsoft Tai Le"/>
+        <a:font script="Talu" typeface="Microsoft New Tai Lue"/>
+        <a:font script="Tfng" typeface="Ebrima"/>
+      </a:majorFont>
+      <a:minorFont>
+        <a:latin typeface="Calibri" panose="020F0502020204030204"/>
+        <a:ea typeface=""/>
+        <a:cs typeface=""/>
+        <a:font script="Jpan" typeface="游ゴシック"/>
+        <a:font script="Hang" typeface="맑은 고딕"/>
+        <a:font script="Hans" typeface="等线"/>
+        <a:font script="Hant" typeface="新細明體"/>
+        <a:font script="Arab" typeface="Arial"/>
+        <a:font script="Hebr" typeface="Arial"/>
+        <a:font script="Thai" typeface="Cordia New"/>
+        <a:font script="Ethi" typeface="Nyala"/>
+        <a:font script="Beng" typeface="Vrinda"/>
+        <a:font script="Gujr" typeface="Shruti"/>
+        <a:font script="Khmr" typeface="DaunPenh"/>
+        <a:font script="Knda" typeface="Tunga"/>
+        <a:font script="Guru" typeface="Raavi"/>
+        <a:font script="Cans" typeface="Euphemia"/>
+        <a:font script="Cher" typeface="Plantagenet Cherokee"/>
+        <a:font script="Yiii" typeface="Microsoft Yi Baiti"/>
+        <a:font script="Tibt" typeface="Microsoft Himalaya"/>
+        <a:font script="Thaa" typeface="MV Boli"/>
+        <a:font script="Deva" typeface="Mangal"/>
+        <a:font script="Telu" typeface="Gautami"/>
+        <a:font script="Taml" typeface="Latha"/>
+        <a:font script="Syrc" typeface="Estrangelo Edessa"/>
+        <a:font script="Orya" typeface="Kalinga"/>
+        <a:font script="Mlym" typeface="Kartika"/>
+        <a:font script="Laoo" typeface="DokChampa"/>
+        <a:font script="Sinh" typeface="Iskoola Pota"/>
+        <a:font script="Mong" typeface="Mongolian Baiti"/>
+        <a:font script="Viet" typeface="Arial"/>
+        <a:font script="Uigh" typeface="Microsoft Uighur"/>
+        <a:font script="Geor" typeface="Sylfaen"/>
+        <a:font script="Armn" typeface="Arial"/>
+        <a:font script="Bugi" typeface="Leelawadee UI"/>
+        <a:font script="Bopo" typeface="Microsoft JhengHei"/>
+        <a:font script="Java" typeface="Javanese Text"/>
+        <a:font script="Lisu" typeface="Segoe UI"/>
+        <a:font script="Mymr" typeface="Myanmar Text"/>
+        <a:font script="Nkoo" typeface="Ebrima"/>
+        <a:font script="Olck" typeface="Nirmala UI"/>
+        <a:font script="Osma" typeface="Ebrima"/>
+        <a:font script="Phag" typeface="Phagspa"/>
+        <a:font script="Syrn" typeface="Estrangelo Edessa"/>
+        <a:font script="Syrj" typeface="Estrangelo Edessa"/>
+        <a:font script="Syre" typeface="Estrangelo Edessa"/>
+        <a:font script="Sora" typeface="Nirmala UI"/>
+        <a:font script="Tale" typeface="Microsoft Tai Le"/>
+        <a:font script="Talu" typeface="Microsoft New Tai Lue"/>
+        <a:font script="Tfng" typeface="Ebrima"/>
+      </a:minorFont>
+    </a:fontScheme>
+    <a:fmtScheme name="Office">
+      <a:fillStyleLst>
+        <a:solidFill>
+          <a:schemeClr val="phClr"/>
+        </a:solidFill>
+        <a:gradFill rotWithShape="1">
+          <a:gsLst>
+            <a:gs pos="0">
+              <a:schemeClr val="phClr">
+                <a:lumMod val="110000"/>
+                <a:satMod val="105000"/>
+                <a:tint val="67000"/>
+              </a:schemeClr>
+            </a:gs>
+            <a:gs pos="50000">
+              <a:schemeClr val="phClr">
+                <a:lumMod val="105000"/>
+                <a:satMod val="103000"/>
+                <a:tint val="73000"/>
+              </a:schemeClr>
+            </a:gs>
+            <a:gs pos="100000">
+              <a:schemeClr val="phClr">
+                <a:lumMod val="105000"/>
+                <a:satMod val="109000"/>
+                <a:tint val="81000"/>
+              </a:schemeClr>
+            </a:gs>
+          </a:gsLst>
+          <a:lin ang="5400000" scaled="0"/>
+        </a:gradFill>
+        <a:gradFill rotWithShape="1">
+          <a:gsLst>
+            <a:gs pos="0">
+              <a:schemeClr val="phClr">
+                <a:satMod val="103000"/>
+                <a:lumMod val="102000"/>
+                <a:tint val="94000"/>
+              </a:schemeClr>
+            </a:gs>
+            <a:gs pos="50000">
+              <a:schemeClr val="phClr">
+                <a:satMod val="110000"/>
+                <a:lumMod val="100000"/>
+                <a:shade val="100000"/>
+              </a:schemeClr>
+            </a:gs>
+            <a:gs pos="100000">
+              <a:schemeClr val="phClr">
+                <a:lumMod val="99000"/>
+                <a:satMod val="120000"/>
+                <a:shade val="78000"/>
+              </a:schemeClr>
+            </a:gs>
+          </a:gsLst>
+          <a:lin ang="5400000" scaled="0"/>
+        </a:gradFill>
+      </a:fillStyleLst>
+      <a:lnStyleLst>
+        <a:ln w="6350" cap="flat" cmpd="sng" algn="ctr">
+          <a:solidFill>
+            <a:schemeClr val="phClr"/>
+          </a:solidFill>
+          <a:prstDash val="solid"/>
+          <a:miter lim="800000"/>
+        </a:ln>
+        <a:ln w="12700" cap="flat" cmpd="sng" algn="ctr">
+          <a:solidFill>
+            <a:schemeClr val="phClr"/>
+          </a:solidFill>
+          <a:prstDash val="solid"/>
+          <a:miter lim="800000"/>
+        </a:ln>
+        <a:ln w="19050" cap="flat" cmpd="sng" algn="ctr">
+          <a:solidFill>
+            <a:schemeClr val="phClr"/>
+          </a:solidFill>
+          <a:prstDash val="solid"/>
+          <a:miter lim="800000"/>
+        </a:ln>
+      </a:lnStyleLst>
+      <a:effectStyleLst>
+        <a:effectStyle>
+          <a:effectLst/>
+        </a:effectStyle>
+        <a:effectStyle>
+          <a:effectLst/>
+        </a:effectStyle>
+        <a:effectStyle>
+          <a:effectLst>
+            <a:outerShdw blurRad="57150" dist="19050" dir="5400000" algn="ctr" rotWithShape="0">
+              <a:srgbClr val="000000">
+                <a:alpha val="63000"/>
+              </a:srgbClr>
+            </a:outerShdw>
+          </a:effectLst>
+        </a:effectStyle>
+      </a:effectStyleLst>
+      <a:bgFillStyleLst>
+        <a:solidFill>
+          <a:schemeClr val="phClr"/>
+        </a:solidFill>
+        <a:solidFill>
+          <a:schemeClr val="phClr">
+            <a:tint val="95000"/>
+            <a:satMod val="170000"/>
+          </a:schemeClr>
+        </a:solidFill>
+        <a:gradFill rotWithShape="1">
+          <a:gsLst>
+            <a:gs pos="0">
+              <a:schemeClr val="phClr">
+                <a:tint val="93000"/>
+                <a:satMod val="150000"/>
+                <a:shade val="98000"/>
+                <a:lumMod val="102000"/>
+              </a:schemeClr>
+            </a:gs>
+            <a:gs pos="50000">
+              <a:schemeClr val="phClr">
+                <a:tint val="98000"/>
+                <a:satMod val="130000"/>
+                <a:shade val="90000"/>
+                <a:lumMod val="103000"/>
+              </a:schemeClr>
+            </a:gs>
+            <a:gs pos="100000">
+              <a:schemeClr val="phClr">
+                <a:shade val="63000"/>
+                <a:satMod val="120000"/>
+              </a:schemeClr>
+            </a:gs>
+          </a:gsLst>
+          <a:lin ang="5400000" scaled="0"/>
+        </a:gradFill>
+      </a:bgFillStyleLst>
+    </a:fmtScheme>
+  </a:themeElements>
+  <a:objectDefaults/>
+  <a:extraClrSchemeLst/>
+  <a:extLst>
+    <a:ext uri="{05A4C25C-085E-4340-85A3-A5531E510DB2}">
+      <thm15:themeFamily xmlns:thm15="http://schemas.microsoft.com/office/thememl/2012/main" name="Office Theme" id="{62F939B6-93AF-4DB8-9C6B-D6C7DFDC589F}" vid="{4A3C46E8-61CC-4603-A589-7422A47A8E4A}"/>
+    </a:ext>
+  </a:extLst>
+</a:theme>
 </file>
--- a/The LuGre Friction Model.pptx
+++ b/The LuGre Friction Model.pptx
@@ -120,7 +120,7 @@
   </p:defaultTextStyle>
   <p:extLst>
     <p:ext uri="{EFAFB233-063F-42B5-8137-9DF3F51BA10A}">
-      <p15:sldGuideLst xmlns:p15="http://schemas.microsoft.com/office/powerpoint/2012/main">
+      <p15:sldGuideLst xmlns:p15="http://schemas.microsoft.com/office/powerpoint/2012/main" xmlns="">
         <p15:guide id="1" orient="horz" pos="4200" userDrawn="1">
           <p15:clr>
             <a:srgbClr val="A4A3A4"/>
@@ -219,7 +219,7 @@
           <a:p>
             <a:fld id="{6C1F5955-B666-412F-8962-0C7DD1B7DE6F}" type="datetimeFigureOut">
               <a:rPr lang="en-US" smtClean="0"/>
-              <a:t>12/27/2020</a:t>
+              <a:t>12/06/2021</a:t>
             </a:fld>
             <a:endParaRPr lang="en-US"/>
           </a:p>
@@ -615,7 +615,7 @@
           <a:p>
             <a:fld id="{8845B38B-9831-4C84-BEDD-D88CA754021D}" type="datetime1">
               <a:rPr lang="en-US" smtClean="0"/>
-              <a:t>12/27/2020</a:t>
+              <a:t>12/06/2021</a:t>
             </a:fld>
             <a:endParaRPr lang="en-US"/>
           </a:p>
@@ -783,7 +783,7 @@
           <a:p>
             <a:fld id="{657AEF9A-A7F5-4715-8D8C-5C611C1F71A9}" type="datetime1">
               <a:rPr lang="en-US" smtClean="0"/>
-              <a:t>12/27/2020</a:t>
+              <a:t>12/06/2021</a:t>
             </a:fld>
             <a:endParaRPr lang="en-US"/>
           </a:p>
@@ -961,7 +961,7 @@
           <a:p>
             <a:fld id="{3B83D9C7-9049-4942-ABE6-64ED876688F4}" type="datetime1">
               <a:rPr lang="en-US" smtClean="0"/>
-              <a:t>12/27/2020</a:t>
+              <a:t>12/06/2021</a:t>
             </a:fld>
             <a:endParaRPr lang="en-US"/>
           </a:p>
@@ -1129,7 +1129,7 @@
           <a:p>
             <a:fld id="{AE982B7E-295B-4710-A855-758894BD3DF8}" type="datetime1">
               <a:rPr lang="en-US" smtClean="0"/>
-              <a:t>12/27/2020</a:t>
+              <a:t>12/06/2021</a:t>
             </a:fld>
             <a:endParaRPr lang="en-US"/>
           </a:p>
@@ -1374,7 +1374,7 @@
           <a:p>
             <a:fld id="{2DA36495-0775-4A39-8994-C151E83A9898}" type="datetime1">
               <a:rPr lang="en-US" smtClean="0"/>
-              <a:t>12/27/2020</a:t>
+              <a:t>12/06/2021</a:t>
             </a:fld>
             <a:endParaRPr lang="en-US"/>
           </a:p>
@@ -1603,7 +1603,7 @@
           <a:p>
             <a:fld id="{9ADE6800-0D3E-4E83-905C-045F728D950D}" type="datetime1">
               <a:rPr lang="en-US" smtClean="0"/>
-              <a:t>12/27/2020</a:t>
+              <a:t>12/06/2021</a:t>
             </a:fld>
             <a:endParaRPr lang="en-US"/>
           </a:p>
@@ -1967,7 +1967,7 @@
           <a:p>
             <a:fld id="{F33AD0D7-8C4C-40E7-A98E-2A0144C24401}" type="datetime1">
               <a:rPr lang="en-US" smtClean="0"/>
-              <a:t>12/27/2020</a:t>
+              <a:t>12/06/2021</a:t>
             </a:fld>
             <a:endParaRPr lang="en-US"/>
           </a:p>
@@ -2084,7 +2084,7 @@
           <a:p>
             <a:fld id="{F479C515-9313-4DC1-8AC5-C5EC3220589F}" type="datetime1">
               <a:rPr lang="en-US" smtClean="0"/>
-              <a:t>12/27/2020</a:t>
+              <a:t>12/06/2021</a:t>
             </a:fld>
             <a:endParaRPr lang="en-US"/>
           </a:p>
@@ -2179,7 +2179,7 @@
           <a:p>
             <a:fld id="{BDB8EC4D-DAB3-46E4-96E0-92CBBE3C9E44}" type="datetime1">
               <a:rPr lang="en-US" smtClean="0"/>
-              <a:t>12/27/2020</a:t>
+              <a:t>12/06/2021</a:t>
             </a:fld>
             <a:endParaRPr lang="en-US"/>
           </a:p>
@@ -2454,7 +2454,7 @@
           <a:p>
             <a:fld id="{F487F73F-58FE-4964-8252-147528B607CC}" type="datetime1">
               <a:rPr lang="en-US" smtClean="0"/>
-              <a:t>12/27/2020</a:t>
+              <a:t>12/06/2021</a:t>
             </a:fld>
             <a:endParaRPr lang="en-US"/>
           </a:p>
@@ -2706,7 +2706,7 @@
           <a:p>
             <a:fld id="{8F7A9D1C-F7D4-4288-A756-A9644C4AE1F9}" type="datetime1">
               <a:rPr lang="en-US" smtClean="0"/>
-              <a:t>12/27/2020</a:t>
+              <a:t>12/06/2021</a:t>
             </a:fld>
             <a:endParaRPr lang="en-US"/>
           </a:p>
@@ -2917,7 +2917,7 @@
           <a:p>
             <a:fld id="{03A77A29-F24D-4D7F-A5FF-0F7710CFC571}" type="datetime1">
               <a:rPr lang="en-US" smtClean="0"/>
-              <a:t>12/27/2020</a:t>
+              <a:t>12/06/2021</a:t>
             </a:fld>
             <a:endParaRPr lang="en-US"/>
           </a:p>
@@ -3335,7 +3335,9 @@
         </p:nvSpPr>
         <p:spPr/>
         <p:txBody>
-          <a:bodyPr/>
+          <a:bodyPr>
+            <a:normAutofit/>
+          </a:bodyPr>
           <a:lstStyle/>
           <a:p>
             <a:r>
@@ -3348,8 +3350,16 @@
             </a:r>
             <a:r>
               <a:rPr lang="en-US" dirty="0"/>
-              <a:t> Friction Model</a:t>
-            </a:r>
+              <a:t> Friction </a:t>
+            </a:r>
+            <a:r>
+              <a:rPr lang="en-US" dirty="0" smtClean="0"/>
+              <a:t>Model*</a:t>
+            </a:r>
+            <a:br>
+              <a:rPr lang="en-US" dirty="0" smtClean="0"/>
+            </a:br>
+            <a:endParaRPr lang="en-US" dirty="0"/>
           </a:p>
         </p:txBody>
       </p:sp>
@@ -3368,7 +3378,98 @@
           <a:bodyPr/>
           <a:lstStyle/>
           <a:p>
+            <a:r>
+              <a:rPr lang="en-US" dirty="0" err="1"/>
+              <a:t>Auralius</a:t>
+            </a:r>
+            <a:r>
+              <a:rPr lang="en-US" dirty="0"/>
+              <a:t> </a:t>
+            </a:r>
+            <a:r>
+              <a:rPr lang="en-US" dirty="0" err="1"/>
+              <a:t>Manurung</a:t>
+            </a:r>
+            <a:r>
+              <a:rPr lang="en-US" dirty="0"/>
+              <a:t> - ME - </a:t>
+            </a:r>
+            <a:r>
+              <a:rPr lang="en-US" dirty="0" err="1"/>
+              <a:t>Universitas</a:t>
+            </a:r>
+            <a:r>
+              <a:rPr lang="en-US" dirty="0"/>
+              <a:t> </a:t>
+            </a:r>
+            <a:r>
+              <a:rPr lang="en-US" dirty="0" err="1" smtClean="0"/>
+              <a:t>Pertamina</a:t>
+            </a:r>
+            <a:endParaRPr lang="en-US" dirty="0" smtClean="0"/>
+          </a:p>
+          <a:p>
+            <a:r>
+              <a:rPr lang="en-US" dirty="0" smtClean="0"/>
+              <a:t>2020</a:t>
+            </a:r>
             <a:endParaRPr lang="en-US" dirty="0"/>
+          </a:p>
+        </p:txBody>
+      </p:sp>
+      <p:sp>
+        <p:nvSpPr>
+          <p:cNvPr id="4" name="Rectangle 3"/>
+          <p:cNvSpPr/>
+          <p:nvPr/>
+        </p:nvSpPr>
+        <p:spPr>
+          <a:xfrm>
+            <a:off x="237689" y="6047406"/>
+            <a:ext cx="9426429" cy="646331"/>
+          </a:xfrm>
+          <a:prstGeom prst="rect">
+            <a:avLst/>
+          </a:prstGeom>
+        </p:spPr>
+        <p:txBody>
+          <a:bodyPr wrap="square">
+            <a:spAutoFit/>
+          </a:bodyPr>
+          <a:lstStyle/>
+          <a:p>
+            <a:r>
+              <a:rPr lang="en-US" dirty="0" smtClean="0"/>
+              <a:t>*C</a:t>
+            </a:r>
+            <a:r>
+              <a:rPr lang="en-US" dirty="0"/>
+              <a:t>. </a:t>
+            </a:r>
+            <a:r>
+              <a:rPr lang="en-US" dirty="0" err="1"/>
+              <a:t>Canudas</a:t>
+            </a:r>
+            <a:r>
+              <a:rPr lang="en-US" dirty="0"/>
+              <a:t> de Wit, H. Olsson, K. J. </a:t>
+            </a:r>
+            <a:r>
+              <a:rPr lang="en-US" dirty="0" err="1"/>
+              <a:t>Astrom</a:t>
+            </a:r>
+            <a:r>
+              <a:rPr lang="en-US" dirty="0"/>
+              <a:t>, and P. </a:t>
+            </a:r>
+            <a:r>
+              <a:rPr lang="en-US" dirty="0" err="1"/>
+              <a:t>Lischinsky</a:t>
+            </a:r>
+            <a:r>
+              <a:rPr lang="en-US" dirty="0"/>
+              <a:t>, “A new model for control of systems with friction,” IEEE Trans. Automat. Contr., vol. 40, no. 3, pp. 419–425, Mar. 1995.</a:t>
+            </a:r>
           </a:p>
         </p:txBody>
       </p:sp>
@@ -3407,7 +3508,7 @@
           <p:cNvPr id="2" name="Title 1">
             <a:extLst>
               <a:ext uri="{FF2B5EF4-FFF2-40B4-BE49-F238E27FC236}">
-                <a16:creationId xmlns:a16="http://schemas.microsoft.com/office/drawing/2014/main" id="{CBB1A94C-35B5-43BF-9BFF-A446FAFFC05D}"/>
+                <a16:creationId xmlns:a16="http://schemas.microsoft.com/office/drawing/2014/main" xmlns="" id="{CBB1A94C-35B5-43BF-9BFF-A446FAFFC05D}"/>
               </a:ext>
             </a:extLst>
           </p:cNvPr>
@@ -3435,7 +3536,7 @@
           <p:cNvPr id="4" name="Slide Number Placeholder 3">
             <a:extLst>
               <a:ext uri="{FF2B5EF4-FFF2-40B4-BE49-F238E27FC236}">
-                <a16:creationId xmlns:a16="http://schemas.microsoft.com/office/drawing/2014/main" id="{A3962DE6-2BE7-49D6-8765-A8D152FE5249}"/>
+                <a16:creationId xmlns:a16="http://schemas.microsoft.com/office/drawing/2014/main" xmlns="" id="{A3962DE6-2BE7-49D6-8765-A8D152FE5249}"/>
               </a:ext>
             </a:extLst>
           </p:cNvPr>
@@ -3464,7 +3565,7 @@
           <p:cNvPr id="10" name="Content Placeholder 9">
             <a:extLst>
               <a:ext uri="{FF2B5EF4-FFF2-40B4-BE49-F238E27FC236}">
-                <a16:creationId xmlns:a16="http://schemas.microsoft.com/office/drawing/2014/main" id="{1689DAE7-8C24-40CB-946F-A49CECEFDF2D}"/>
+                <a16:creationId xmlns:a16="http://schemas.microsoft.com/office/drawing/2014/main" xmlns="" id="{1689DAE7-8C24-40CB-946F-A49CECEFDF2D}"/>
               </a:ext>
             </a:extLst>
           </p:cNvPr>
@@ -3499,7 +3600,7 @@
           <p:cNvPr id="11" name="Picture 10">
             <a:extLst>
               <a:ext uri="{FF2B5EF4-FFF2-40B4-BE49-F238E27FC236}">
-                <a16:creationId xmlns:a16="http://schemas.microsoft.com/office/drawing/2014/main" id="{DBE6B4E6-589B-4644-8136-30F35B4690B3}"/>
+                <a16:creationId xmlns:a16="http://schemas.microsoft.com/office/drawing/2014/main" xmlns="" id="{DBE6B4E6-589B-4644-8136-30F35B4690B3}"/>
               </a:ext>
             </a:extLst>
           </p:cNvPr>
@@ -3559,7 +3660,7 @@
           <p:cNvPr id="2" name="Title 1">
             <a:extLst>
               <a:ext uri="{FF2B5EF4-FFF2-40B4-BE49-F238E27FC236}">
-                <a16:creationId xmlns:a16="http://schemas.microsoft.com/office/drawing/2014/main" id="{3AFF99DA-CF39-4133-832A-9B1864D6DF82}"/>
+                <a16:creationId xmlns:a16="http://schemas.microsoft.com/office/drawing/2014/main" xmlns="" id="{3AFF99DA-CF39-4133-832A-9B1864D6DF82}"/>
               </a:ext>
             </a:extLst>
           </p:cNvPr>
@@ -3587,7 +3688,7 @@
           <p:cNvPr id="6" name="Content Placeholder 5">
             <a:extLst>
               <a:ext uri="{FF2B5EF4-FFF2-40B4-BE49-F238E27FC236}">
-                <a16:creationId xmlns:a16="http://schemas.microsoft.com/office/drawing/2014/main" id="{49A4B26C-B059-4920-AD17-421C18EADC22}"/>
+                <a16:creationId xmlns:a16="http://schemas.microsoft.com/office/drawing/2014/main" xmlns="" id="{49A4B26C-B059-4920-AD17-421C18EADC22}"/>
               </a:ext>
             </a:extLst>
           </p:cNvPr>
@@ -3612,7 +3713,7 @@
         </p:blipFill>
         <p:spPr>
           <a:xfrm>
-            <a:off x="2985559" y="1690688"/>
+            <a:off x="2691944" y="1967855"/>
             <a:ext cx="6220882" cy="4665662"/>
           </a:xfrm>
         </p:spPr>
@@ -3622,7 +3723,7 @@
           <p:cNvPr id="4" name="Slide Number Placeholder 3">
             <a:extLst>
               <a:ext uri="{FF2B5EF4-FFF2-40B4-BE49-F238E27FC236}">
-                <a16:creationId xmlns:a16="http://schemas.microsoft.com/office/drawing/2014/main" id="{80287CA7-B9B7-4F88-96C9-AC076C695436}"/>
+                <a16:creationId xmlns:a16="http://schemas.microsoft.com/office/drawing/2014/main" xmlns="" id="{80287CA7-B9B7-4F88-96C9-AC076C695436}"/>
               </a:ext>
             </a:extLst>
           </p:cNvPr>
@@ -3643,6 +3744,35 @@
               <a:t>11</a:t>
             </a:fld>
             <a:endParaRPr lang="en-US"/>
+          </a:p>
+        </p:txBody>
+      </p:sp>
+      <p:sp>
+        <p:nvSpPr>
+          <p:cNvPr id="3" name="TextBox 2"/>
+          <p:cNvSpPr txBox="1"/>
+          <p:nvPr/>
+        </p:nvSpPr>
+        <p:spPr>
+          <a:xfrm>
+            <a:off x="939567" y="1598523"/>
+            <a:ext cx="9462782" cy="369332"/>
+          </a:xfrm>
+          <a:prstGeom prst="rect">
+            <a:avLst/>
+          </a:prstGeom>
+          <a:noFill/>
+        </p:spPr>
+        <p:txBody>
+          <a:bodyPr wrap="square" rtlCol="0">
+            <a:spAutoFit/>
+          </a:bodyPr>
+          <a:lstStyle/>
+          <a:p>
+            <a:r>
+              <a:rPr lang="en-US" dirty="0" smtClean="0"/>
+              <a:t>Ramp force inputs with several different rates are applied until a movement is detected. </a:t>
+            </a:r>
           </a:p>
         </p:txBody>
       </p:sp>
@@ -3681,7 +3811,7 @@
           <p:cNvPr id="2" name="Title 1">
             <a:extLst>
               <a:ext uri="{FF2B5EF4-FFF2-40B4-BE49-F238E27FC236}">
-                <a16:creationId xmlns:a16="http://schemas.microsoft.com/office/drawing/2014/main" id="{C630B7B2-1BEE-44FA-A46E-5474CEAAD93D}"/>
+                <a16:creationId xmlns:a16="http://schemas.microsoft.com/office/drawing/2014/main" xmlns="" id="{C630B7B2-1BEE-44FA-A46E-5474CEAAD93D}"/>
               </a:ext>
             </a:extLst>
           </p:cNvPr>
@@ -3709,7 +3839,7 @@
           <p:cNvPr id="6" name="Content Placeholder 5">
             <a:extLst>
               <a:ext uri="{FF2B5EF4-FFF2-40B4-BE49-F238E27FC236}">
-                <a16:creationId xmlns:a16="http://schemas.microsoft.com/office/drawing/2014/main" id="{7D142F90-FBDF-473A-82D0-1668A2D18B61}"/>
+                <a16:creationId xmlns:a16="http://schemas.microsoft.com/office/drawing/2014/main" xmlns="" id="{7D142F90-FBDF-473A-82D0-1668A2D18B61}"/>
               </a:ext>
             </a:extLst>
           </p:cNvPr>
@@ -3734,7 +3864,7 @@
         </p:blipFill>
         <p:spPr>
           <a:xfrm>
-            <a:off x="2852060" y="1762903"/>
+            <a:off x="2852060" y="1813237"/>
             <a:ext cx="6292462" cy="4719347"/>
           </a:xfrm>
         </p:spPr>
@@ -3744,7 +3874,7 @@
           <p:cNvPr id="4" name="Slide Number Placeholder 3">
             <a:extLst>
               <a:ext uri="{FF2B5EF4-FFF2-40B4-BE49-F238E27FC236}">
-                <a16:creationId xmlns:a16="http://schemas.microsoft.com/office/drawing/2014/main" id="{281F875E-BD75-43FA-8C84-1E7F3CA01CA4}"/>
+                <a16:creationId xmlns:a16="http://schemas.microsoft.com/office/drawing/2014/main" xmlns="" id="{281F875E-BD75-43FA-8C84-1E7F3CA01CA4}"/>
               </a:ext>
             </a:extLst>
           </p:cNvPr>
@@ -3768,6 +3898,199 @@
           </a:p>
         </p:txBody>
       </p:sp>
+      <mc:AlternateContent xmlns:mc="http://schemas.openxmlformats.org/markup-compatibility/2006">
+        <mc:Choice xmlns:a14="http://schemas.microsoft.com/office/drawing/2010/main" Requires="a14">
+          <p:sp>
+            <p:nvSpPr>
+              <p:cNvPr id="5" name="TextBox 4"/>
+              <p:cNvSpPr txBox="1"/>
+              <p:nvPr/>
+            </p:nvSpPr>
+            <p:spPr>
+              <a:xfrm>
+                <a:off x="4781725" y="1788020"/>
+                <a:ext cx="2969703" cy="369332"/>
+              </a:xfrm>
+              <a:prstGeom prst="rect">
+                <a:avLst/>
+              </a:prstGeom>
+              <a:noFill/>
+            </p:spPr>
+            <p:txBody>
+              <a:bodyPr wrap="square" rtlCol="0">
+                <a:spAutoFit/>
+              </a:bodyPr>
+              <a:lstStyle/>
+              <a:p>
+                <a14:m>
+                  <m:oMath xmlns:m="http://schemas.openxmlformats.org/officeDocument/2006/math">
+                    <m:sSub>
+                      <m:sSubPr>
+                        <m:ctrlPr>
+                          <a:rPr lang="en-US" b="0" i="1" smtClean="0">
+                            <a:latin typeface="Cambria Math"/>
+                          </a:rPr>
+                        </m:ctrlPr>
+                      </m:sSubPr>
+                      <m:e>
+                        <m:r>
+                          <a:rPr lang="en-US" b="0" i="1" smtClean="0">
+                            <a:latin typeface="Cambria Math"/>
+                          </a:rPr>
+                          <m:t>𝐾</m:t>
+                        </m:r>
+                      </m:e>
+                      <m:sub>
+                        <m:r>
+                          <a:rPr lang="en-US" b="0" i="1" smtClean="0">
+                            <a:latin typeface="Cambria Math"/>
+                          </a:rPr>
+                          <m:t>𝑃</m:t>
+                        </m:r>
+                      </m:sub>
+                    </m:sSub>
+                    <m:r>
+                      <a:rPr lang="en-US" b="0" i="1" smtClean="0">
+                        <a:latin typeface="Cambria Math"/>
+                      </a:rPr>
+                      <m:t>=3</m:t>
+                    </m:r>
+                  </m:oMath>
+                </a14:m>
+                <a:r>
+                  <a:rPr lang="en-US" dirty="0" smtClean="0"/>
+                  <a:t>, </a:t>
+                </a:r>
+                <a14:m>
+                  <m:oMath xmlns:m="http://schemas.openxmlformats.org/officeDocument/2006/math">
+                    <m:sSub>
+                      <m:sSubPr>
+                        <m:ctrlPr>
+                          <a:rPr lang="en-US" i="1">
+                            <a:latin typeface="Cambria Math"/>
+                          </a:rPr>
+                        </m:ctrlPr>
+                      </m:sSubPr>
+                      <m:e>
+                        <m:r>
+                          <a:rPr lang="en-US" i="1">
+                            <a:latin typeface="Cambria Math"/>
+                          </a:rPr>
+                          <m:t>𝐾</m:t>
+                        </m:r>
+                      </m:e>
+                      <m:sub>
+                        <m:r>
+                          <a:rPr lang="en-US" b="0" i="1" smtClean="0">
+                            <a:latin typeface="Cambria Math"/>
+                          </a:rPr>
+                          <m:t>𝐼</m:t>
+                        </m:r>
+                      </m:sub>
+                    </m:sSub>
+                    <m:r>
+                      <a:rPr lang="en-US" i="1">
+                        <a:latin typeface="Cambria Math"/>
+                      </a:rPr>
+                      <m:t>=</m:t>
+                    </m:r>
+                    <m:r>
+                      <a:rPr lang="en-US" b="0" i="1" smtClean="0">
+                        <a:latin typeface="Cambria Math"/>
+                      </a:rPr>
+                      <m:t>4</m:t>
+                    </m:r>
+                  </m:oMath>
+                </a14:m>
+                <a:r>
+                  <a:rPr lang="en-US" dirty="0" smtClean="0"/>
+                  <a:t>, </a:t>
+                </a:r>
+                <a14:m>
+                  <m:oMath xmlns:m="http://schemas.openxmlformats.org/officeDocument/2006/math">
+                    <m:sSub>
+                      <m:sSubPr>
+                        <m:ctrlPr>
+                          <a:rPr lang="en-US" i="1">
+                            <a:latin typeface="Cambria Math"/>
+                          </a:rPr>
+                        </m:ctrlPr>
+                      </m:sSubPr>
+                      <m:e>
+                        <m:r>
+                          <a:rPr lang="en-US" i="1">
+                            <a:latin typeface="Cambria Math"/>
+                          </a:rPr>
+                          <m:t>𝐾</m:t>
+                        </m:r>
+                      </m:e>
+                      <m:sub>
+                        <m:r>
+                          <a:rPr lang="en-US" b="0" i="1" smtClean="0">
+                            <a:latin typeface="Cambria Math"/>
+                          </a:rPr>
+                          <m:t>𝐷</m:t>
+                        </m:r>
+                      </m:sub>
+                    </m:sSub>
+                    <m:r>
+                      <a:rPr lang="en-US" i="1">
+                        <a:latin typeface="Cambria Math"/>
+                      </a:rPr>
+                      <m:t>=</m:t>
+                    </m:r>
+                    <m:r>
+                      <a:rPr lang="en-US" b="0" i="1" smtClean="0">
+                        <a:latin typeface="Cambria Math"/>
+                      </a:rPr>
+                      <m:t>6</m:t>
+                    </m:r>
+                  </m:oMath>
+                </a14:m>
+                <a:endParaRPr lang="en-US" dirty="0"/>
+              </a:p>
+            </p:txBody>
+          </p:sp>
+        </mc:Choice>
+        <mc:Fallback>
+          <p:sp>
+            <p:nvSpPr>
+              <p:cNvPr id="5" name="TextBox 4"/>
+              <p:cNvSpPr txBox="1">
+                <a:spLocks noRot="1" noChangeAspect="1" noMove="1" noResize="1" noEditPoints="1" noAdjustHandles="1" noChangeArrowheads="1" noChangeShapeType="1" noTextEdit="1"/>
+              </p:cNvSpPr>
+              <p:nvPr/>
+            </p:nvSpPr>
+            <p:spPr>
+              <a:xfrm>
+                <a:off x="4781725" y="1788020"/>
+                <a:ext cx="2969703" cy="369332"/>
+              </a:xfrm>
+              <a:prstGeom prst="rect">
+                <a:avLst/>
+              </a:prstGeom>
+              <a:blipFill rotWithShape="1">
+                <a:blip r:embed="rId3"/>
+                <a:stretch>
+                  <a:fillRect t="-8197" b="-24590"/>
+                </a:stretch>
+              </a:blipFill>
+            </p:spPr>
+            <p:txBody>
+              <a:bodyPr/>
+              <a:lstStyle/>
+              <a:p>
+                <a:r>
+                  <a:rPr lang="en-US">
+                    <a:noFill/>
+                  </a:rPr>
+                  <a:t> </a:t>
+                </a:r>
+              </a:p>
+            </p:txBody>
+          </p:sp>
+        </mc:Fallback>
+      </mc:AlternateContent>
     </p:spTree>
     <p:extLst>
       <p:ext uri="{BB962C8B-B14F-4D97-AF65-F5344CB8AC3E}">
@@ -3843,32 +4166,48 @@
               <a:rPr lang="en-US" dirty="0">
                 <a:sym typeface="Wingdings" panose="05000000000000000000" pitchFamily="2" charset="2"/>
               </a:rPr>
-              <a:t>  Nonlinear</a:t>
+              <a:t>  </a:t>
+            </a:r>
+            <a:r>
+              <a:rPr lang="en-US" dirty="0" smtClean="0">
+                <a:sym typeface="Wingdings" panose="05000000000000000000" pitchFamily="2" charset="2"/>
+              </a:rPr>
+              <a:t>Nonlinear, </a:t>
+            </a:r>
+            <a:r>
+              <a:rPr lang="en-US" dirty="0"/>
+              <a:t>the sign is direction </a:t>
+            </a:r>
+            <a:r>
+              <a:rPr lang="en-US" dirty="0" smtClean="0"/>
+              <a:t>dependent</a:t>
+            </a:r>
+            <a:r>
+              <a:rPr lang="en-US" dirty="0" smtClean="0"/>
+              <a:t> </a:t>
+            </a:r>
+            <a:endParaRPr lang="en-US" dirty="0"/>
+          </a:p>
+          <a:p>
+            <a:r>
+              <a:rPr lang="en-US" dirty="0" err="1"/>
+              <a:t>Columb</a:t>
             </a:r>
             <a:r>
               <a:rPr lang="en-US" dirty="0"/>
               <a:t> </a:t>
             </a:r>
-          </a:p>
-          <a:p>
-            <a:r>
-              <a:rPr lang="en-US" dirty="0" err="1"/>
-              <a:t>Columb</a:t>
-            </a:r>
-            <a:r>
-              <a:rPr lang="en-US" dirty="0"/>
-              <a:t> </a:t>
-            </a:r>
-            <a:r>
-              <a:rPr lang="en-US" dirty="0">
+            <a:r>
+              <a:rPr lang="en-US" dirty="0" smtClean="0">
                 <a:sym typeface="Wingdings" panose="05000000000000000000" pitchFamily="2" charset="2"/>
               </a:rPr>
-              <a:t></a:t>
-            </a:r>
-            <a:r>
-              <a:rPr lang="en-US" dirty="0"/>
-              <a:t>Linear? Affine?  </a:t>
-            </a:r>
+              <a:t> </a:t>
+            </a:r>
+            <a:r>
+              <a:rPr lang="en-US" dirty="0" smtClean="0"/>
+              <a:t>Constant, the sign is direction dependent</a:t>
+            </a:r>
+            <a:endParaRPr lang="en-US" dirty="0"/>
           </a:p>
           <a:p>
             <a:r>
@@ -4139,7 +4478,7 @@
           <p:cNvPr id="10" name="Slide Number Placeholder 9">
             <a:extLst>
               <a:ext uri="{FF2B5EF4-FFF2-40B4-BE49-F238E27FC236}">
-                <a16:creationId xmlns:a16="http://schemas.microsoft.com/office/drawing/2014/main" id="{FC0AEB2B-5786-4429-A741-B71B723636DC}"/>
+                <a16:creationId xmlns:a16="http://schemas.microsoft.com/office/drawing/2014/main" xmlns="" id="{FC0AEB2B-5786-4429-A741-B71B723636DC}"/>
               </a:ext>
             </a:extLst>
           </p:cNvPr>
@@ -4244,14 +4583,14 @@
                 <a:gridCol w="5257800">
                   <a:extLst>
                     <a:ext uri="{9D8B030D-6E8A-4147-A177-3AD203B41FA5}">
-                      <a16:colId xmlns:a16="http://schemas.microsoft.com/office/drawing/2014/main" val="20000"/>
+                      <a16:colId xmlns:a16="http://schemas.microsoft.com/office/drawing/2014/main" xmlns="" val="20000"/>
                     </a:ext>
                   </a:extLst>
                 </a:gridCol>
                 <a:gridCol w="5257800">
                   <a:extLst>
                     <a:ext uri="{9D8B030D-6E8A-4147-A177-3AD203B41FA5}">
-                      <a16:colId xmlns:a16="http://schemas.microsoft.com/office/drawing/2014/main" val="20001"/>
+                      <a16:colId xmlns:a16="http://schemas.microsoft.com/office/drawing/2014/main" xmlns="" val="20001"/>
                     </a:ext>
                   </a:extLst>
                 </a:gridCol>
@@ -4285,7 +4624,7 @@
                 </a:tc>
                 <a:extLst>
                   <a:ext uri="{0D108BD9-81ED-4DB2-BD59-A6C34878D82A}">
-                    <a16:rowId xmlns:a16="http://schemas.microsoft.com/office/drawing/2014/main" val="10000"/>
+                    <a16:rowId xmlns:a16="http://schemas.microsoft.com/office/drawing/2014/main" xmlns="" val="10000"/>
                   </a:ext>
                 </a:extLst>
               </a:tr>
@@ -4319,7 +4658,7 @@
                 </a:tc>
                 <a:extLst>
                   <a:ext uri="{0D108BD9-81ED-4DB2-BD59-A6C34878D82A}">
-                    <a16:rowId xmlns:a16="http://schemas.microsoft.com/office/drawing/2014/main" val="10001"/>
+                    <a16:rowId xmlns:a16="http://schemas.microsoft.com/office/drawing/2014/main" xmlns="" val="10001"/>
                   </a:ext>
                 </a:extLst>
               </a:tr>
@@ -4350,7 +4689,7 @@
                 </a:tc>
                 <a:extLst>
                   <a:ext uri="{0D108BD9-81ED-4DB2-BD59-A6C34878D82A}">
-                    <a16:rowId xmlns:a16="http://schemas.microsoft.com/office/drawing/2014/main" val="10002"/>
+                    <a16:rowId xmlns:a16="http://schemas.microsoft.com/office/drawing/2014/main" xmlns="" val="10002"/>
                   </a:ext>
                 </a:extLst>
               </a:tr>
@@ -4396,7 +4735,7 @@
           <p:cNvPr id="3" name="Slide Number Placeholder 2">
             <a:extLst>
               <a:ext uri="{FF2B5EF4-FFF2-40B4-BE49-F238E27FC236}">
-                <a16:creationId xmlns:a16="http://schemas.microsoft.com/office/drawing/2014/main" id="{42E1A4BB-A6D3-45FB-B3C2-55B7B7513CF5}"/>
+                <a16:creationId xmlns:a16="http://schemas.microsoft.com/office/drawing/2014/main" xmlns="" id="{42E1A4BB-A6D3-45FB-B3C2-55B7B7513CF5}"/>
               </a:ext>
             </a:extLst>
           </p:cNvPr>
@@ -4801,7 +5140,7 @@
           <p:cNvPr id="3" name="Slide Number Placeholder 2">
             <a:extLst>
               <a:ext uri="{FF2B5EF4-FFF2-40B4-BE49-F238E27FC236}">
-                <a16:creationId xmlns:a16="http://schemas.microsoft.com/office/drawing/2014/main" id="{58067C34-E17B-449B-9DA0-6E37BFEE853E}"/>
+                <a16:creationId xmlns:a16="http://schemas.microsoft.com/office/drawing/2014/main" xmlns="" id="{58067C34-E17B-449B-9DA0-6E37BFEE853E}"/>
               </a:ext>
             </a:extLst>
           </p:cNvPr>
@@ -4881,8 +5220,8 @@
           </a:p>
         </p:txBody>
       </p:sp>
-      <mc:AlternateContent xmlns:mc="http://schemas.openxmlformats.org/markup-compatibility/2006">
-        <mc:Choice xmlns:a14="http://schemas.microsoft.com/office/drawing/2010/main" Requires="a14">
+      <mc:AlternateContent xmlns:mc="http://schemas.openxmlformats.org/markup-compatibility/2006" xmlns:a14="http://schemas.microsoft.com/office/drawing/2010/main">
+        <mc:Choice Requires="a14">
           <p:sp>
             <p:nvSpPr>
               <p:cNvPr id="3" name="Content Placeholder 2"/>
@@ -4904,7 +5243,7 @@
                       <m:sSubPr>
                         <m:ctrlPr>
                           <a:rPr lang="en-US" b="0" i="1" smtClean="0">
-                            <a:latin typeface="Cambria Math" panose="02040503050406030204" pitchFamily="18" charset="0"/>
+                            <a:latin typeface="Cambria Math"/>
                           </a:rPr>
                         </m:ctrlPr>
                       </m:sSubPr>
@@ -4937,7 +5276,7 @@
                       <m:sSupPr>
                         <m:ctrlPr>
                           <a:rPr lang="en-US" i="1" smtClean="0">
-                            <a:latin typeface="Cambria Math" panose="02040503050406030204" pitchFamily="18" charset="0"/>
+                            <a:latin typeface="Cambria Math"/>
                           </a:rPr>
                         </m:ctrlPr>
                       </m:sSupPr>
@@ -4970,7 +5309,7 @@
                       <m:sSupPr>
                         <m:ctrlPr>
                           <a:rPr lang="en-US" i="1">
-                            <a:latin typeface="Cambria Math" panose="02040503050406030204" pitchFamily="18" charset="0"/>
+                            <a:latin typeface="Cambria Math"/>
                           </a:rPr>
                         </m:ctrlPr>
                       </m:sSupPr>
@@ -5011,7 +5350,7 @@
                       <m:sSubPr>
                         <m:ctrlPr>
                           <a:rPr lang="en-US" b="0" i="1" smtClean="0">
-                            <a:latin typeface="Cambria Math" panose="02040503050406030204" pitchFamily="18" charset="0"/>
+                            <a:latin typeface="Cambria Math"/>
                           </a:rPr>
                         </m:ctrlPr>
                       </m:sSubPr>
@@ -5054,7 +5393,7 @@
                       <m:sSubPr>
                         <m:ctrlPr>
                           <a:rPr lang="en-US" b="0" i="1" smtClean="0">
-                            <a:latin typeface="Cambria Math" panose="02040503050406030204" pitchFamily="18" charset="0"/>
+                            <a:latin typeface="Cambria Math"/>
                           </a:rPr>
                         </m:ctrlPr>
                       </m:sSubPr>
@@ -5097,7 +5436,7 @@
                       <m:sSubPr>
                         <m:ctrlPr>
                           <a:rPr lang="en-US" b="0" i="1" smtClean="0">
-                            <a:latin typeface="Cambria Math" panose="02040503050406030204" pitchFamily="18" charset="0"/>
+                            <a:latin typeface="Cambria Math"/>
                           </a:rPr>
                         </m:ctrlPr>
                       </m:sSubPr>
@@ -5128,7 +5467,7 @@
             </p:txBody>
           </p:sp>
         </mc:Choice>
-        <mc:Fallback>
+        <mc:Fallback xmlns="">
           <p:sp>
             <p:nvSpPr>
               <p:cNvPr id="3" name="Content Placeholder 2"/>
@@ -5167,7 +5506,7 @@
           <p:cNvPr id="4" name="Slide Number Placeholder 3">
             <a:extLst>
               <a:ext uri="{FF2B5EF4-FFF2-40B4-BE49-F238E27FC236}">
-                <a16:creationId xmlns:a16="http://schemas.microsoft.com/office/drawing/2014/main" id="{B65545B6-1F9B-4D1A-A33E-824EECF94CD3}"/>
+                <a16:creationId xmlns:a16="http://schemas.microsoft.com/office/drawing/2014/main" xmlns="" id="{B65545B6-1F9B-4D1A-A33E-824EECF94CD3}"/>
               </a:ext>
             </a:extLst>
           </p:cNvPr>
@@ -5253,7 +5592,7 @@
           <p:cNvPr id="8" name="Rectangle 7">
             <a:extLst>
               <a:ext uri="{FF2B5EF4-FFF2-40B4-BE49-F238E27FC236}">
-                <a16:creationId xmlns:a16="http://schemas.microsoft.com/office/drawing/2014/main" id="{66631588-0A1B-4CAF-8C04-7C5A45D267B0}"/>
+                <a16:creationId xmlns:a16="http://schemas.microsoft.com/office/drawing/2014/main" xmlns="" id="{66631588-0A1B-4CAF-8C04-7C5A45D267B0}"/>
               </a:ext>
             </a:extLst>
           </p:cNvPr>
@@ -5314,14 +5653,14 @@
           </a:p>
         </p:txBody>
       </p:sp>
-      <mc:AlternateContent xmlns:mc="http://schemas.openxmlformats.org/markup-compatibility/2006">
-        <mc:Choice xmlns:a14="http://schemas.microsoft.com/office/drawing/2010/main" Requires="a14">
+      <mc:AlternateContent xmlns:mc="http://schemas.openxmlformats.org/markup-compatibility/2006" xmlns:a14="http://schemas.microsoft.com/office/drawing/2010/main">
+        <mc:Choice Requires="a14">
           <p:sp>
             <p:nvSpPr>
               <p:cNvPr id="11" name="Rectangle 10">
                 <a:extLst>
                   <a:ext uri="{FF2B5EF4-FFF2-40B4-BE49-F238E27FC236}">
-                    <a16:creationId xmlns:a16="http://schemas.microsoft.com/office/drawing/2014/main" id="{EF45B53C-F644-468D-A0B7-EF8BBE9C3FA7}"/>
+                    <a16:creationId xmlns:a16="http://schemas.microsoft.com/office/drawing/2014/main" xmlns="" id="{EF45B53C-F644-468D-A0B7-EF8BBE9C3FA7}"/>
                   </a:ext>
                 </a:extLst>
               </p:cNvPr>
@@ -5343,6 +5682,7 @@
               </a:bodyPr>
               <a:lstStyle/>
               <a:p>
+                <a:pPr/>
                 <a14:m>
                   <m:oMathPara xmlns:m="http://schemas.openxmlformats.org/officeDocument/2006/math">
                     <m:oMathParaPr>
@@ -5352,8 +5692,8 @@
                       <m:f>
                         <m:fPr>
                           <m:ctrlPr>
-                            <a:rPr lang="en-US">
-                              <a:latin typeface="Cambria Math" panose="02040503050406030204" pitchFamily="18" charset="0"/>
+                            <a:rPr lang="en-US" i="1">
+                              <a:latin typeface="Cambria Math"/>
                             </a:rPr>
                           </m:ctrlPr>
                         </m:fPr>
@@ -5396,7 +5736,7 @@
                         <m:fPr>
                           <m:ctrlPr>
                             <a:rPr lang="en-US" i="1">
-                              <a:latin typeface="Cambria Math" panose="02040503050406030204" pitchFamily="18" charset="0"/>
+                              <a:latin typeface="Cambria Math"/>
                             </a:rPr>
                           </m:ctrlPr>
                         </m:fPr>
@@ -5407,7 +5747,7 @@
                               <m:endChr m:val="|"/>
                               <m:ctrlPr>
                                 <a:rPr lang="en-US" i="1">
-                                  <a:latin typeface="Cambria Math" panose="02040503050406030204" pitchFamily="18" charset="0"/>
+                                  <a:latin typeface="Cambria Math"/>
                                 </a:rPr>
                               </m:ctrlPr>
                             </m:dPr>
@@ -5432,7 +5772,7 @@
                             <m:dPr>
                               <m:ctrlPr>
                                 <a:rPr lang="en-US" i="1">
-                                  <a:latin typeface="Cambria Math" panose="02040503050406030204" pitchFamily="18" charset="0"/>
+                                  <a:latin typeface="Cambria Math"/>
                                 </a:rPr>
                               </m:ctrlPr>
                             </m:dPr>
@@ -5461,7 +5801,7 @@
             </p:txBody>
           </p:sp>
         </mc:Choice>
-        <mc:Fallback>
+        <mc:Fallback xmlns="">
           <p:sp>
             <p:nvSpPr>
               <p:cNvPr id="11" name="Rectangle 10">
@@ -5506,14 +5846,14 @@
           </p:sp>
         </mc:Fallback>
       </mc:AlternateContent>
-      <mc:AlternateContent xmlns:mc="http://schemas.openxmlformats.org/markup-compatibility/2006">
-        <mc:Choice xmlns:a14="http://schemas.microsoft.com/office/drawing/2010/main" Requires="a14">
+      <mc:AlternateContent xmlns:mc="http://schemas.openxmlformats.org/markup-compatibility/2006" xmlns:a14="http://schemas.microsoft.com/office/drawing/2010/main">
+        <mc:Choice Requires="a14">
           <p:sp>
             <p:nvSpPr>
               <p:cNvPr id="14" name="Rectangle 13">
                 <a:extLst>
                   <a:ext uri="{FF2B5EF4-FFF2-40B4-BE49-F238E27FC236}">
-                    <a16:creationId xmlns:a16="http://schemas.microsoft.com/office/drawing/2014/main" id="{DF235840-7C00-4168-B204-8F4C7104E43F}"/>
+                    <a16:creationId xmlns:a16="http://schemas.microsoft.com/office/drawing/2014/main" xmlns="" id="{DF235840-7C00-4168-B204-8F4C7104E43F}"/>
                   </a:ext>
                 </a:extLst>
               </p:cNvPr>
@@ -5535,6 +5875,7 @@
               </a:bodyPr>
               <a:lstStyle/>
               <a:p>
+                <a:pPr/>
                 <a14:m>
                   <m:oMathPara xmlns:m="http://schemas.openxmlformats.org/officeDocument/2006/math">
                     <m:oMathParaPr>
@@ -5551,7 +5892,7 @@
                         <m:dPr>
                           <m:ctrlPr>
                             <a:rPr lang="en-US" i="1">
-                              <a:latin typeface="Cambria Math" panose="02040503050406030204" pitchFamily="18" charset="0"/>
+                              <a:latin typeface="Cambria Math"/>
                             </a:rPr>
                           </m:ctrlPr>
                         </m:dPr>
@@ -5574,7 +5915,7 @@
                         <m:fPr>
                           <m:ctrlPr>
                             <a:rPr lang="en-US" i="1">
-                              <a:latin typeface="Cambria Math" panose="02040503050406030204" pitchFamily="18" charset="0"/>
+                              <a:latin typeface="Cambria Math"/>
                             </a:rPr>
                           </m:ctrlPr>
                         </m:fPr>
@@ -5583,7 +5924,7 @@
                             <m:sSubPr>
                               <m:ctrlPr>
                                 <a:rPr lang="en-US" i="1">
-                                  <a:latin typeface="Cambria Math" panose="02040503050406030204" pitchFamily="18" charset="0"/>
+                                  <a:latin typeface="Cambria Math"/>
                                 </a:rPr>
                               </m:ctrlPr>
                             </m:sSubPr>
@@ -5614,7 +5955,7 @@
                             <m:dPr>
                               <m:ctrlPr>
                                 <a:rPr lang="en-US" i="1">
-                                  <a:latin typeface="Cambria Math" panose="02040503050406030204" pitchFamily="18" charset="0"/>
+                                  <a:latin typeface="Cambria Math"/>
                                 </a:rPr>
                               </m:ctrlPr>
                             </m:dPr>
@@ -5623,7 +5964,7 @@
                                 <m:sSubPr>
                                   <m:ctrlPr>
                                     <a:rPr lang="en-US" i="1">
-                                      <a:latin typeface="Cambria Math" panose="02040503050406030204" pitchFamily="18" charset="0"/>
+                                      <a:latin typeface="Cambria Math"/>
                                     </a:rPr>
                                   </m:ctrlPr>
                                 </m:sSubPr>
@@ -5654,7 +5995,7 @@
                                 <m:sSubPr>
                                   <m:ctrlPr>
                                     <a:rPr lang="en-US" i="1">
-                                      <a:latin typeface="Cambria Math" panose="02040503050406030204" pitchFamily="18" charset="0"/>
+                                      <a:latin typeface="Cambria Math"/>
                                     </a:rPr>
                                   </m:ctrlPr>
                                 </m:sSubPr>
@@ -5681,7 +6022,7 @@
                             <m:sSupPr>
                               <m:ctrlPr>
                                 <a:rPr lang="en-US" i="1">
-                                  <a:latin typeface="Cambria Math" panose="02040503050406030204" pitchFamily="18" charset="0"/>
+                                  <a:latin typeface="Cambria Math"/>
                                 </a:rPr>
                               </m:ctrlPr>
                             </m:sSupPr>
@@ -5704,7 +6045,7 @@
                                 <m:sSupPr>
                                   <m:ctrlPr>
                                     <a:rPr lang="en-US" i="1">
-                                      <a:latin typeface="Cambria Math" panose="02040503050406030204" pitchFamily="18" charset="0"/>
+                                      <a:latin typeface="Cambria Math"/>
                                     </a:rPr>
                                   </m:ctrlPr>
                                 </m:sSupPr>
@@ -5713,7 +6054,7 @@
                                     <m:dPr>
                                       <m:ctrlPr>
                                         <a:rPr lang="en-US" i="1">
-                                          <a:latin typeface="Cambria Math" panose="02040503050406030204" pitchFamily="18" charset="0"/>
+                                          <a:latin typeface="Cambria Math"/>
                                         </a:rPr>
                                       </m:ctrlPr>
                                     </m:dPr>
@@ -5723,7 +6064,7 @@
                                           <m:type m:val="lin"/>
                                           <m:ctrlPr>
                                             <a:rPr lang="en-US" i="1">
-                                              <a:latin typeface="Cambria Math" panose="02040503050406030204" pitchFamily="18" charset="0"/>
+                                              <a:latin typeface="Cambria Math"/>
                                             </a:rPr>
                                           </m:ctrlPr>
                                         </m:fPr>
@@ -5740,7 +6081,7 @@
                                             <m:sSubPr>
                                               <m:ctrlPr>
                                                 <a:rPr lang="en-US" i="1">
-                                                  <a:latin typeface="Cambria Math" panose="02040503050406030204" pitchFamily="18" charset="0"/>
+                                                  <a:latin typeface="Cambria Math"/>
                                                 </a:rPr>
                                               </m:ctrlPr>
                                             </m:sSubPr>
@@ -5783,7 +6124,7 @@
                             <m:sSubPr>
                               <m:ctrlPr>
                                 <a:rPr lang="en-US" i="1">
-                                  <a:latin typeface="Cambria Math" panose="02040503050406030204" pitchFamily="18" charset="0"/>
+                                  <a:latin typeface="Cambria Math"/>
                                 </a:rPr>
                               </m:ctrlPr>
                             </m:sSubPr>
@@ -5814,7 +6155,7 @@
             </p:txBody>
           </p:sp>
         </mc:Choice>
-        <mc:Fallback>
+        <mc:Fallback xmlns="">
           <p:sp>
             <p:nvSpPr>
               <p:cNvPr id="14" name="Rectangle 13">
@@ -5859,14 +6200,14 @@
           </p:sp>
         </mc:Fallback>
       </mc:AlternateContent>
-      <mc:AlternateContent xmlns:mc="http://schemas.openxmlformats.org/markup-compatibility/2006">
-        <mc:Choice xmlns:a14="http://schemas.microsoft.com/office/drawing/2010/main" Requires="a14">
+      <mc:AlternateContent xmlns:mc="http://schemas.openxmlformats.org/markup-compatibility/2006" xmlns:a14="http://schemas.microsoft.com/office/drawing/2010/main">
+        <mc:Choice Requires="a14">
           <p:sp>
             <p:nvSpPr>
               <p:cNvPr id="15" name="Rectangle 14">
                 <a:extLst>
                   <a:ext uri="{FF2B5EF4-FFF2-40B4-BE49-F238E27FC236}">
-                    <a16:creationId xmlns:a16="http://schemas.microsoft.com/office/drawing/2014/main" id="{8B5F09E9-A208-4CDE-837A-4596CEB0C5F1}"/>
+                    <a16:creationId xmlns:a16="http://schemas.microsoft.com/office/drawing/2014/main" xmlns="" id="{8B5F09E9-A208-4CDE-837A-4596CEB0C5F1}"/>
                   </a:ext>
                 </a:extLst>
               </p:cNvPr>
@@ -5888,6 +6229,7 @@
               </a:bodyPr>
               <a:lstStyle/>
               <a:p>
+                <a:pPr/>
                 <a14:m>
                   <m:oMathPara xmlns:m="http://schemas.openxmlformats.org/officeDocument/2006/math">
                     <m:oMathParaPr>
@@ -5910,7 +6252,7 @@
                         <m:sSubPr>
                           <m:ctrlPr>
                             <a:rPr lang="en-US" i="1">
-                              <a:latin typeface="Cambria Math" panose="02040503050406030204" pitchFamily="18" charset="0"/>
+                              <a:latin typeface="Cambria Math"/>
                             </a:rPr>
                           </m:ctrlPr>
                         </m:sSubPr>
@@ -5950,7 +6292,7 @@
                         <m:sSubPr>
                           <m:ctrlPr>
                             <a:rPr lang="en-US" i="1">
-                              <a:latin typeface="Cambria Math" panose="02040503050406030204" pitchFamily="18" charset="0"/>
+                              <a:latin typeface="Cambria Math"/>
                             </a:rPr>
                           </m:ctrlPr>
                         </m:sSubPr>
@@ -5978,7 +6320,7 @@
                         <m:fPr>
                           <m:ctrlPr>
                             <a:rPr lang="en-US" i="1">
-                              <a:latin typeface="Cambria Math" panose="02040503050406030204" pitchFamily="18" charset="0"/>
+                              <a:latin typeface="Cambria Math"/>
                             </a:rPr>
                           </m:ctrlPr>
                         </m:fPr>
@@ -6009,7 +6351,7 @@
                         <m:sSubPr>
                           <m:ctrlPr>
                             <a:rPr lang="en-US" i="1">
-                              <a:latin typeface="Cambria Math" panose="02040503050406030204" pitchFamily="18" charset="0"/>
+                              <a:latin typeface="Cambria Math"/>
                             </a:rPr>
                           </m:ctrlPr>
                         </m:sSubPr>
@@ -6047,7 +6389,7 @@
             </p:txBody>
           </p:sp>
         </mc:Choice>
-        <mc:Fallback>
+        <mc:Fallback xmlns="">
           <p:sp>
             <p:nvSpPr>
               <p:cNvPr id="15" name="Rectangle 14">
@@ -6099,7 +6441,7 @@
               <p:cNvPr id="16" name="TextBox 15">
                 <a:extLst>
                   <a:ext uri="{FF2B5EF4-FFF2-40B4-BE49-F238E27FC236}">
-                    <a16:creationId xmlns:a16="http://schemas.microsoft.com/office/drawing/2014/main" id="{F5B53918-0E01-4A28-AF47-18B62AA1F172}"/>
+                    <a16:creationId xmlns:a16="http://schemas.microsoft.com/office/drawing/2014/main" xmlns="" id="{F5B53918-0E01-4A28-AF47-18B62AA1F172}"/>
                   </a:ext>
                 </a:extLst>
               </p:cNvPr>
@@ -6109,7 +6451,7 @@
             <p:spPr>
               <a:xfrm>
                 <a:off x="5254388" y="2279176"/>
-                <a:ext cx="6309741" cy="2585323"/>
+                <a:ext cx="6675674" cy="2585323"/>
               </a:xfrm>
               <a:prstGeom prst="rect">
                 <a:avLst/>
@@ -6137,7 +6479,7 @@
                       <m:sSubPr>
                         <m:ctrlPr>
                           <a:rPr lang="en-US" b="0" i="1" smtClean="0">
-                            <a:latin typeface="Cambria Math" panose="02040503050406030204" pitchFamily="18" charset="0"/>
+                            <a:latin typeface="Cambria Math"/>
                           </a:rPr>
                         </m:ctrlPr>
                       </m:sSubPr>
@@ -6180,7 +6522,7 @@
                       <m:sSubPr>
                         <m:ctrlPr>
                           <a:rPr lang="en-US" b="0" i="1" smtClean="0">
-                            <a:latin typeface="Cambria Math" panose="02040503050406030204" pitchFamily="18" charset="0"/>
+                            <a:latin typeface="Cambria Math"/>
                           </a:rPr>
                         </m:ctrlPr>
                       </m:sSubPr>
@@ -6215,7 +6557,7 @@
                       <m:sSubPr>
                         <m:ctrlPr>
                           <a:rPr lang="en-US" b="0" i="1" smtClean="0">
-                            <a:latin typeface="Cambria Math" panose="02040503050406030204" pitchFamily="18" charset="0"/>
+                            <a:latin typeface="Cambria Math"/>
                           </a:rPr>
                         </m:ctrlPr>
                       </m:sSubPr>
@@ -6258,7 +6600,7 @@
                       <m:sSubPr>
                         <m:ctrlPr>
                           <a:rPr lang="en-US" b="0" i="1" smtClean="0">
-                            <a:latin typeface="Cambria Math" panose="02040503050406030204" pitchFamily="18" charset="0"/>
+                            <a:latin typeface="Cambria Math"/>
                             <a:ea typeface="Cambria Math" panose="02040503050406030204" pitchFamily="18" charset="0"/>
                           </a:rPr>
                         </m:ctrlPr>
@@ -6315,7 +6657,7 @@
                       <m:sSubPr>
                         <m:ctrlPr>
                           <a:rPr lang="en-US" b="0" i="1" smtClean="0">
-                            <a:latin typeface="Cambria Math" panose="02040503050406030204" pitchFamily="18" charset="0"/>
+                            <a:latin typeface="Cambria Math"/>
                             <a:ea typeface="Cambria Math" panose="02040503050406030204" pitchFamily="18" charset="0"/>
                           </a:rPr>
                         </m:ctrlPr>
@@ -6350,7 +6692,7 @@
                       <m:sSubPr>
                         <m:ctrlPr>
                           <a:rPr lang="en-US" b="0" i="1" smtClean="0">
-                            <a:latin typeface="Cambria Math" panose="02040503050406030204" pitchFamily="18" charset="0"/>
+                            <a:latin typeface="Cambria Math"/>
                             <a:ea typeface="Cambria Math" panose="02040503050406030204" pitchFamily="18" charset="0"/>
                           </a:rPr>
                         </m:ctrlPr>
@@ -6378,7 +6720,19 @@
                 </a14:m>
                 <a:r>
                   <a:rPr lang="en-US" dirty="0"/>
-                  <a:t> are the stiffness and damping coefficient for </a:t>
+                  <a:t> are the stiffness and damping </a:t>
+                </a:r>
+                <a:r>
+                  <a:rPr lang="en-US" dirty="0"/>
+                  <a:t>coefficient, </a:t>
+                </a:r>
+                <a:r>
+                  <a:rPr lang="en-US" dirty="0" smtClean="0"/>
+                  <a:t>respectively, </a:t>
+                </a:r>
+                <a:r>
+                  <a:rPr lang="en-US" dirty="0" smtClean="0"/>
+                  <a:t>for the </a:t>
                 </a:r>
                 <a14:m>
                   <m:oMath xmlns:m="http://schemas.openxmlformats.org/officeDocument/2006/math">
@@ -6390,10 +6744,7 @@
                     </m:r>
                   </m:oMath>
                 </a14:m>
-                <a:r>
-                  <a:rPr lang="en-US" dirty="0"/>
-                  <a:t>, respectively</a:t>
-                </a:r>
+                <a:endParaRPr lang="en-US" dirty="0"/>
               </a:p>
             </p:txBody>
           </p:sp>
@@ -6404,7 +6755,7 @@
               <p:cNvPr id="16" name="TextBox 15">
                 <a:extLst>
                   <a:ext uri="{FF2B5EF4-FFF2-40B4-BE49-F238E27FC236}">
-                    <a16:creationId xmlns:a16="http://schemas.microsoft.com/office/drawing/2014/main" id="{F5B53918-0E01-4A28-AF47-18B62AA1F172}"/>
+                    <a16:creationId xmlns:a16="http://schemas.microsoft.com/office/drawing/2014/main" xmlns:a14="http://schemas.microsoft.com/office/drawing/2010/main" xmlns="" id="{F5B53918-0E01-4A28-AF47-18B62AA1F172}"/>
                   </a:ext>
                 </a:extLst>
               </p:cNvPr>
@@ -6416,15 +6767,15 @@
             <p:spPr>
               <a:xfrm>
                 <a:off x="5254388" y="2279176"/>
-                <a:ext cx="6309741" cy="2585323"/>
+                <a:ext cx="6675674" cy="2585323"/>
               </a:xfrm>
               <a:prstGeom prst="rect">
                 <a:avLst/>
               </a:prstGeom>
-              <a:blipFill>
+              <a:blipFill rotWithShape="1">
                 <a:blip r:embed="rId5"/>
                 <a:stretch>
-                  <a:fillRect l="-870" t="-1415" r="-97" b="-2830"/>
+                  <a:fillRect l="-822" t="-1179" b="-2830"/>
                 </a:stretch>
               </a:blipFill>
             </p:spPr>
@@ -6448,7 +6799,7 @@
           <p:cNvPr id="17" name="Slide Number Placeholder 16">
             <a:extLst>
               <a:ext uri="{FF2B5EF4-FFF2-40B4-BE49-F238E27FC236}">
-                <a16:creationId xmlns:a16="http://schemas.microsoft.com/office/drawing/2014/main" id="{427C8F15-0825-42A9-9389-1F26C1E90EE5}"/>
+                <a16:creationId xmlns:a16="http://schemas.microsoft.com/office/drawing/2014/main" xmlns="" id="{427C8F15-0825-42A9-9389-1F26C1E90EE5}"/>
               </a:ext>
             </a:extLst>
           </p:cNvPr>
@@ -6507,7 +6858,7 @@
           <p:cNvPr id="2" name="Title 1">
             <a:extLst>
               <a:ext uri="{FF2B5EF4-FFF2-40B4-BE49-F238E27FC236}">
-                <a16:creationId xmlns:a16="http://schemas.microsoft.com/office/drawing/2014/main" id="{1014ABEA-D266-42EF-82A3-D562DEF3B4C8}"/>
+                <a16:creationId xmlns:a16="http://schemas.microsoft.com/office/drawing/2014/main" xmlns="" id="{1014ABEA-D266-42EF-82A3-D562DEF3B4C8}"/>
               </a:ext>
             </a:extLst>
           </p:cNvPr>
@@ -6539,7 +6890,7 @@
           <p:cNvPr id="4" name="Slide Number Placeholder 3">
             <a:extLst>
               <a:ext uri="{FF2B5EF4-FFF2-40B4-BE49-F238E27FC236}">
-                <a16:creationId xmlns:a16="http://schemas.microsoft.com/office/drawing/2014/main" id="{B2FC125C-5A00-41EE-B2F6-EB9B6CDD85D2}"/>
+                <a16:creationId xmlns:a16="http://schemas.microsoft.com/office/drawing/2014/main" xmlns="" id="{B2FC125C-5A00-41EE-B2F6-EB9B6CDD85D2}"/>
               </a:ext>
             </a:extLst>
           </p:cNvPr>
@@ -6568,7 +6919,7 @@
           <p:cNvPr id="10" name="Content Placeholder 9">
             <a:extLst>
               <a:ext uri="{FF2B5EF4-FFF2-40B4-BE49-F238E27FC236}">
-                <a16:creationId xmlns:a16="http://schemas.microsoft.com/office/drawing/2014/main" id="{452ED0EF-9256-44A5-ACBD-BB345E34B78A}"/>
+                <a16:creationId xmlns:a16="http://schemas.microsoft.com/office/drawing/2014/main" xmlns="" id="{452ED0EF-9256-44A5-ACBD-BB345E34B78A}"/>
               </a:ext>
             </a:extLst>
           </p:cNvPr>
@@ -6633,7 +6984,7 @@
           <p:cNvPr id="2" name="Title 1">
             <a:extLst>
               <a:ext uri="{FF2B5EF4-FFF2-40B4-BE49-F238E27FC236}">
-                <a16:creationId xmlns:a16="http://schemas.microsoft.com/office/drawing/2014/main" id="{142568EF-8CBB-4ECA-B403-757DE5DC1AAC}"/>
+                <a16:creationId xmlns:a16="http://schemas.microsoft.com/office/drawing/2014/main" xmlns="" id="{142568EF-8CBB-4ECA-B403-757DE5DC1AAC}"/>
               </a:ext>
             </a:extLst>
           </p:cNvPr>
@@ -6661,7 +7012,7 @@
           <p:cNvPr id="6" name="Content Placeholder 5">
             <a:extLst>
               <a:ext uri="{FF2B5EF4-FFF2-40B4-BE49-F238E27FC236}">
-                <a16:creationId xmlns:a16="http://schemas.microsoft.com/office/drawing/2014/main" id="{2D1883AA-807B-4997-BF5C-E8AE24DE09EC}"/>
+                <a16:creationId xmlns:a16="http://schemas.microsoft.com/office/drawing/2014/main" xmlns="" id="{2D1883AA-807B-4997-BF5C-E8AE24DE09EC}"/>
               </a:ext>
             </a:extLst>
           </p:cNvPr>
@@ -6696,7 +7047,7 @@
           <p:cNvPr id="4" name="Slide Number Placeholder 3">
             <a:extLst>
               <a:ext uri="{FF2B5EF4-FFF2-40B4-BE49-F238E27FC236}">
-                <a16:creationId xmlns:a16="http://schemas.microsoft.com/office/drawing/2014/main" id="{C2042554-C42B-47A6-A498-06C1F2031036}"/>
+                <a16:creationId xmlns:a16="http://schemas.microsoft.com/office/drawing/2014/main" xmlns="" id="{C2042554-C42B-47A6-A498-06C1F2031036}"/>
               </a:ext>
             </a:extLst>
           </p:cNvPr>
@@ -6755,7 +7106,7 @@
           <p:cNvPr id="2" name="Title 1">
             <a:extLst>
               <a:ext uri="{FF2B5EF4-FFF2-40B4-BE49-F238E27FC236}">
-                <a16:creationId xmlns:a16="http://schemas.microsoft.com/office/drawing/2014/main" id="{25F2F2B5-F7AD-47F3-81AE-79AE37D4601A}"/>
+                <a16:creationId xmlns:a16="http://schemas.microsoft.com/office/drawing/2014/main" xmlns="" id="{25F2F2B5-F7AD-47F3-81AE-79AE37D4601A}"/>
               </a:ext>
             </a:extLst>
           </p:cNvPr>
@@ -6787,7 +7138,7 @@
           <p:cNvPr id="6" name="Content Placeholder 5">
             <a:extLst>
               <a:ext uri="{FF2B5EF4-FFF2-40B4-BE49-F238E27FC236}">
-                <a16:creationId xmlns:a16="http://schemas.microsoft.com/office/drawing/2014/main" id="{B4CDE85C-DD46-4618-A9F7-6C3778632F2F}"/>
+                <a16:creationId xmlns:a16="http://schemas.microsoft.com/office/drawing/2014/main" xmlns="" id="{B4CDE85C-DD46-4618-A9F7-6C3778632F2F}"/>
               </a:ext>
             </a:extLst>
           </p:cNvPr>
@@ -6812,7 +7163,7 @@
         </p:blipFill>
         <p:spPr>
           <a:xfrm>
-            <a:off x="3400813" y="1979903"/>
+            <a:off x="6123963" y="1935165"/>
             <a:ext cx="5390374" cy="4042781"/>
           </a:xfrm>
         </p:spPr>
@@ -6822,7 +7173,7 @@
           <p:cNvPr id="4" name="Slide Number Placeholder 3">
             <a:extLst>
               <a:ext uri="{FF2B5EF4-FFF2-40B4-BE49-F238E27FC236}">
-                <a16:creationId xmlns:a16="http://schemas.microsoft.com/office/drawing/2014/main" id="{71C2B8AE-542D-4DC0-9560-9065A1BBA5D2}"/>
+                <a16:creationId xmlns:a16="http://schemas.microsoft.com/office/drawing/2014/main" xmlns="" id="{71C2B8AE-542D-4DC0-9560-9065A1BBA5D2}"/>
               </a:ext>
             </a:extLst>
           </p:cNvPr>
@@ -6846,6 +7197,226 @@
           </a:p>
         </p:txBody>
       </p:sp>
+      <p:pic>
+        <p:nvPicPr>
+          <p:cNvPr id="1026" name="Picture 2"/>
+          <p:cNvPicPr>
+            <a:picLocks noChangeAspect="1" noChangeArrowheads="1"/>
+          </p:cNvPicPr>
+          <p:nvPr/>
+        </p:nvPicPr>
+        <p:blipFill>
+          <a:blip r:embed="rId3">
+            <a:extLst>
+              <a:ext uri="{28A0092B-C50C-407E-A947-70E740481C1C}">
+                <a14:useLocalDpi xmlns:a14="http://schemas.microsoft.com/office/drawing/2010/main" val="0"/>
+              </a:ext>
+            </a:extLst>
+          </a:blip>
+          <a:srcRect/>
+          <a:stretch>
+            <a:fillRect/>
+          </a:stretch>
+        </p:blipFill>
+        <p:spPr bwMode="auto">
+          <a:xfrm>
+            <a:off x="440232" y="1744865"/>
+            <a:ext cx="4618329" cy="1925608"/>
+          </a:xfrm>
+          <a:prstGeom prst="rect">
+            <a:avLst/>
+          </a:prstGeom>
+          <a:noFill/>
+          <a:ln>
+            <a:noFill/>
+          </a:ln>
+          <a:effectLst/>
+          <a:extLst>
+            <a:ext uri="{909E8E84-426E-40DD-AFC4-6F175D3DCCD1}">
+              <a14:hiddenFill xmlns:a14="http://schemas.microsoft.com/office/drawing/2010/main">
+                <a:solidFill>
+                  <a:schemeClr val="accent1"/>
+                </a:solidFill>
+              </a14:hiddenFill>
+            </a:ext>
+            <a:ext uri="{91240B29-F687-4F45-9708-019B960494DF}">
+              <a14:hiddenLine xmlns:a14="http://schemas.microsoft.com/office/drawing/2010/main" w="9525">
+                <a:solidFill>
+                  <a:schemeClr val="tx1"/>
+                </a:solidFill>
+                <a:miter lim="800000"/>
+                <a:headEnd/>
+                <a:tailEnd/>
+              </a14:hiddenLine>
+            </a:ext>
+            <a:ext uri="{AF507438-7753-43E0-B8FC-AC1667EBCBE1}">
+              <a14:hiddenEffects xmlns:a14="http://schemas.microsoft.com/office/drawing/2010/main">
+                <a:effectLst>
+                  <a:outerShdw dist="35921" dir="2700000" algn="ctr" rotWithShape="0">
+                    <a:schemeClr val="bg2"/>
+                  </a:outerShdw>
+                </a:effectLst>
+              </a14:hiddenEffects>
+            </a:ext>
+          </a:extLst>
+        </p:spPr>
+      </p:pic>
+      <mc:AlternateContent xmlns:mc="http://schemas.openxmlformats.org/markup-compatibility/2006">
+        <mc:Choice xmlns:a14="http://schemas.microsoft.com/office/drawing/2010/main" Requires="a14">
+          <p:sp>
+            <p:nvSpPr>
+              <p:cNvPr id="5" name="TextBox 4"/>
+              <p:cNvSpPr txBox="1"/>
+              <p:nvPr/>
+            </p:nvSpPr>
+            <p:spPr>
+              <a:xfrm>
+                <a:off x="1638018" y="3633391"/>
+                <a:ext cx="2199641" cy="646331"/>
+              </a:xfrm>
+              <a:prstGeom prst="rect">
+                <a:avLst/>
+              </a:prstGeom>
+              <a:noFill/>
+            </p:spPr>
+            <p:txBody>
+              <a:bodyPr wrap="none" rtlCol="0">
+                <a:spAutoFit/>
+              </a:bodyPr>
+              <a:lstStyle/>
+              <a:p>
+                <a:r>
+                  <a:rPr lang="en-US" dirty="0" smtClean="0"/>
+                  <a:t>Applied input </a:t>
+                </a:r>
+                <a14:m>
+                  <m:oMath xmlns:m="http://schemas.openxmlformats.org/officeDocument/2006/math">
+                    <m:r>
+                      <a:rPr lang="en-US" b="0" i="1" smtClean="0">
+                        <a:latin typeface="Cambria Math"/>
+                      </a:rPr>
+                      <m:t>𝑢</m:t>
+                    </m:r>
+                    <m:d>
+                      <m:dPr>
+                        <m:ctrlPr>
+                          <a:rPr lang="en-US" b="0" i="1" smtClean="0">
+                            <a:latin typeface="Cambria Math"/>
+                          </a:rPr>
+                        </m:ctrlPr>
+                      </m:dPr>
+                      <m:e>
+                        <m:r>
+                          <a:rPr lang="en-US" b="0" i="1" smtClean="0">
+                            <a:latin typeface="Cambria Math"/>
+                          </a:rPr>
+                          <m:t>𝑡</m:t>
+                        </m:r>
+                      </m:e>
+                    </m:d>
+                  </m:oMath>
+                </a14:m>
+                <a:endParaRPr lang="en-US" b="0" dirty="0" smtClean="0"/>
+              </a:p>
+              <a:p>
+                <a:r>
+                  <a:rPr lang="en-US" dirty="0" smtClean="0"/>
+                  <a:t>The slope is </a:t>
+                </a:r>
+                <a14:m>
+                  <m:oMath xmlns:m="http://schemas.openxmlformats.org/officeDocument/2006/math">
+                    <m:r>
+                      <a:rPr lang="en-US" i="1" dirty="0" smtClean="0">
+                        <a:latin typeface="Cambria Math"/>
+                        <a:ea typeface="Cambria Math"/>
+                      </a:rPr>
+                      <m:t>±</m:t>
+                    </m:r>
+                    <m:r>
+                      <a:rPr lang="en-US" i="1" dirty="0" smtClean="0">
+                        <a:latin typeface="Cambria Math"/>
+                      </a:rPr>
+                      <m:t>0.1425</m:t>
+                    </m:r>
+                  </m:oMath>
+                </a14:m>
+                <a:endParaRPr lang="en-US" dirty="0"/>
+              </a:p>
+            </p:txBody>
+          </p:sp>
+        </mc:Choice>
+        <mc:Fallback>
+          <p:sp>
+            <p:nvSpPr>
+              <p:cNvPr id="5" name="TextBox 4"/>
+              <p:cNvSpPr txBox="1">
+                <a:spLocks noRot="1" noChangeAspect="1" noMove="1" noResize="1" noEditPoints="1" noAdjustHandles="1" noChangeArrowheads="1" noChangeShapeType="1" noTextEdit="1"/>
+              </p:cNvSpPr>
+              <p:nvPr/>
+            </p:nvSpPr>
+            <p:spPr>
+              <a:xfrm>
+                <a:off x="1638018" y="3633391"/>
+                <a:ext cx="2199641" cy="646331"/>
+              </a:xfrm>
+              <a:prstGeom prst="rect">
+                <a:avLst/>
+              </a:prstGeom>
+              <a:blipFill rotWithShape="1">
+                <a:blip r:embed="rId4"/>
+                <a:stretch>
+                  <a:fillRect l="-2493" t="-4717" b="-14151"/>
+                </a:stretch>
+              </a:blipFill>
+            </p:spPr>
+            <p:txBody>
+              <a:bodyPr/>
+              <a:lstStyle/>
+              <a:p>
+                <a:r>
+                  <a:rPr lang="en-US">
+                    <a:noFill/>
+                  </a:rPr>
+                  <a:t> </a:t>
+                </a:r>
+              </a:p>
+            </p:txBody>
+          </p:sp>
+        </mc:Fallback>
+      </mc:AlternateContent>
+      <p:cxnSp>
+        <p:nvCxnSpPr>
+          <p:cNvPr id="8" name="Curved Connector 7"/>
+          <p:cNvCxnSpPr/>
+          <p:nvPr/>
+        </p:nvCxnSpPr>
+        <p:spPr>
+          <a:xfrm>
+            <a:off x="5125673" y="2898686"/>
+            <a:ext cx="914400" cy="914400"/>
+          </a:xfrm>
+          <a:prstGeom prst="curvedConnector3">
+            <a:avLst/>
+          </a:prstGeom>
+          <a:ln>
+            <a:tailEnd type="arrow"/>
+          </a:ln>
+        </p:spPr>
+        <p:style>
+          <a:lnRef idx="1">
+            <a:schemeClr val="accent1"/>
+          </a:lnRef>
+          <a:fillRef idx="0">
+            <a:schemeClr val="accent1"/>
+          </a:fillRef>
+          <a:effectRef idx="0">
+            <a:schemeClr val="accent1"/>
+          </a:effectRef>
+          <a:fontRef idx="minor">
+            <a:schemeClr val="tx1"/>
+          </a:fontRef>
+        </p:style>
+      </p:cxnSp>
     </p:spTree>
     <p:extLst>
       <p:ext uri="{BB962C8B-B14F-4D97-AF65-F5344CB8AC3E}">
@@ -6902,7 +7473,7 @@
     </a:clrScheme>
     <a:fontScheme name="Office">
       <a:majorFont>
-        <a:latin typeface="Calibri Light" panose="020F0302020204030204"/>
+        <a:latin typeface="Calibri Light"/>
         <a:ea typeface=""/>
         <a:cs typeface=""/>
         <a:font script="Jpan" typeface="ＭＳ Ｐゴシック"/>
@@ -6937,7 +7508,7 @@
         <a:font script="Geor" typeface="Sylfaen"/>
       </a:majorFont>
       <a:minorFont>
-        <a:latin typeface="Calibri" panose="020F0502020204030204"/>
+        <a:latin typeface="Calibri"/>
         <a:ea typeface=""/>
         <a:cs typeface=""/>
         <a:font script="Jpan" typeface="ＭＳ Ｐゴシック"/>
@@ -7114,7 +7685,7 @@
   <a:extraClrSchemeLst/>
   <a:extLst>
     <a:ext uri="{05A4C25C-085E-4340-85A3-A5531E510DB2}">
-      <thm15:themeFamily xmlns:thm15="http://schemas.microsoft.com/office/thememl/2012/main" name="Office Theme" id="{62F939B6-93AF-4DB8-9C6B-D6C7DFDC589F}" vid="{4A3C46E8-61CC-4603-A589-7422A47A8E4A}"/>
+      <thm15:themeFamily xmlns:thm15="http://schemas.microsoft.com/office/thememl/2012/main" xmlns="" name="Office Theme" id="{62F939B6-93AF-4DB8-9C6B-D6C7DFDC589F}" vid="{4A3C46E8-61CC-4603-A589-7422A47A8E4A}"/>
     </a:ext>
   </a:extLst>
 </a:theme>
@@ -7163,7 +7734,7 @@
     </a:clrScheme>
     <a:fontScheme name="Office">
       <a:majorFont>
-        <a:latin typeface="Calibri Light" panose="020F0302020204030204"/>
+        <a:latin typeface="Calibri Light"/>
         <a:ea typeface=""/>
         <a:cs typeface=""/>
         <a:font script="Jpan" typeface="游ゴシック Light"/>
@@ -7215,7 +7786,7 @@
         <a:font script="Tfng" typeface="Ebrima"/>
       </a:majorFont>
       <a:minorFont>
-        <a:latin typeface="Calibri" panose="020F0502020204030204"/>
+        <a:latin typeface="Calibri"/>
         <a:ea typeface=""/>
         <a:cs typeface=""/>
         <a:font script="Jpan" typeface="游ゴシック"/>
@@ -7409,7 +7980,7 @@
   <a:extraClrSchemeLst/>
   <a:extLst>
     <a:ext uri="{05A4C25C-085E-4340-85A3-A5531E510DB2}">
-      <thm15:themeFamily xmlns:thm15="http://schemas.microsoft.com/office/thememl/2012/main" name="Office Theme" id="{62F939B6-93AF-4DB8-9C6B-D6C7DFDC589F}" vid="{4A3C46E8-61CC-4603-A589-7422A47A8E4A}"/>
+      <thm15:themeFamily xmlns:thm15="http://schemas.microsoft.com/office/thememl/2012/main" xmlns="" name="Office Theme" id="{62F939B6-93AF-4DB8-9C6B-D6C7DFDC589F}" vid="{4A3C46E8-61CC-4603-A589-7422A47A8E4A}"/>
     </a:ext>
   </a:extLst>
 </a:theme>
